--- a/doc/场外交易.pptx
+++ b/doc/场外交易.pptx
@@ -275,7 +275,7 @@
           <a:p>
             <a:fld id="{1B7BBEA4-24BC-4F9A-BA49-26A596A24E96}" type="datetimeFigureOut">
               <a:rPr lang="zh-CN" altLang="en-US" smtClean="0"/>
-              <a:t>2021/4/11</a:t>
+              <a:t>2021/4/13</a:t>
             </a:fld>
             <a:endParaRPr lang="zh-CN" altLang="en-US"/>
           </a:p>
@@ -473,7 +473,7 @@
           <a:p>
             <a:fld id="{1B7BBEA4-24BC-4F9A-BA49-26A596A24E96}" type="datetimeFigureOut">
               <a:rPr lang="zh-CN" altLang="en-US" smtClean="0"/>
-              <a:t>2021/4/11</a:t>
+              <a:t>2021/4/13</a:t>
             </a:fld>
             <a:endParaRPr lang="zh-CN" altLang="en-US"/>
           </a:p>
@@ -681,7 +681,7 @@
           <a:p>
             <a:fld id="{1B7BBEA4-24BC-4F9A-BA49-26A596A24E96}" type="datetimeFigureOut">
               <a:rPr lang="zh-CN" altLang="en-US" smtClean="0"/>
-              <a:t>2021/4/11</a:t>
+              <a:t>2021/4/13</a:t>
             </a:fld>
             <a:endParaRPr lang="zh-CN" altLang="en-US"/>
           </a:p>
@@ -879,7 +879,7 @@
           <a:p>
             <a:fld id="{1B7BBEA4-24BC-4F9A-BA49-26A596A24E96}" type="datetimeFigureOut">
               <a:rPr lang="zh-CN" altLang="en-US" smtClean="0"/>
-              <a:t>2021/4/11</a:t>
+              <a:t>2021/4/13</a:t>
             </a:fld>
             <a:endParaRPr lang="zh-CN" altLang="en-US"/>
           </a:p>
@@ -1154,7 +1154,7 @@
           <a:p>
             <a:fld id="{1B7BBEA4-24BC-4F9A-BA49-26A596A24E96}" type="datetimeFigureOut">
               <a:rPr lang="zh-CN" altLang="en-US" smtClean="0"/>
-              <a:t>2021/4/11</a:t>
+              <a:t>2021/4/13</a:t>
             </a:fld>
             <a:endParaRPr lang="zh-CN" altLang="en-US"/>
           </a:p>
@@ -1419,7 +1419,7 @@
           <a:p>
             <a:fld id="{1B7BBEA4-24BC-4F9A-BA49-26A596A24E96}" type="datetimeFigureOut">
               <a:rPr lang="zh-CN" altLang="en-US" smtClean="0"/>
-              <a:t>2021/4/11</a:t>
+              <a:t>2021/4/13</a:t>
             </a:fld>
             <a:endParaRPr lang="zh-CN" altLang="en-US"/>
           </a:p>
@@ -1831,7 +1831,7 @@
           <a:p>
             <a:fld id="{1B7BBEA4-24BC-4F9A-BA49-26A596A24E96}" type="datetimeFigureOut">
               <a:rPr lang="zh-CN" altLang="en-US" smtClean="0"/>
-              <a:t>2021/4/11</a:t>
+              <a:t>2021/4/13</a:t>
             </a:fld>
             <a:endParaRPr lang="zh-CN" altLang="en-US"/>
           </a:p>
@@ -1972,7 +1972,7 @@
           <a:p>
             <a:fld id="{1B7BBEA4-24BC-4F9A-BA49-26A596A24E96}" type="datetimeFigureOut">
               <a:rPr lang="zh-CN" altLang="en-US" smtClean="0"/>
-              <a:t>2021/4/11</a:t>
+              <a:t>2021/4/13</a:t>
             </a:fld>
             <a:endParaRPr lang="zh-CN" altLang="en-US"/>
           </a:p>
@@ -2085,7 +2085,7 @@
           <a:p>
             <a:fld id="{1B7BBEA4-24BC-4F9A-BA49-26A596A24E96}" type="datetimeFigureOut">
               <a:rPr lang="zh-CN" altLang="en-US" smtClean="0"/>
-              <a:t>2021/4/11</a:t>
+              <a:t>2021/4/13</a:t>
             </a:fld>
             <a:endParaRPr lang="zh-CN" altLang="en-US"/>
           </a:p>
@@ -2396,7 +2396,7 @@
           <a:p>
             <a:fld id="{1B7BBEA4-24BC-4F9A-BA49-26A596A24E96}" type="datetimeFigureOut">
               <a:rPr lang="zh-CN" altLang="en-US" smtClean="0"/>
-              <a:t>2021/4/11</a:t>
+              <a:t>2021/4/13</a:t>
             </a:fld>
             <a:endParaRPr lang="zh-CN" altLang="en-US"/>
           </a:p>
@@ -2684,7 +2684,7 @@
           <a:p>
             <a:fld id="{1B7BBEA4-24BC-4F9A-BA49-26A596A24E96}" type="datetimeFigureOut">
               <a:rPr lang="zh-CN" altLang="en-US" smtClean="0"/>
-              <a:t>2021/4/11</a:t>
+              <a:t>2021/4/13</a:t>
             </a:fld>
             <a:endParaRPr lang="zh-CN" altLang="en-US"/>
           </a:p>
@@ -2925,7 +2925,7 @@
           <a:p>
             <a:fld id="{1B7BBEA4-24BC-4F9A-BA49-26A596A24E96}" type="datetimeFigureOut">
               <a:rPr lang="zh-CN" altLang="en-US" smtClean="0"/>
-              <a:t>2021/4/11</a:t>
+              <a:t>2021/4/13</a:t>
             </a:fld>
             <a:endParaRPr lang="zh-CN" altLang="en-US"/>
           </a:p>
@@ -3458,7 +3458,7 @@
         <p:spPr>
           <a:xfrm>
             <a:off x="722687" y="138400"/>
-            <a:ext cx="2236510" cy="584775"/>
+            <a:ext cx="1005403" cy="584775"/>
           </a:xfrm>
           <a:prstGeom prst="rect">
             <a:avLst/>
@@ -3476,7 +3476,7 @@
                 <a:latin typeface="Consolas" panose="020B0609020204030204" pitchFamily="49" charset="0"/>
                 <a:ea typeface="微软雅黑" panose="020B0503020204020204" pitchFamily="34" charset="-122"/>
               </a:rPr>
-              <a:t>大纲及流程</a:t>
+              <a:t>目录</a:t>
             </a:r>
           </a:p>
         </p:txBody>
@@ -5088,7 +5088,7 @@
         <p:spPr>
           <a:xfrm>
             <a:off x="3237180" y="2028677"/>
-            <a:ext cx="2180394" cy="1127478"/>
+            <a:ext cx="2180394" cy="919789"/>
           </a:xfrm>
           <a:prstGeom prst="roundRect">
             <a:avLst>

--- a/doc/场外交易.pptx
+++ b/doc/场外交易.pptx
@@ -3584,7 +3584,7 @@
                   <a:latin typeface="Consolas" panose="020B0609020204030204" pitchFamily="49" charset="0"/>
                   <a:ea typeface="微软雅黑" panose="020B0503020204020204" pitchFamily="34" charset="-122"/>
                 </a:rPr>
-                <a:t>接口</a:t>
+                <a:t>表结构</a:t>
               </a:r>
               <a:endParaRPr lang="zh-CN" altLang="en-US"/>
             </a:p>
@@ -3593,10 +3593,10 @@
       </p:grpSp>
       <p:grpSp>
         <p:nvGrpSpPr>
-          <p:cNvPr id="35" name="组合 34">
-            <a:extLst>
-              <a:ext uri="{FF2B5EF4-FFF2-40B4-BE49-F238E27FC236}">
-                <a16:creationId xmlns:a16="http://schemas.microsoft.com/office/drawing/2014/main" id="{97626578-461A-4C8B-85C6-BC8B55F881D2}"/>
+          <p:cNvPr id="56" name="组合 55">
+            <a:extLst>
+              <a:ext uri="{FF2B5EF4-FFF2-40B4-BE49-F238E27FC236}">
+                <a16:creationId xmlns:a16="http://schemas.microsoft.com/office/drawing/2014/main" id="{C2FC795F-5A4D-46B5-BE93-147D6B853AE8}"/>
               </a:ext>
             </a:extLst>
           </p:cNvPr>
@@ -3605,522 +3605,7 @@
         </p:nvGrpSpPr>
         <p:grpSpPr>
           <a:xfrm>
-            <a:off x="1199043" y="4103376"/>
-            <a:ext cx="6634783" cy="369332"/>
-            <a:chOff x="2259623" y="2182542"/>
-            <a:chExt cx="6634783" cy="369332"/>
-          </a:xfrm>
-        </p:grpSpPr>
-        <p:sp>
-          <p:nvSpPr>
-            <p:cNvPr id="36" name="箭头: V 形 35">
-              <a:extLst>
-                <a:ext uri="{FF2B5EF4-FFF2-40B4-BE49-F238E27FC236}">
-                  <a16:creationId xmlns:a16="http://schemas.microsoft.com/office/drawing/2014/main" id="{C985E1AC-A52C-4E6D-9FB8-CDA8CE9EE64C}"/>
-                </a:ext>
-              </a:extLst>
-            </p:cNvPr>
-            <p:cNvSpPr/>
-            <p:nvPr/>
-          </p:nvSpPr>
-          <p:spPr>
-            <a:xfrm>
-              <a:off x="2259623" y="2277208"/>
-              <a:ext cx="324000" cy="180000"/>
-            </a:xfrm>
-            <a:prstGeom prst="chevron">
-              <a:avLst/>
-            </a:prstGeom>
-          </p:spPr>
-          <p:style>
-            <a:lnRef idx="2">
-              <a:schemeClr val="accent1">
-                <a:shade val="50000"/>
-              </a:schemeClr>
-            </a:lnRef>
-            <a:fillRef idx="1">
-              <a:schemeClr val="accent1"/>
-            </a:fillRef>
-            <a:effectRef idx="0">
-              <a:schemeClr val="accent1"/>
-            </a:effectRef>
-            <a:fontRef idx="minor">
-              <a:schemeClr val="lt1"/>
-            </a:fontRef>
-          </p:style>
-          <p:txBody>
-            <a:bodyPr rtlCol="0" anchor="ctr"/>
-            <a:lstStyle/>
-            <a:p>
-              <a:pPr algn="ctr"/>
-              <a:endParaRPr lang="zh-CN" altLang="en-US">
-                <a:solidFill>
-                  <a:schemeClr val="tx1"/>
-                </a:solidFill>
-              </a:endParaRPr>
-            </a:p>
-          </p:txBody>
-        </p:sp>
-        <p:sp>
-          <p:nvSpPr>
-            <p:cNvPr id="37" name="文本框 36">
-              <a:extLst>
-                <a:ext uri="{FF2B5EF4-FFF2-40B4-BE49-F238E27FC236}">
-                  <a16:creationId xmlns:a16="http://schemas.microsoft.com/office/drawing/2014/main" id="{E6267DE6-D213-43F0-B468-7B0EEB116C03}"/>
-                </a:ext>
-              </a:extLst>
-            </p:cNvPr>
-            <p:cNvSpPr txBox="1"/>
-            <p:nvPr/>
-          </p:nvSpPr>
-          <p:spPr>
-            <a:xfrm>
-              <a:off x="2796852" y="2182542"/>
-              <a:ext cx="6097554" cy="369332"/>
-            </a:xfrm>
-            <a:prstGeom prst="rect">
-              <a:avLst/>
-            </a:prstGeom>
-            <a:noFill/>
-          </p:spPr>
-          <p:txBody>
-            <a:bodyPr wrap="square">
-              <a:spAutoFit/>
-            </a:bodyPr>
-            <a:lstStyle/>
-            <a:p>
-              <a:endParaRPr lang="zh-CN" altLang="en-US"/>
-            </a:p>
-          </p:txBody>
-        </p:sp>
-      </p:grpSp>
-      <p:grpSp>
-        <p:nvGrpSpPr>
-          <p:cNvPr id="38" name="组合 37">
-            <a:extLst>
-              <a:ext uri="{FF2B5EF4-FFF2-40B4-BE49-F238E27FC236}">
-                <a16:creationId xmlns:a16="http://schemas.microsoft.com/office/drawing/2014/main" id="{BC521525-960C-48FD-9CC4-86982E1A08D1}"/>
-              </a:ext>
-            </a:extLst>
-          </p:cNvPr>
-          <p:cNvGrpSpPr/>
-          <p:nvPr/>
-        </p:nvGrpSpPr>
-        <p:grpSpPr>
-          <a:xfrm>
-            <a:off x="1199043" y="4571743"/>
-            <a:ext cx="6634783" cy="369332"/>
-            <a:chOff x="2259623" y="2182542"/>
-            <a:chExt cx="6634783" cy="369332"/>
-          </a:xfrm>
-        </p:grpSpPr>
-        <p:sp>
-          <p:nvSpPr>
-            <p:cNvPr id="39" name="箭头: V 形 38">
-              <a:extLst>
-                <a:ext uri="{FF2B5EF4-FFF2-40B4-BE49-F238E27FC236}">
-                  <a16:creationId xmlns:a16="http://schemas.microsoft.com/office/drawing/2014/main" id="{4A68BB4A-7C53-4396-9A18-70EB469EDEE9}"/>
-                </a:ext>
-              </a:extLst>
-            </p:cNvPr>
-            <p:cNvSpPr/>
-            <p:nvPr/>
-          </p:nvSpPr>
-          <p:spPr>
-            <a:xfrm>
-              <a:off x="2259623" y="2277208"/>
-              <a:ext cx="324000" cy="180000"/>
-            </a:xfrm>
-            <a:prstGeom prst="chevron">
-              <a:avLst/>
-            </a:prstGeom>
-          </p:spPr>
-          <p:style>
-            <a:lnRef idx="2">
-              <a:schemeClr val="accent1">
-                <a:shade val="50000"/>
-              </a:schemeClr>
-            </a:lnRef>
-            <a:fillRef idx="1">
-              <a:schemeClr val="accent1"/>
-            </a:fillRef>
-            <a:effectRef idx="0">
-              <a:schemeClr val="accent1"/>
-            </a:effectRef>
-            <a:fontRef idx="minor">
-              <a:schemeClr val="lt1"/>
-            </a:fontRef>
-          </p:style>
-          <p:txBody>
-            <a:bodyPr rtlCol="0" anchor="ctr"/>
-            <a:lstStyle/>
-            <a:p>
-              <a:pPr algn="ctr"/>
-              <a:endParaRPr lang="zh-CN" altLang="en-US">
-                <a:solidFill>
-                  <a:schemeClr val="tx1"/>
-                </a:solidFill>
-              </a:endParaRPr>
-            </a:p>
-          </p:txBody>
-        </p:sp>
-        <p:sp>
-          <p:nvSpPr>
-            <p:cNvPr id="40" name="文本框 39">
-              <a:extLst>
-                <a:ext uri="{FF2B5EF4-FFF2-40B4-BE49-F238E27FC236}">
-                  <a16:creationId xmlns:a16="http://schemas.microsoft.com/office/drawing/2014/main" id="{E9F6A35D-F1C7-493E-B064-A2FADF049FBD}"/>
-                </a:ext>
-              </a:extLst>
-            </p:cNvPr>
-            <p:cNvSpPr txBox="1"/>
-            <p:nvPr/>
-          </p:nvSpPr>
-          <p:spPr>
-            <a:xfrm>
-              <a:off x="2796852" y="2182542"/>
-              <a:ext cx="6097554" cy="369332"/>
-            </a:xfrm>
-            <a:prstGeom prst="rect">
-              <a:avLst/>
-            </a:prstGeom>
-            <a:noFill/>
-          </p:spPr>
-          <p:txBody>
-            <a:bodyPr wrap="square">
-              <a:spAutoFit/>
-            </a:bodyPr>
-            <a:lstStyle/>
-            <a:p>
-              <a:endParaRPr lang="zh-CN" altLang="en-US"/>
-            </a:p>
-          </p:txBody>
-        </p:sp>
-      </p:grpSp>
-      <p:grpSp>
-        <p:nvGrpSpPr>
-          <p:cNvPr id="41" name="组合 40">
-            <a:extLst>
-              <a:ext uri="{FF2B5EF4-FFF2-40B4-BE49-F238E27FC236}">
-                <a16:creationId xmlns:a16="http://schemas.microsoft.com/office/drawing/2014/main" id="{EB51D245-B715-4332-A0DB-60096F4B151D}"/>
-              </a:ext>
-            </a:extLst>
-          </p:cNvPr>
-          <p:cNvGrpSpPr/>
-          <p:nvPr/>
-        </p:nvGrpSpPr>
-        <p:grpSpPr>
-          <a:xfrm>
-            <a:off x="1199043" y="5040110"/>
-            <a:ext cx="6634783" cy="369332"/>
-            <a:chOff x="2259623" y="2182542"/>
-            <a:chExt cx="6634783" cy="369332"/>
-          </a:xfrm>
-        </p:grpSpPr>
-        <p:sp>
-          <p:nvSpPr>
-            <p:cNvPr id="42" name="箭头: V 形 41">
-              <a:extLst>
-                <a:ext uri="{FF2B5EF4-FFF2-40B4-BE49-F238E27FC236}">
-                  <a16:creationId xmlns:a16="http://schemas.microsoft.com/office/drawing/2014/main" id="{3BC4E077-AC6F-4955-9786-E646B8FE9CAC}"/>
-                </a:ext>
-              </a:extLst>
-            </p:cNvPr>
-            <p:cNvSpPr/>
-            <p:nvPr/>
-          </p:nvSpPr>
-          <p:spPr>
-            <a:xfrm>
-              <a:off x="2259623" y="2277208"/>
-              <a:ext cx="324000" cy="180000"/>
-            </a:xfrm>
-            <a:prstGeom prst="chevron">
-              <a:avLst/>
-            </a:prstGeom>
-          </p:spPr>
-          <p:style>
-            <a:lnRef idx="2">
-              <a:schemeClr val="accent1">
-                <a:shade val="50000"/>
-              </a:schemeClr>
-            </a:lnRef>
-            <a:fillRef idx="1">
-              <a:schemeClr val="accent1"/>
-            </a:fillRef>
-            <a:effectRef idx="0">
-              <a:schemeClr val="accent1"/>
-            </a:effectRef>
-            <a:fontRef idx="minor">
-              <a:schemeClr val="lt1"/>
-            </a:fontRef>
-          </p:style>
-          <p:txBody>
-            <a:bodyPr rtlCol="0" anchor="ctr"/>
-            <a:lstStyle/>
-            <a:p>
-              <a:pPr algn="ctr"/>
-              <a:endParaRPr lang="zh-CN" altLang="en-US">
-                <a:solidFill>
-                  <a:schemeClr val="tx1"/>
-                </a:solidFill>
-              </a:endParaRPr>
-            </a:p>
-          </p:txBody>
-        </p:sp>
-        <p:sp>
-          <p:nvSpPr>
-            <p:cNvPr id="43" name="文本框 42">
-              <a:extLst>
-                <a:ext uri="{FF2B5EF4-FFF2-40B4-BE49-F238E27FC236}">
-                  <a16:creationId xmlns:a16="http://schemas.microsoft.com/office/drawing/2014/main" id="{5D269F70-BA56-4E86-991F-3E2FE3DFF7B6}"/>
-                </a:ext>
-              </a:extLst>
-            </p:cNvPr>
-            <p:cNvSpPr txBox="1"/>
-            <p:nvPr/>
-          </p:nvSpPr>
-          <p:spPr>
-            <a:xfrm>
-              <a:off x="2796852" y="2182542"/>
-              <a:ext cx="6097554" cy="369332"/>
-            </a:xfrm>
-            <a:prstGeom prst="rect">
-              <a:avLst/>
-            </a:prstGeom>
-            <a:noFill/>
-          </p:spPr>
-          <p:txBody>
-            <a:bodyPr wrap="square">
-              <a:spAutoFit/>
-            </a:bodyPr>
-            <a:lstStyle/>
-            <a:p>
-              <a:endParaRPr lang="zh-CN" altLang="en-US"/>
-            </a:p>
-          </p:txBody>
-        </p:sp>
-      </p:grpSp>
-      <p:grpSp>
-        <p:nvGrpSpPr>
-          <p:cNvPr id="44" name="组合 43">
-            <a:extLst>
-              <a:ext uri="{FF2B5EF4-FFF2-40B4-BE49-F238E27FC236}">
-                <a16:creationId xmlns:a16="http://schemas.microsoft.com/office/drawing/2014/main" id="{9B711DA0-10CD-461C-B9CE-F3E272C1D39C}"/>
-              </a:ext>
-            </a:extLst>
-          </p:cNvPr>
-          <p:cNvGrpSpPr/>
-          <p:nvPr/>
-        </p:nvGrpSpPr>
-        <p:grpSpPr>
-          <a:xfrm>
-            <a:off x="1199043" y="5508477"/>
-            <a:ext cx="6634783" cy="369332"/>
-            <a:chOff x="2259623" y="2182542"/>
-            <a:chExt cx="6634783" cy="369332"/>
-          </a:xfrm>
-        </p:grpSpPr>
-        <p:sp>
-          <p:nvSpPr>
-            <p:cNvPr id="45" name="箭头: V 形 44">
-              <a:extLst>
-                <a:ext uri="{FF2B5EF4-FFF2-40B4-BE49-F238E27FC236}">
-                  <a16:creationId xmlns:a16="http://schemas.microsoft.com/office/drawing/2014/main" id="{24CFCFE2-EA6A-4F81-A4B0-ECC7577EC338}"/>
-                </a:ext>
-              </a:extLst>
-            </p:cNvPr>
-            <p:cNvSpPr/>
-            <p:nvPr/>
-          </p:nvSpPr>
-          <p:spPr>
-            <a:xfrm>
-              <a:off x="2259623" y="2277208"/>
-              <a:ext cx="324000" cy="180000"/>
-            </a:xfrm>
-            <a:prstGeom prst="chevron">
-              <a:avLst/>
-            </a:prstGeom>
-          </p:spPr>
-          <p:style>
-            <a:lnRef idx="2">
-              <a:schemeClr val="accent1">
-                <a:shade val="50000"/>
-              </a:schemeClr>
-            </a:lnRef>
-            <a:fillRef idx="1">
-              <a:schemeClr val="accent1"/>
-            </a:fillRef>
-            <a:effectRef idx="0">
-              <a:schemeClr val="accent1"/>
-            </a:effectRef>
-            <a:fontRef idx="minor">
-              <a:schemeClr val="lt1"/>
-            </a:fontRef>
-          </p:style>
-          <p:txBody>
-            <a:bodyPr rtlCol="0" anchor="ctr"/>
-            <a:lstStyle/>
-            <a:p>
-              <a:pPr algn="ctr"/>
-              <a:endParaRPr lang="zh-CN" altLang="en-US">
-                <a:solidFill>
-                  <a:schemeClr val="tx1"/>
-                </a:solidFill>
-              </a:endParaRPr>
-            </a:p>
-          </p:txBody>
-        </p:sp>
-        <p:sp>
-          <p:nvSpPr>
-            <p:cNvPr id="46" name="文本框 45">
-              <a:extLst>
-                <a:ext uri="{FF2B5EF4-FFF2-40B4-BE49-F238E27FC236}">
-                  <a16:creationId xmlns:a16="http://schemas.microsoft.com/office/drawing/2014/main" id="{4B7A6BFD-5584-4F59-AC3B-3373DE532DC9}"/>
-                </a:ext>
-              </a:extLst>
-            </p:cNvPr>
-            <p:cNvSpPr txBox="1"/>
-            <p:nvPr/>
-          </p:nvSpPr>
-          <p:spPr>
-            <a:xfrm>
-              <a:off x="2796852" y="2182542"/>
-              <a:ext cx="6097554" cy="369332"/>
-            </a:xfrm>
-            <a:prstGeom prst="rect">
-              <a:avLst/>
-            </a:prstGeom>
-            <a:noFill/>
-          </p:spPr>
-          <p:txBody>
-            <a:bodyPr wrap="square">
-              <a:spAutoFit/>
-            </a:bodyPr>
-            <a:lstStyle/>
-            <a:p>
-              <a:endParaRPr lang="zh-CN" altLang="en-US"/>
-            </a:p>
-          </p:txBody>
-        </p:sp>
-      </p:grpSp>
-      <p:grpSp>
-        <p:nvGrpSpPr>
-          <p:cNvPr id="52" name="组合 51">
-            <a:extLst>
-              <a:ext uri="{FF2B5EF4-FFF2-40B4-BE49-F238E27FC236}">
-                <a16:creationId xmlns:a16="http://schemas.microsoft.com/office/drawing/2014/main" id="{FF46345E-F881-4720-9E57-0F287CBFCBEB}"/>
-              </a:ext>
-            </a:extLst>
-          </p:cNvPr>
-          <p:cNvGrpSpPr/>
-          <p:nvPr/>
-        </p:nvGrpSpPr>
-        <p:grpSpPr>
-          <a:xfrm>
-            <a:off x="1199043" y="5976844"/>
-            <a:ext cx="6634783" cy="369332"/>
-            <a:chOff x="2259623" y="2182542"/>
-            <a:chExt cx="6634783" cy="369332"/>
-          </a:xfrm>
-        </p:grpSpPr>
-        <p:sp>
-          <p:nvSpPr>
-            <p:cNvPr id="54" name="箭头: V 形 53">
-              <a:extLst>
-                <a:ext uri="{FF2B5EF4-FFF2-40B4-BE49-F238E27FC236}">
-                  <a16:creationId xmlns:a16="http://schemas.microsoft.com/office/drawing/2014/main" id="{63CE485E-4401-4C5D-9356-AC0CFFD3223E}"/>
-                </a:ext>
-              </a:extLst>
-            </p:cNvPr>
-            <p:cNvSpPr/>
-            <p:nvPr/>
-          </p:nvSpPr>
-          <p:spPr>
-            <a:xfrm>
-              <a:off x="2259623" y="2277208"/>
-              <a:ext cx="324000" cy="180000"/>
-            </a:xfrm>
-            <a:prstGeom prst="chevron">
-              <a:avLst/>
-            </a:prstGeom>
-          </p:spPr>
-          <p:style>
-            <a:lnRef idx="2">
-              <a:schemeClr val="accent1">
-                <a:shade val="50000"/>
-              </a:schemeClr>
-            </a:lnRef>
-            <a:fillRef idx="1">
-              <a:schemeClr val="accent1"/>
-            </a:fillRef>
-            <a:effectRef idx="0">
-              <a:schemeClr val="accent1"/>
-            </a:effectRef>
-            <a:fontRef idx="minor">
-              <a:schemeClr val="lt1"/>
-            </a:fontRef>
-          </p:style>
-          <p:txBody>
-            <a:bodyPr rtlCol="0" anchor="ctr"/>
-            <a:lstStyle/>
-            <a:p>
-              <a:pPr algn="ctr"/>
-              <a:endParaRPr lang="zh-CN" altLang="en-US">
-                <a:solidFill>
-                  <a:schemeClr val="tx1"/>
-                </a:solidFill>
-              </a:endParaRPr>
-            </a:p>
-          </p:txBody>
-        </p:sp>
-        <p:sp>
-          <p:nvSpPr>
-            <p:cNvPr id="55" name="文本框 54">
-              <a:extLst>
-                <a:ext uri="{FF2B5EF4-FFF2-40B4-BE49-F238E27FC236}">
-                  <a16:creationId xmlns:a16="http://schemas.microsoft.com/office/drawing/2014/main" id="{A613690C-F156-42CA-877A-61ABC9EEB003}"/>
-                </a:ext>
-              </a:extLst>
-            </p:cNvPr>
-            <p:cNvSpPr txBox="1"/>
-            <p:nvPr/>
-          </p:nvSpPr>
-          <p:spPr>
-            <a:xfrm>
-              <a:off x="2796852" y="2182542"/>
-              <a:ext cx="6097554" cy="369332"/>
-            </a:xfrm>
-            <a:prstGeom prst="rect">
-              <a:avLst/>
-            </a:prstGeom>
-            <a:noFill/>
-          </p:spPr>
-          <p:txBody>
-            <a:bodyPr wrap="square">
-              <a:spAutoFit/>
-            </a:bodyPr>
-            <a:lstStyle/>
-            <a:p>
-              <a:endParaRPr lang="zh-CN" altLang="en-US"/>
-            </a:p>
-          </p:txBody>
-        </p:sp>
-      </p:grpSp>
-      <p:grpSp>
-        <p:nvGrpSpPr>
-          <p:cNvPr id="56" name="组合 55">
-            <a:extLst>
-              <a:ext uri="{FF2B5EF4-FFF2-40B4-BE49-F238E27FC236}">
-                <a16:creationId xmlns:a16="http://schemas.microsoft.com/office/drawing/2014/main" id="{C2FC795F-5A4D-46B5-BE93-147D6B853AE8}"/>
-              </a:ext>
-            </a:extLst>
-          </p:cNvPr>
-          <p:cNvGrpSpPr/>
-          <p:nvPr/>
-        </p:nvGrpSpPr>
-        <p:grpSpPr>
-          <a:xfrm>
-            <a:off x="1199043" y="1548091"/>
+            <a:off x="1199043" y="1589896"/>
             <a:ext cx="6634783" cy="369332"/>
             <a:chOff x="2259623" y="2182542"/>
             <a:chExt cx="6634783" cy="369332"/>
@@ -4209,7 +3694,7 @@
                   <a:latin typeface="Consolas" panose="020B0609020204030204" pitchFamily="49" charset="0"/>
                   <a:ea typeface="微软雅黑" panose="020B0503020204020204" pitchFamily="34" charset="-122"/>
                 </a:rPr>
-                <a:t>场外交易流程</a:t>
+                <a:t>接口</a:t>
               </a:r>
               <a:endParaRPr lang="zh-CN" altLang="en-US"/>
             </a:p>
@@ -4218,10 +3703,10 @@
       </p:grpSp>
       <p:grpSp>
         <p:nvGrpSpPr>
-          <p:cNvPr id="59" name="组合 58">
-            <a:extLst>
-              <a:ext uri="{FF2B5EF4-FFF2-40B4-BE49-F238E27FC236}">
-                <a16:creationId xmlns:a16="http://schemas.microsoft.com/office/drawing/2014/main" id="{965CE586-B14C-4597-8EA2-94CEE04DDDC9}"/>
+          <p:cNvPr id="66" name="组合 65">
+            <a:extLst>
+              <a:ext uri="{FF2B5EF4-FFF2-40B4-BE49-F238E27FC236}">
+                <a16:creationId xmlns:a16="http://schemas.microsoft.com/office/drawing/2014/main" id="{B5049300-E4FE-47E7-BF55-6FDDCA2DA854}"/>
               </a:ext>
             </a:extLst>
           </p:cNvPr>
@@ -4230,213 +3715,7 @@
         </p:nvGrpSpPr>
         <p:grpSpPr>
           <a:xfrm>
-            <a:off x="1199043" y="2463498"/>
-            <a:ext cx="6634783" cy="369332"/>
-            <a:chOff x="2259623" y="2182542"/>
-            <a:chExt cx="6634783" cy="369332"/>
-          </a:xfrm>
-        </p:grpSpPr>
-        <p:sp>
-          <p:nvSpPr>
-            <p:cNvPr id="60" name="箭头: V 形 59">
-              <a:extLst>
-                <a:ext uri="{FF2B5EF4-FFF2-40B4-BE49-F238E27FC236}">
-                  <a16:creationId xmlns:a16="http://schemas.microsoft.com/office/drawing/2014/main" id="{91A6148C-E43F-492A-87EF-B62C8C7592D8}"/>
-                </a:ext>
-              </a:extLst>
-            </p:cNvPr>
-            <p:cNvSpPr/>
-            <p:nvPr/>
-          </p:nvSpPr>
-          <p:spPr>
-            <a:xfrm>
-              <a:off x="2259623" y="2277208"/>
-              <a:ext cx="324000" cy="180000"/>
-            </a:xfrm>
-            <a:prstGeom prst="chevron">
-              <a:avLst/>
-            </a:prstGeom>
-          </p:spPr>
-          <p:style>
-            <a:lnRef idx="2">
-              <a:schemeClr val="accent1">
-                <a:shade val="50000"/>
-              </a:schemeClr>
-            </a:lnRef>
-            <a:fillRef idx="1">
-              <a:schemeClr val="accent1"/>
-            </a:fillRef>
-            <a:effectRef idx="0">
-              <a:schemeClr val="accent1"/>
-            </a:effectRef>
-            <a:fontRef idx="minor">
-              <a:schemeClr val="lt1"/>
-            </a:fontRef>
-          </p:style>
-          <p:txBody>
-            <a:bodyPr rtlCol="0" anchor="ctr"/>
-            <a:lstStyle/>
-            <a:p>
-              <a:pPr algn="ctr"/>
-              <a:endParaRPr lang="zh-CN" altLang="en-US">
-                <a:solidFill>
-                  <a:schemeClr val="tx1"/>
-                </a:solidFill>
-              </a:endParaRPr>
-            </a:p>
-          </p:txBody>
-        </p:sp>
-        <p:sp>
-          <p:nvSpPr>
-            <p:cNvPr id="62" name="文本框 61">
-              <a:extLst>
-                <a:ext uri="{FF2B5EF4-FFF2-40B4-BE49-F238E27FC236}">
-                  <a16:creationId xmlns:a16="http://schemas.microsoft.com/office/drawing/2014/main" id="{D090A073-C345-4667-86B0-3251D95E066F}"/>
-                </a:ext>
-              </a:extLst>
-            </p:cNvPr>
-            <p:cNvSpPr txBox="1"/>
-            <p:nvPr/>
-          </p:nvSpPr>
-          <p:spPr>
-            <a:xfrm>
-              <a:off x="2796852" y="2182542"/>
-              <a:ext cx="6097554" cy="369332"/>
-            </a:xfrm>
-            <a:prstGeom prst="rect">
-              <a:avLst/>
-            </a:prstGeom>
-            <a:noFill/>
-          </p:spPr>
-          <p:txBody>
-            <a:bodyPr wrap="square">
-              <a:spAutoFit/>
-            </a:bodyPr>
-            <a:lstStyle/>
-            <a:p>
-              <a:endParaRPr lang="zh-CN" altLang="en-US"/>
-            </a:p>
-          </p:txBody>
-        </p:sp>
-      </p:grpSp>
-      <p:grpSp>
-        <p:nvGrpSpPr>
-          <p:cNvPr id="63" name="组合 62">
-            <a:extLst>
-              <a:ext uri="{FF2B5EF4-FFF2-40B4-BE49-F238E27FC236}">
-                <a16:creationId xmlns:a16="http://schemas.microsoft.com/office/drawing/2014/main" id="{0EF5A4A7-48B1-4709-80E8-37B4D2932327}"/>
-              </a:ext>
-            </a:extLst>
-          </p:cNvPr>
-          <p:cNvGrpSpPr/>
-          <p:nvPr/>
-        </p:nvGrpSpPr>
-        <p:grpSpPr>
-          <a:xfrm>
-            <a:off x="1199043" y="3317940"/>
-            <a:ext cx="6634783" cy="369332"/>
-            <a:chOff x="2259623" y="2182542"/>
-            <a:chExt cx="6634783" cy="369332"/>
-          </a:xfrm>
-        </p:grpSpPr>
-        <p:sp>
-          <p:nvSpPr>
-            <p:cNvPr id="64" name="箭头: V 形 63">
-              <a:extLst>
-                <a:ext uri="{FF2B5EF4-FFF2-40B4-BE49-F238E27FC236}">
-                  <a16:creationId xmlns:a16="http://schemas.microsoft.com/office/drawing/2014/main" id="{8962BB1B-9B55-4A6A-A48E-2B537436D840}"/>
-                </a:ext>
-              </a:extLst>
-            </p:cNvPr>
-            <p:cNvSpPr/>
-            <p:nvPr/>
-          </p:nvSpPr>
-          <p:spPr>
-            <a:xfrm>
-              <a:off x="2259623" y="2277208"/>
-              <a:ext cx="324000" cy="180000"/>
-            </a:xfrm>
-            <a:prstGeom prst="chevron">
-              <a:avLst/>
-            </a:prstGeom>
-          </p:spPr>
-          <p:style>
-            <a:lnRef idx="2">
-              <a:schemeClr val="accent1">
-                <a:shade val="50000"/>
-              </a:schemeClr>
-            </a:lnRef>
-            <a:fillRef idx="1">
-              <a:schemeClr val="accent1"/>
-            </a:fillRef>
-            <a:effectRef idx="0">
-              <a:schemeClr val="accent1"/>
-            </a:effectRef>
-            <a:fontRef idx="minor">
-              <a:schemeClr val="lt1"/>
-            </a:fontRef>
-          </p:style>
-          <p:txBody>
-            <a:bodyPr rtlCol="0" anchor="ctr"/>
-            <a:lstStyle/>
-            <a:p>
-              <a:pPr algn="ctr"/>
-              <a:endParaRPr lang="zh-CN" altLang="en-US">
-                <a:solidFill>
-                  <a:schemeClr val="tx1"/>
-                </a:solidFill>
-              </a:endParaRPr>
-            </a:p>
-          </p:txBody>
-        </p:sp>
-        <p:sp>
-          <p:nvSpPr>
-            <p:cNvPr id="65" name="文本框 64">
-              <a:extLst>
-                <a:ext uri="{FF2B5EF4-FFF2-40B4-BE49-F238E27FC236}">
-                  <a16:creationId xmlns:a16="http://schemas.microsoft.com/office/drawing/2014/main" id="{262C7383-EFF1-46E8-8722-A9BB33649D15}"/>
-                </a:ext>
-              </a:extLst>
-            </p:cNvPr>
-            <p:cNvSpPr txBox="1"/>
-            <p:nvPr/>
-          </p:nvSpPr>
-          <p:spPr>
-            <a:xfrm>
-              <a:off x="2796852" y="2182542"/>
-              <a:ext cx="6097554" cy="369332"/>
-            </a:xfrm>
-            <a:prstGeom prst="rect">
-              <a:avLst/>
-            </a:prstGeom>
-            <a:noFill/>
-          </p:spPr>
-          <p:txBody>
-            <a:bodyPr wrap="square">
-              <a:spAutoFit/>
-            </a:bodyPr>
-            <a:lstStyle/>
-            <a:p>
-              <a:endParaRPr lang="zh-CN" altLang="en-US"/>
-            </a:p>
-          </p:txBody>
-        </p:sp>
-      </p:grpSp>
-      <p:grpSp>
-        <p:nvGrpSpPr>
-          <p:cNvPr id="66" name="组合 65">
-            <a:extLst>
-              <a:ext uri="{FF2B5EF4-FFF2-40B4-BE49-F238E27FC236}">
-                <a16:creationId xmlns:a16="http://schemas.microsoft.com/office/drawing/2014/main" id="{B5049300-E4FE-47E7-BF55-6FDDCA2DA854}"/>
-              </a:ext>
-            </a:extLst>
-          </p:cNvPr>
-          <p:cNvGrpSpPr/>
-          <p:nvPr/>
-        </p:nvGrpSpPr>
-        <p:grpSpPr>
-          <a:xfrm>
-            <a:off x="1199043" y="1988082"/>
+            <a:off x="1199043" y="2056317"/>
             <a:ext cx="6634783" cy="369332"/>
             <a:chOff x="2259623" y="2182542"/>
             <a:chExt cx="6634783" cy="369332"/>
@@ -4520,6 +3799,13 @@
             </a:bodyPr>
             <a:lstStyle/>
             <a:p>
+              <a:r>
+                <a:rPr lang="zh-CN" altLang="en-US" b="1">
+                  <a:latin typeface="Consolas" panose="020B0609020204030204" pitchFamily="49" charset="0"/>
+                  <a:ea typeface="微软雅黑" panose="020B0503020204020204" pitchFamily="34" charset="-122"/>
+                </a:rPr>
+                <a:t>场外交易流程</a:t>
+              </a:r>
               <a:endParaRPr lang="zh-CN" altLang="en-US"/>
             </a:p>
           </p:txBody>
@@ -4527,10 +3813,10 @@
       </p:grpSp>
       <p:grpSp>
         <p:nvGrpSpPr>
-          <p:cNvPr id="69" name="组合 68">
-            <a:extLst>
-              <a:ext uri="{FF2B5EF4-FFF2-40B4-BE49-F238E27FC236}">
-                <a16:creationId xmlns:a16="http://schemas.microsoft.com/office/drawing/2014/main" id="{B80D706B-BBBE-437E-BA7A-BD2A6BCE1CDB}"/>
+          <p:cNvPr id="47" name="组合 46">
+            <a:extLst>
+              <a:ext uri="{FF2B5EF4-FFF2-40B4-BE49-F238E27FC236}">
+                <a16:creationId xmlns:a16="http://schemas.microsoft.com/office/drawing/2014/main" id="{087051EF-197E-4F41-BAEF-34AE380F8F68}"/>
               </a:ext>
             </a:extLst>
           </p:cNvPr>
@@ -4539,7 +3825,7 @@
         </p:nvGrpSpPr>
         <p:grpSpPr>
           <a:xfrm>
-            <a:off x="1199043" y="2893329"/>
+            <a:off x="1199043" y="2522739"/>
             <a:ext cx="6634783" cy="369332"/>
             <a:chOff x="2259623" y="2182542"/>
             <a:chExt cx="6634783" cy="369332"/>
@@ -4547,10 +3833,10 @@
         </p:grpSpPr>
         <p:sp>
           <p:nvSpPr>
-            <p:cNvPr id="70" name="箭头: V 形 69">
+            <p:cNvPr id="48" name="箭头: V 形 47">
               <a:extLst>
                 <a:ext uri="{FF2B5EF4-FFF2-40B4-BE49-F238E27FC236}">
-                  <a16:creationId xmlns:a16="http://schemas.microsoft.com/office/drawing/2014/main" id="{21BE0F97-BEC9-4858-A7B4-F92944619E3C}"/>
+                  <a16:creationId xmlns:a16="http://schemas.microsoft.com/office/drawing/2014/main" id="{D15B3FF1-093E-4E99-B00E-1B2621B80CFF}"/>
                 </a:ext>
               </a:extLst>
             </p:cNvPr>
@@ -4597,10 +3883,10 @@
         </p:sp>
         <p:sp>
           <p:nvSpPr>
-            <p:cNvPr id="71" name="文本框 70">
+            <p:cNvPr id="49" name="文本框 48">
               <a:extLst>
                 <a:ext uri="{FF2B5EF4-FFF2-40B4-BE49-F238E27FC236}">
-                  <a16:creationId xmlns:a16="http://schemas.microsoft.com/office/drawing/2014/main" id="{D56178FA-4BE2-44D2-B3F1-82F74213983D}"/>
+                  <a16:creationId xmlns:a16="http://schemas.microsoft.com/office/drawing/2014/main" id="{87A7FD92-781E-446E-8D63-0C1C0E44C71D}"/>
                 </a:ext>
               </a:extLst>
             </p:cNvPr>
@@ -4623,6 +3909,13 @@
             </a:bodyPr>
             <a:lstStyle/>
             <a:p>
+              <a:r>
+                <a:rPr lang="zh-CN" altLang="en-US" b="1">
+                  <a:latin typeface="Consolas" panose="020B0609020204030204" pitchFamily="49" charset="0"/>
+                  <a:ea typeface="微软雅黑" panose="020B0503020204020204" pitchFamily="34" charset="-122"/>
+                </a:rPr>
+                <a:t>卖家赎回流程</a:t>
+              </a:r>
               <a:endParaRPr lang="zh-CN" altLang="en-US"/>
             </a:p>
           </p:txBody>
@@ -4774,7 +4067,7 @@
         <p:spPr>
           <a:xfrm>
             <a:off x="712379" y="173975"/>
-            <a:ext cx="2236510" cy="584775"/>
+            <a:ext cx="1415772" cy="584775"/>
           </a:xfrm>
           <a:prstGeom prst="rect">
             <a:avLst/>
@@ -4792,7 +4085,7 @@
                 <a:latin typeface="Consolas" panose="020B0609020204030204" pitchFamily="49" charset="0"/>
                 <a:ea typeface="微软雅黑" panose="020B0503020204020204" pitchFamily="34" charset="-122"/>
               </a:rPr>
-              <a:t>表存储结构</a:t>
+              <a:t>表结构</a:t>
             </a:r>
           </a:p>
         </p:txBody>
@@ -4811,11 +4104,13 @@
         </p:nvSpPr>
         <p:spPr>
           <a:xfrm>
-            <a:off x="590551" y="1452677"/>
-            <a:ext cx="1885631" cy="576000"/>
+            <a:off x="712379" y="1322049"/>
+            <a:ext cx="1885631" cy="648000"/>
           </a:xfrm>
           <a:prstGeom prst="roundRect">
-            <a:avLst/>
+            <a:avLst>
+              <a:gd name="adj" fmla="val 9906"/>
+            </a:avLst>
           </a:prstGeom>
           <a:solidFill>
             <a:schemeClr val="bg1">
@@ -4903,7 +4198,7 @@
         </p:nvSpPr>
         <p:spPr>
           <a:xfrm>
-            <a:off x="590552" y="2028677"/>
+            <a:off x="712380" y="1970049"/>
             <a:ext cx="1885630" cy="488381"/>
           </a:xfrm>
           <a:prstGeom prst="roundRect">
@@ -4995,11 +4290,13 @@
         </p:nvSpPr>
         <p:spPr>
           <a:xfrm>
-            <a:off x="3237179" y="1452677"/>
-            <a:ext cx="2180394" cy="576000"/>
+            <a:off x="3359007" y="1322049"/>
+            <a:ext cx="2180394" cy="648000"/>
           </a:xfrm>
           <a:prstGeom prst="roundRect">
-            <a:avLst/>
+            <a:avLst>
+              <a:gd name="adj" fmla="val 13139"/>
+            </a:avLst>
           </a:prstGeom>
           <a:solidFill>
             <a:schemeClr val="bg1">
@@ -5087,8 +4384,8 @@
         </p:nvSpPr>
         <p:spPr>
           <a:xfrm>
-            <a:off x="3237180" y="2028677"/>
-            <a:ext cx="2180394" cy="919789"/>
+            <a:off x="3359007" y="1970049"/>
+            <a:ext cx="2687759" cy="919789"/>
           </a:xfrm>
           <a:prstGeom prst="roundRect">
             <a:avLst>
@@ -5153,7 +4450,7 @@
                 <a:latin typeface="微软雅黑" panose="020B0503020204020204" pitchFamily="34" charset="-122"/>
                 <a:ea typeface="微软雅黑" panose="020B0503020204020204" pitchFamily="34" charset="-122"/>
               </a:rPr>
-              <a:t>操作类型</a:t>
+              <a:t>操作类型 </a:t>
             </a:r>
             <a:r>
               <a:rPr lang="en-US" altLang="zh-CN" sz="1200" b="1">
@@ -5163,7 +4460,7 @@
                 <a:latin typeface="微软雅黑" panose="020B0503020204020204" pitchFamily="34" charset="-122"/>
                 <a:ea typeface="微软雅黑" panose="020B0503020204020204" pitchFamily="34" charset="-122"/>
               </a:rPr>
-              <a:t>(</a:t>
+              <a:t>[1~3] [</a:t>
             </a:r>
             <a:r>
               <a:rPr lang="zh-CN" altLang="en-US" sz="1200" b="1">
@@ -5173,7 +4470,7 @@
                 <a:latin typeface="微软雅黑" panose="020B0503020204020204" pitchFamily="34" charset="-122"/>
                 <a:ea typeface="微软雅黑" panose="020B0503020204020204" pitchFamily="34" charset="-122"/>
               </a:rPr>
-              <a:t>抵押，赎回，售出</a:t>
+              <a:t>抵押</a:t>
             </a:r>
             <a:r>
               <a:rPr lang="en-US" altLang="zh-CN" sz="1200" b="1">
@@ -5183,7 +4480,47 @@
                 <a:latin typeface="微软雅黑" panose="020B0503020204020204" pitchFamily="34" charset="-122"/>
                 <a:ea typeface="微软雅黑" panose="020B0503020204020204" pitchFamily="34" charset="-122"/>
               </a:rPr>
-              <a:t>)</a:t>
+              <a:t>,</a:t>
+            </a:r>
+            <a:r>
+              <a:rPr lang="zh-CN" altLang="en-US" sz="1200" b="1">
+                <a:solidFill>
+                  <a:schemeClr val="tx1"/>
+                </a:solidFill>
+                <a:latin typeface="微软雅黑" panose="020B0503020204020204" pitchFamily="34" charset="-122"/>
+                <a:ea typeface="微软雅黑" panose="020B0503020204020204" pitchFamily="34" charset="-122"/>
+              </a:rPr>
+              <a:t>赎回</a:t>
+            </a:r>
+            <a:r>
+              <a:rPr lang="en-US" altLang="zh-CN" sz="1200" b="1">
+                <a:solidFill>
+                  <a:schemeClr val="tx1"/>
+                </a:solidFill>
+                <a:latin typeface="微软雅黑" panose="020B0503020204020204" pitchFamily="34" charset="-122"/>
+                <a:ea typeface="微软雅黑" panose="020B0503020204020204" pitchFamily="34" charset="-122"/>
+              </a:rPr>
+              <a:t>,</a:t>
+            </a:r>
+            <a:r>
+              <a:rPr lang="zh-CN" altLang="en-US" sz="1200" b="1">
+                <a:solidFill>
+                  <a:schemeClr val="tx1"/>
+                </a:solidFill>
+                <a:latin typeface="微软雅黑" panose="020B0503020204020204" pitchFamily="34" charset="-122"/>
+                <a:ea typeface="微软雅黑" panose="020B0503020204020204" pitchFamily="34" charset="-122"/>
+              </a:rPr>
+              <a:t>售出</a:t>
+            </a:r>
+            <a:r>
+              <a:rPr lang="en-US" altLang="zh-CN" sz="1200" b="1">
+                <a:solidFill>
+                  <a:schemeClr val="tx1"/>
+                </a:solidFill>
+                <a:latin typeface="微软雅黑" panose="020B0503020204020204" pitchFamily="34" charset="-122"/>
+                <a:ea typeface="微软雅黑" panose="020B0503020204020204" pitchFamily="34" charset="-122"/>
+              </a:rPr>
+              <a:t>]</a:t>
             </a:r>
           </a:p>
           <a:p>
@@ -5256,12 +4593,62 @@
           <a:chExt cx="0" cy="0"/>
         </a:xfrm>
       </p:grpSpPr>
-      <p:sp>
-        <p:nvSpPr>
-          <p:cNvPr id="53" name="矩形: 圆角 52">
-            <a:extLst>
-              <a:ext uri="{FF2B5EF4-FFF2-40B4-BE49-F238E27FC236}">
-                <a16:creationId xmlns:a16="http://schemas.microsoft.com/office/drawing/2014/main" id="{40CB1BC0-9F2F-42B0-8691-F1896B1D2EE4}"/>
+      <p:cxnSp>
+        <p:nvCxnSpPr>
+          <p:cNvPr id="239" name="直接连接符 238">
+            <a:extLst>
+              <a:ext uri="{FF2B5EF4-FFF2-40B4-BE49-F238E27FC236}">
+                <a16:creationId xmlns:a16="http://schemas.microsoft.com/office/drawing/2014/main" id="{05CC9636-A076-48A7-9A94-4E0212BA0C59}"/>
+              </a:ext>
+            </a:extLst>
+          </p:cNvPr>
+          <p:cNvCxnSpPr>
+            <a:cxnSpLocks/>
+          </p:cNvCxnSpPr>
+          <p:nvPr/>
+        </p:nvCxnSpPr>
+        <p:spPr>
+          <a:xfrm flipH="1">
+            <a:off x="433388" y="866051"/>
+            <a:ext cx="11325225" cy="1"/>
+          </a:xfrm>
+          <a:prstGeom prst="line">
+            <a:avLst/>
+          </a:prstGeom>
+          <a:ln w="19050">
+            <a:solidFill>
+              <a:srgbClr val="00576E"/>
+            </a:solidFill>
+          </a:ln>
+          <a:effectLst>
+            <a:outerShdw blurRad="50800" dist="12700" dir="5400000" algn="t" rotWithShape="0">
+              <a:prstClr val="black">
+                <a:alpha val="40000"/>
+              </a:prstClr>
+            </a:outerShdw>
+          </a:effectLst>
+        </p:spPr>
+        <p:style>
+          <a:lnRef idx="2">
+            <a:schemeClr val="accent1"/>
+          </a:lnRef>
+          <a:fillRef idx="0">
+            <a:schemeClr val="accent1"/>
+          </a:fillRef>
+          <a:effectRef idx="1">
+            <a:schemeClr val="accent1"/>
+          </a:effectRef>
+          <a:fontRef idx="minor">
+            <a:schemeClr val="tx1"/>
+          </a:fontRef>
+        </p:style>
+      </p:cxnSp>
+      <p:sp>
+        <p:nvSpPr>
+          <p:cNvPr id="240" name="矩形 239">
+            <a:extLst>
+              <a:ext uri="{FF2B5EF4-FFF2-40B4-BE49-F238E27FC236}">
+                <a16:creationId xmlns:a16="http://schemas.microsoft.com/office/drawing/2014/main" id="{CE6D800A-2E58-40A9-AF4D-2C92406102BA}"/>
               </a:ext>
             </a:extLst>
           </p:cNvPr>
@@ -5270,8 +4657,97 @@
         </p:nvSpPr>
         <p:spPr>
           <a:xfrm>
-            <a:off x="590551" y="1308012"/>
-            <a:ext cx="1661562" cy="648000"/>
+            <a:off x="471489" y="209549"/>
+            <a:ext cx="119062" cy="513626"/>
+          </a:xfrm>
+          <a:prstGeom prst="rect">
+            <a:avLst/>
+          </a:prstGeom>
+          <a:solidFill>
+            <a:srgbClr val="00576E"/>
+          </a:solidFill>
+        </p:spPr>
+        <p:style>
+          <a:lnRef idx="2">
+            <a:schemeClr val="accent1">
+              <a:shade val="50000"/>
+            </a:schemeClr>
+          </a:lnRef>
+          <a:fillRef idx="1">
+            <a:schemeClr val="accent1"/>
+          </a:fillRef>
+          <a:effectRef idx="0">
+            <a:schemeClr val="accent1"/>
+          </a:effectRef>
+          <a:fontRef idx="minor">
+            <a:schemeClr val="lt1"/>
+          </a:fontRef>
+        </p:style>
+        <p:txBody>
+          <a:bodyPr rtlCol="0" anchor="ctr"/>
+          <a:lstStyle/>
+          <a:p>
+            <a:pPr algn="ctr"/>
+            <a:endParaRPr lang="zh-CN" altLang="en-US">
+              <a:latin typeface="Consolas" panose="020B0609020204030204" pitchFamily="49" charset="0"/>
+            </a:endParaRPr>
+          </a:p>
+        </p:txBody>
+      </p:sp>
+      <p:sp>
+        <p:nvSpPr>
+          <p:cNvPr id="241" name="文本框 240">
+            <a:extLst>
+              <a:ext uri="{FF2B5EF4-FFF2-40B4-BE49-F238E27FC236}">
+                <a16:creationId xmlns:a16="http://schemas.microsoft.com/office/drawing/2014/main" id="{90ABBAE7-6707-4A6F-819E-32C1CFD4250B}"/>
+              </a:ext>
+            </a:extLst>
+          </p:cNvPr>
+          <p:cNvSpPr txBox="1"/>
+          <p:nvPr/>
+        </p:nvSpPr>
+        <p:spPr>
+          <a:xfrm>
+            <a:off x="712379" y="173975"/>
+            <a:ext cx="1005403" cy="584775"/>
+          </a:xfrm>
+          <a:prstGeom prst="rect">
+            <a:avLst/>
+          </a:prstGeom>
+          <a:noFill/>
+        </p:spPr>
+        <p:txBody>
+          <a:bodyPr wrap="none" rtlCol="0">
+            <a:spAutoFit/>
+          </a:bodyPr>
+          <a:lstStyle/>
+          <a:p>
+            <a:r>
+              <a:rPr lang="zh-CN" altLang="en-US" sz="3200" b="1">
+                <a:latin typeface="Consolas" panose="020B0609020204030204" pitchFamily="49" charset="0"/>
+                <a:ea typeface="微软雅黑" panose="020B0503020204020204" pitchFamily="34" charset="-122"/>
+              </a:rPr>
+              <a:t>接口</a:t>
+            </a:r>
+          </a:p>
+        </p:txBody>
+      </p:sp>
+      <p:sp>
+        <p:nvSpPr>
+          <p:cNvPr id="12" name="矩形: 圆角 11">
+            <a:extLst>
+              <a:ext uri="{FF2B5EF4-FFF2-40B4-BE49-F238E27FC236}">
+                <a16:creationId xmlns:a16="http://schemas.microsoft.com/office/drawing/2014/main" id="{C4137A88-869F-416A-8646-1580C7F6EBA7}"/>
+              </a:ext>
+            </a:extLst>
+          </p:cNvPr>
+          <p:cNvSpPr/>
+          <p:nvPr/>
+        </p:nvSpPr>
+        <p:spPr>
+          <a:xfrm>
+            <a:off x="712379" y="1299531"/>
+            <a:ext cx="1512000" cy="648000"/>
           </a:xfrm>
           <a:prstGeom prst="roundRect">
             <a:avLst/>
@@ -5314,7 +4790,7 @@
                 <a:latin typeface="微软雅黑" panose="020B0503020204020204" pitchFamily="34" charset="-122"/>
                 <a:ea typeface="微软雅黑" panose="020B0503020204020204" pitchFamily="34" charset="-122"/>
               </a:rPr>
-              <a:t>获取余额</a:t>
+              <a:t>发布卖单</a:t>
             </a:r>
             <a:endParaRPr lang="en-US" altLang="zh-CN" sz="1600" b="1" dirty="0">
               <a:solidFill>
@@ -5334,7 +4810,7 @@
                 <a:latin typeface="微软雅黑" panose="020B0503020204020204" pitchFamily="34" charset="-122"/>
                 <a:ea typeface="微软雅黑" panose="020B0503020204020204" pitchFamily="34" charset="-122"/>
               </a:rPr>
-              <a:t>get_balance</a:t>
+              <a:t>publish</a:t>
             </a:r>
             <a:endParaRPr lang="zh-CN" altLang="en-US" sz="1600" b="1">
               <a:solidFill>
@@ -5346,62 +4822,12 @@
           </a:p>
         </p:txBody>
       </p:sp>
-      <p:cxnSp>
-        <p:nvCxnSpPr>
-          <p:cNvPr id="239" name="直接连接符 238">
-            <a:extLst>
-              <a:ext uri="{FF2B5EF4-FFF2-40B4-BE49-F238E27FC236}">
-                <a16:creationId xmlns:a16="http://schemas.microsoft.com/office/drawing/2014/main" id="{05CC9636-A076-48A7-9A94-4E0212BA0C59}"/>
-              </a:ext>
-            </a:extLst>
-          </p:cNvPr>
-          <p:cNvCxnSpPr>
-            <a:cxnSpLocks/>
-          </p:cNvCxnSpPr>
-          <p:nvPr/>
-        </p:nvCxnSpPr>
-        <p:spPr>
-          <a:xfrm flipH="1">
-            <a:off x="433388" y="866051"/>
-            <a:ext cx="11325225" cy="1"/>
-          </a:xfrm>
-          <a:prstGeom prst="line">
-            <a:avLst/>
-          </a:prstGeom>
-          <a:ln w="19050">
-            <a:solidFill>
-              <a:srgbClr val="00576E"/>
-            </a:solidFill>
-          </a:ln>
-          <a:effectLst>
-            <a:outerShdw blurRad="50800" dist="12700" dir="5400000" algn="t" rotWithShape="0">
-              <a:prstClr val="black">
-                <a:alpha val="40000"/>
-              </a:prstClr>
-            </a:outerShdw>
-          </a:effectLst>
-        </p:spPr>
-        <p:style>
-          <a:lnRef idx="2">
-            <a:schemeClr val="accent1"/>
-          </a:lnRef>
-          <a:fillRef idx="0">
-            <a:schemeClr val="accent1"/>
-          </a:fillRef>
-          <a:effectRef idx="1">
-            <a:schemeClr val="accent1"/>
-          </a:effectRef>
-          <a:fontRef idx="minor">
-            <a:schemeClr val="tx1"/>
-          </a:fontRef>
-        </p:style>
-      </p:cxnSp>
-      <p:sp>
-        <p:nvSpPr>
-          <p:cNvPr id="240" name="矩形 239">
-            <a:extLst>
-              <a:ext uri="{FF2B5EF4-FFF2-40B4-BE49-F238E27FC236}">
-                <a16:creationId xmlns:a16="http://schemas.microsoft.com/office/drawing/2014/main" id="{CE6D800A-2E58-40A9-AF4D-2C92406102BA}"/>
+      <p:sp>
+        <p:nvSpPr>
+          <p:cNvPr id="13" name="矩形: 圆角 12">
+            <a:extLst>
+              <a:ext uri="{FF2B5EF4-FFF2-40B4-BE49-F238E27FC236}">
+                <a16:creationId xmlns:a16="http://schemas.microsoft.com/office/drawing/2014/main" id="{514C95C4-5567-4F0E-A8BA-9A71ED175E36}"/>
               </a:ext>
             </a:extLst>
           </p:cNvPr>
@@ -5410,97 +4836,8 @@
         </p:nvSpPr>
         <p:spPr>
           <a:xfrm>
-            <a:off x="471489" y="209549"/>
-            <a:ext cx="119062" cy="513626"/>
-          </a:xfrm>
-          <a:prstGeom prst="rect">
-            <a:avLst/>
-          </a:prstGeom>
-          <a:solidFill>
-            <a:srgbClr val="00576E"/>
-          </a:solidFill>
-        </p:spPr>
-        <p:style>
-          <a:lnRef idx="2">
-            <a:schemeClr val="accent1">
-              <a:shade val="50000"/>
-            </a:schemeClr>
-          </a:lnRef>
-          <a:fillRef idx="1">
-            <a:schemeClr val="accent1"/>
-          </a:fillRef>
-          <a:effectRef idx="0">
-            <a:schemeClr val="accent1"/>
-          </a:effectRef>
-          <a:fontRef idx="minor">
-            <a:schemeClr val="lt1"/>
-          </a:fontRef>
-        </p:style>
-        <p:txBody>
-          <a:bodyPr rtlCol="0" anchor="ctr"/>
-          <a:lstStyle/>
-          <a:p>
-            <a:pPr algn="ctr"/>
-            <a:endParaRPr lang="zh-CN" altLang="en-US">
-              <a:latin typeface="Consolas" panose="020B0609020204030204" pitchFamily="49" charset="0"/>
-            </a:endParaRPr>
-          </a:p>
-        </p:txBody>
-      </p:sp>
-      <p:sp>
-        <p:nvSpPr>
-          <p:cNvPr id="241" name="文本框 240">
-            <a:extLst>
-              <a:ext uri="{FF2B5EF4-FFF2-40B4-BE49-F238E27FC236}">
-                <a16:creationId xmlns:a16="http://schemas.microsoft.com/office/drawing/2014/main" id="{90ABBAE7-6707-4A6F-819E-32C1CFD4250B}"/>
-              </a:ext>
-            </a:extLst>
-          </p:cNvPr>
-          <p:cNvSpPr txBox="1"/>
-          <p:nvPr/>
-        </p:nvSpPr>
-        <p:spPr>
-          <a:xfrm>
-            <a:off x="712379" y="173975"/>
-            <a:ext cx="1005403" cy="584775"/>
-          </a:xfrm>
-          <a:prstGeom prst="rect">
-            <a:avLst/>
-          </a:prstGeom>
-          <a:noFill/>
-        </p:spPr>
-        <p:txBody>
-          <a:bodyPr wrap="none" rtlCol="0">
-            <a:spAutoFit/>
-          </a:bodyPr>
-          <a:lstStyle/>
-          <a:p>
-            <a:r>
-              <a:rPr lang="zh-CN" altLang="en-US" sz="3200" b="1">
-                <a:latin typeface="Consolas" panose="020B0609020204030204" pitchFamily="49" charset="0"/>
-                <a:ea typeface="微软雅黑" panose="020B0503020204020204" pitchFamily="34" charset="-122"/>
-              </a:rPr>
-              <a:t>接口</a:t>
-            </a:r>
-          </a:p>
-        </p:txBody>
-      </p:sp>
-      <p:sp>
-        <p:nvSpPr>
-          <p:cNvPr id="12" name="矩形: 圆角 11">
-            <a:extLst>
-              <a:ext uri="{FF2B5EF4-FFF2-40B4-BE49-F238E27FC236}">
-                <a16:creationId xmlns:a16="http://schemas.microsoft.com/office/drawing/2014/main" id="{C4137A88-869F-416A-8646-1580C7F6EBA7}"/>
-              </a:ext>
-            </a:extLst>
-          </p:cNvPr>
-          <p:cNvSpPr/>
-          <p:nvPr/>
-        </p:nvSpPr>
-        <p:spPr>
-          <a:xfrm>
-            <a:off x="590551" y="2073972"/>
-            <a:ext cx="1661562" cy="648000"/>
+            <a:off x="712379" y="2831451"/>
+            <a:ext cx="1512000" cy="648000"/>
           </a:xfrm>
           <a:prstGeom prst="roundRect">
             <a:avLst/>
@@ -5543,9 +4880,9 @@
                 <a:latin typeface="微软雅黑" panose="020B0503020204020204" pitchFamily="34" charset="-122"/>
                 <a:ea typeface="微软雅黑" panose="020B0503020204020204" pitchFamily="34" charset="-122"/>
               </a:rPr>
-              <a:t>发布卖单</a:t>
-            </a:r>
-            <a:endParaRPr lang="en-US" altLang="zh-CN" sz="1600" b="1" dirty="0">
+              <a:t>购买</a:t>
+            </a:r>
+            <a:endParaRPr lang="en-US" altLang="zh-CN" sz="1600" b="1">
               <a:solidFill>
                 <a:schemeClr val="tx1"/>
               </a:solidFill>
@@ -5563,7 +4900,7 @@
                 <a:latin typeface="微软雅黑" panose="020B0503020204020204" pitchFamily="34" charset="-122"/>
                 <a:ea typeface="微软雅黑" panose="020B0503020204020204" pitchFamily="34" charset="-122"/>
               </a:rPr>
-              <a:t>publish</a:t>
+              <a:t>buy</a:t>
             </a:r>
             <a:endParaRPr lang="zh-CN" altLang="en-US" sz="1600" b="1">
               <a:solidFill>
@@ -5577,10 +4914,10 @@
       </p:sp>
       <p:sp>
         <p:nvSpPr>
-          <p:cNvPr id="13" name="矩形: 圆角 12">
-            <a:extLst>
-              <a:ext uri="{FF2B5EF4-FFF2-40B4-BE49-F238E27FC236}">
-                <a16:creationId xmlns:a16="http://schemas.microsoft.com/office/drawing/2014/main" id="{514C95C4-5567-4F0E-A8BA-9A71ED175E36}"/>
+          <p:cNvPr id="8" name="矩形: 圆角 7">
+            <a:extLst>
+              <a:ext uri="{FF2B5EF4-FFF2-40B4-BE49-F238E27FC236}">
+                <a16:creationId xmlns:a16="http://schemas.microsoft.com/office/drawing/2014/main" id="{5DB37A54-F632-4EEA-999C-2B3AC5620E51}"/>
               </a:ext>
             </a:extLst>
           </p:cNvPr>
@@ -5589,8 +4926,8 @@
         </p:nvSpPr>
         <p:spPr>
           <a:xfrm>
-            <a:off x="590551" y="3605892"/>
-            <a:ext cx="1661562" cy="648000"/>
+            <a:off x="712379" y="2065491"/>
+            <a:ext cx="1512000" cy="648000"/>
           </a:xfrm>
           <a:prstGeom prst="roundRect">
             <a:avLst/>
@@ -5633,7 +4970,7 @@
                 <a:latin typeface="微软雅黑" panose="020B0503020204020204" pitchFamily="34" charset="-122"/>
                 <a:ea typeface="微软雅黑" panose="020B0503020204020204" pitchFamily="34" charset="-122"/>
               </a:rPr>
-              <a:t>购买</a:t>
+              <a:t>赎回</a:t>
             </a:r>
             <a:endParaRPr lang="en-US" altLang="zh-CN" sz="1600" b="1">
               <a:solidFill>
@@ -5653,7 +4990,7 @@
                 <a:latin typeface="微软雅黑" panose="020B0503020204020204" pitchFamily="34" charset="-122"/>
                 <a:ea typeface="微软雅黑" panose="020B0503020204020204" pitchFamily="34" charset="-122"/>
               </a:rPr>
-              <a:t>buy</a:t>
+              <a:t>redeem</a:t>
             </a:r>
             <a:endParaRPr lang="zh-CN" altLang="en-US" sz="1600" b="1">
               <a:solidFill>
@@ -5667,10 +5004,10 @@
       </p:sp>
       <p:sp>
         <p:nvSpPr>
-          <p:cNvPr id="8" name="矩形: 圆角 7">
-            <a:extLst>
-              <a:ext uri="{FF2B5EF4-FFF2-40B4-BE49-F238E27FC236}">
-                <a16:creationId xmlns:a16="http://schemas.microsoft.com/office/drawing/2014/main" id="{5DB37A54-F632-4EEA-999C-2B3AC5620E51}"/>
+          <p:cNvPr id="9" name="矩形: 圆角 8">
+            <a:extLst>
+              <a:ext uri="{FF2B5EF4-FFF2-40B4-BE49-F238E27FC236}">
+                <a16:creationId xmlns:a16="http://schemas.microsoft.com/office/drawing/2014/main" id="{31B78681-5B8A-4FBB-8196-68422A989B00}"/>
               </a:ext>
             </a:extLst>
           </p:cNvPr>
@@ -5679,8 +5016,8 @@
         </p:nvSpPr>
         <p:spPr>
           <a:xfrm>
-            <a:off x="590551" y="2839932"/>
-            <a:ext cx="1661562" cy="648000"/>
+            <a:off x="712379" y="3597411"/>
+            <a:ext cx="1512000" cy="648000"/>
           </a:xfrm>
           <a:prstGeom prst="roundRect">
             <a:avLst/>
@@ -5723,7 +5060,7 @@
                 <a:latin typeface="微软雅黑" panose="020B0503020204020204" pitchFamily="34" charset="-122"/>
                 <a:ea typeface="微软雅黑" panose="020B0503020204020204" pitchFamily="34" charset="-122"/>
               </a:rPr>
-              <a:t>赎回</a:t>
+              <a:t>确认收款</a:t>
             </a:r>
             <a:endParaRPr lang="en-US" altLang="zh-CN" sz="1600" b="1">
               <a:solidFill>
@@ -5743,7 +5080,7 @@
                 <a:latin typeface="微软雅黑" panose="020B0503020204020204" pitchFamily="34" charset="-122"/>
                 <a:ea typeface="微软雅黑" panose="020B0503020204020204" pitchFamily="34" charset="-122"/>
               </a:rPr>
-              <a:t>redeem</a:t>
+              <a:t>confirm</a:t>
             </a:r>
             <a:endParaRPr lang="zh-CN" altLang="en-US" sz="1600" b="1">
               <a:solidFill>
@@ -5924,1515 +5261,1148 @@
           </a:p>
         </p:txBody>
       </p:sp>
-      <p:grpSp>
-        <p:nvGrpSpPr>
-          <p:cNvPr id="31" name="组合 30">
-            <a:extLst>
-              <a:ext uri="{FF2B5EF4-FFF2-40B4-BE49-F238E27FC236}">
-                <a16:creationId xmlns:a16="http://schemas.microsoft.com/office/drawing/2014/main" id="{236F8C08-DD78-4896-91EF-2809AC83CE3C}"/>
-              </a:ext>
-            </a:extLst>
-          </p:cNvPr>
-          <p:cNvGrpSpPr/>
+      <p:sp>
+        <p:nvSpPr>
+          <p:cNvPr id="61" name="矩形: 圆角 60">
+            <a:extLst>
+              <a:ext uri="{FF2B5EF4-FFF2-40B4-BE49-F238E27FC236}">
+                <a16:creationId xmlns:a16="http://schemas.microsoft.com/office/drawing/2014/main" id="{E3777F73-EAAB-43DE-8A90-6B6D895B1B1F}"/>
+              </a:ext>
+            </a:extLst>
+          </p:cNvPr>
+          <p:cNvSpPr/>
           <p:nvPr/>
-        </p:nvGrpSpPr>
-        <p:grpSpPr>
+        </p:nvSpPr>
+        <p:spPr>
           <a:xfrm>
-            <a:off x="851642" y="2408674"/>
-            <a:ext cx="7588577" cy="648000"/>
-            <a:chOff x="787736" y="2258843"/>
-            <a:chExt cx="7588577" cy="648000"/>
-          </a:xfrm>
-        </p:grpSpPr>
-        <p:sp>
-          <p:nvSpPr>
-            <p:cNvPr id="61" name="矩形: 圆角 60">
-              <a:extLst>
-                <a:ext uri="{FF2B5EF4-FFF2-40B4-BE49-F238E27FC236}">
-                  <a16:creationId xmlns:a16="http://schemas.microsoft.com/office/drawing/2014/main" id="{E3777F73-EAAB-43DE-8A90-6B6D895B1B1F}"/>
-                </a:ext>
-              </a:extLst>
-            </p:cNvPr>
-            <p:cNvSpPr/>
-            <p:nvPr/>
-          </p:nvSpPr>
-          <p:spPr>
-            <a:xfrm>
-              <a:off x="787736" y="2310636"/>
-              <a:ext cx="1357162" cy="540000"/>
-            </a:xfrm>
-            <a:prstGeom prst="roundRect">
-              <a:avLst/>
-            </a:prstGeom>
+            <a:off x="851642" y="1202926"/>
+            <a:ext cx="1512000" cy="648000"/>
+          </a:xfrm>
+          <a:prstGeom prst="roundRect">
+            <a:avLst/>
+          </a:prstGeom>
+          <a:solidFill>
+            <a:srgbClr val="00B0F0"/>
+          </a:solidFill>
+          <a:ln>
             <a:solidFill>
-              <a:srgbClr val="00B0F0"/>
+              <a:schemeClr val="tx1"/>
             </a:solidFill>
-            <a:ln>
-              <a:solidFill>
-                <a:schemeClr val="tx1"/>
-              </a:solidFill>
-            </a:ln>
-          </p:spPr>
-          <p:style>
-            <a:lnRef idx="2">
-              <a:schemeClr val="accent1">
-                <a:shade val="50000"/>
-              </a:schemeClr>
-            </a:lnRef>
-            <a:fillRef idx="1">
-              <a:schemeClr val="accent1"/>
-            </a:fillRef>
-            <a:effectRef idx="0">
-              <a:schemeClr val="accent1"/>
-            </a:effectRef>
-            <a:fontRef idx="minor">
-              <a:schemeClr val="lt1"/>
-            </a:fontRef>
-          </p:style>
-          <p:txBody>
-            <a:bodyPr wrap="none" lIns="36000" tIns="36000" rIns="36000" bIns="36000" rtlCol="0" anchor="ctr" anchorCtr="0"/>
-            <a:lstStyle/>
-            <a:p>
-              <a:pPr algn="ctr"/>
-              <a:r>
-                <a:rPr lang="zh-CN" altLang="en-US" sz="1600" b="1">
-                  <a:solidFill>
-                    <a:schemeClr val="tx1"/>
-                  </a:solidFill>
-                  <a:latin typeface="微软雅黑" panose="020B0503020204020204" pitchFamily="34" charset="-122"/>
-                  <a:ea typeface="微软雅黑" panose="020B0503020204020204" pitchFamily="34" charset="-122"/>
-                </a:rPr>
-                <a:t>卖单用户</a:t>
-              </a:r>
-            </a:p>
-          </p:txBody>
-        </p:sp>
-        <p:sp>
-          <p:nvSpPr>
-            <p:cNvPr id="101" name="矩形: 圆角 100">
-              <a:extLst>
-                <a:ext uri="{FF2B5EF4-FFF2-40B4-BE49-F238E27FC236}">
-                  <a16:creationId xmlns:a16="http://schemas.microsoft.com/office/drawing/2014/main" id="{2FD8AFDB-B92D-4C27-ABEC-799C66831DBB}"/>
-                </a:ext>
-              </a:extLst>
-            </p:cNvPr>
-            <p:cNvSpPr/>
-            <p:nvPr/>
-          </p:nvSpPr>
-          <p:spPr>
-            <a:xfrm>
-              <a:off x="3631990" y="2258843"/>
-              <a:ext cx="1547082" cy="648000"/>
-            </a:xfrm>
-            <a:prstGeom prst="roundRect">
-              <a:avLst/>
-            </a:prstGeom>
-            <a:solidFill>
-              <a:srgbClr val="00B050"/>
-            </a:solidFill>
-            <a:ln>
-              <a:solidFill>
-                <a:schemeClr val="tx1"/>
-              </a:solidFill>
-            </a:ln>
-          </p:spPr>
-          <p:style>
-            <a:lnRef idx="2">
-              <a:schemeClr val="accent1">
-                <a:shade val="50000"/>
-              </a:schemeClr>
-            </a:lnRef>
-            <a:fillRef idx="1">
-              <a:schemeClr val="accent1"/>
-            </a:fillRef>
-            <a:effectRef idx="0">
-              <a:schemeClr val="accent1"/>
-            </a:effectRef>
-            <a:fontRef idx="minor">
-              <a:schemeClr val="lt1"/>
-            </a:fontRef>
-          </p:style>
-          <p:txBody>
-            <a:bodyPr wrap="none" lIns="36000" tIns="36000" rIns="36000" bIns="36000" rtlCol="0" anchor="ctr" anchorCtr="0"/>
-            <a:lstStyle/>
-            <a:p>
-              <a:pPr algn="ctr"/>
-              <a:r>
-                <a:rPr lang="zh-CN" altLang="en-US" sz="1600" b="1">
-                  <a:solidFill>
-                    <a:schemeClr val="tx1"/>
-                  </a:solidFill>
-                  <a:latin typeface="微软雅黑" panose="020B0503020204020204" pitchFamily="34" charset="-122"/>
-                  <a:ea typeface="微软雅黑" panose="020B0503020204020204" pitchFamily="34" charset="-122"/>
-                </a:rPr>
-                <a:t>发布卖单</a:t>
-              </a:r>
-              <a:endParaRPr lang="en-US" altLang="zh-CN" sz="1600" b="1">
+          </a:ln>
+        </p:spPr>
+        <p:style>
+          <a:lnRef idx="2">
+            <a:schemeClr val="accent1">
+              <a:shade val="50000"/>
+            </a:schemeClr>
+          </a:lnRef>
+          <a:fillRef idx="1">
+            <a:schemeClr val="accent1"/>
+          </a:fillRef>
+          <a:effectRef idx="0">
+            <a:schemeClr val="accent1"/>
+          </a:effectRef>
+          <a:fontRef idx="minor">
+            <a:schemeClr val="lt1"/>
+          </a:fontRef>
+        </p:style>
+        <p:txBody>
+          <a:bodyPr wrap="none" lIns="36000" tIns="36000" rIns="36000" bIns="36000" rtlCol="0" anchor="ctr" anchorCtr="0"/>
+          <a:lstStyle/>
+          <a:p>
+            <a:pPr algn="ctr"/>
+            <a:r>
+              <a:rPr lang="zh-CN" altLang="en-US" sz="1600" b="1">
                 <a:solidFill>
                   <a:schemeClr val="tx1"/>
                 </a:solidFill>
                 <a:latin typeface="微软雅黑" panose="020B0503020204020204" pitchFamily="34" charset="-122"/>
                 <a:ea typeface="微软雅黑" panose="020B0503020204020204" pitchFamily="34" charset="-122"/>
-              </a:endParaRPr>
-            </a:p>
-            <a:p>
-              <a:pPr algn="ctr"/>
-              <a:r>
-                <a:rPr lang="en-US" altLang="zh-CN" sz="1600" b="1">
-                  <a:solidFill>
-                    <a:schemeClr val="tx1"/>
-                  </a:solidFill>
-                  <a:latin typeface="微软雅黑" panose="020B0503020204020204" pitchFamily="34" charset="-122"/>
-                  <a:ea typeface="微软雅黑" panose="020B0503020204020204" pitchFamily="34" charset="-122"/>
-                </a:rPr>
-                <a:t>publish</a:t>
-              </a:r>
-              <a:endParaRPr lang="zh-CN" altLang="en-US" sz="1600" b="1">
+              </a:rPr>
+              <a:t>卖单用户</a:t>
+            </a:r>
+          </a:p>
+        </p:txBody>
+      </p:sp>
+      <p:sp>
+        <p:nvSpPr>
+          <p:cNvPr id="101" name="矩形: 圆角 100">
+            <a:extLst>
+              <a:ext uri="{FF2B5EF4-FFF2-40B4-BE49-F238E27FC236}">
+                <a16:creationId xmlns:a16="http://schemas.microsoft.com/office/drawing/2014/main" id="{2FD8AFDB-B92D-4C27-ABEC-799C66831DBB}"/>
+              </a:ext>
+            </a:extLst>
+          </p:cNvPr>
+          <p:cNvSpPr/>
+          <p:nvPr/>
+        </p:nvSpPr>
+        <p:spPr>
+          <a:xfrm>
+            <a:off x="3695896" y="1202926"/>
+            <a:ext cx="1512000" cy="648000"/>
+          </a:xfrm>
+          <a:prstGeom prst="roundRect">
+            <a:avLst/>
+          </a:prstGeom>
+          <a:solidFill>
+            <a:srgbClr val="00B050"/>
+          </a:solidFill>
+          <a:ln>
+            <a:solidFill>
+              <a:schemeClr val="tx1"/>
+            </a:solidFill>
+          </a:ln>
+        </p:spPr>
+        <p:style>
+          <a:lnRef idx="2">
+            <a:schemeClr val="accent1">
+              <a:shade val="50000"/>
+            </a:schemeClr>
+          </a:lnRef>
+          <a:fillRef idx="1">
+            <a:schemeClr val="accent1"/>
+          </a:fillRef>
+          <a:effectRef idx="0">
+            <a:schemeClr val="accent1"/>
+          </a:effectRef>
+          <a:fontRef idx="minor">
+            <a:schemeClr val="lt1"/>
+          </a:fontRef>
+        </p:style>
+        <p:txBody>
+          <a:bodyPr wrap="none" lIns="36000" tIns="36000" rIns="36000" bIns="36000" rtlCol="0" anchor="ctr" anchorCtr="0"/>
+          <a:lstStyle/>
+          <a:p>
+            <a:pPr algn="ctr"/>
+            <a:r>
+              <a:rPr lang="zh-CN" altLang="en-US" sz="1600" b="1">
                 <a:solidFill>
                   <a:schemeClr val="tx1"/>
                 </a:solidFill>
                 <a:latin typeface="微软雅黑" panose="020B0503020204020204" pitchFamily="34" charset="-122"/>
                 <a:ea typeface="微软雅黑" panose="020B0503020204020204" pitchFamily="34" charset="-122"/>
-              </a:endParaRPr>
-            </a:p>
-          </p:txBody>
-        </p:sp>
-        <p:cxnSp>
-          <p:nvCxnSpPr>
-            <p:cNvPr id="112" name="直接箭头连接符 111">
-              <a:extLst>
-                <a:ext uri="{FF2B5EF4-FFF2-40B4-BE49-F238E27FC236}">
-                  <a16:creationId xmlns:a16="http://schemas.microsoft.com/office/drawing/2014/main" id="{769CDA3F-50AD-4BDB-9B81-EAEAFEAC2A92}"/>
-                </a:ext>
-              </a:extLst>
-            </p:cNvPr>
-            <p:cNvCxnSpPr>
-              <a:cxnSpLocks/>
-              <a:stCxn id="101" idx="3"/>
-              <a:endCxn id="42" idx="1"/>
-            </p:cNvCxnSpPr>
-            <p:nvPr/>
-          </p:nvCxnSpPr>
-          <p:spPr>
-            <a:xfrm>
-              <a:off x="5179072" y="2582843"/>
-              <a:ext cx="1650152" cy="0"/>
-            </a:xfrm>
-            <a:prstGeom prst="straightConnector1">
-              <a:avLst/>
-            </a:prstGeom>
-            <a:ln w="31750">
+              </a:rPr>
+              <a:t>发布卖单</a:t>
+            </a:r>
+            <a:endParaRPr lang="en-US" altLang="zh-CN" sz="1600" b="1">
               <a:solidFill>
                 <a:schemeClr val="tx1"/>
               </a:solidFill>
-              <a:tailEnd type="triangle"/>
-            </a:ln>
-          </p:spPr>
-          <p:style>
-            <a:lnRef idx="1">
-              <a:schemeClr val="accent1"/>
-            </a:lnRef>
-            <a:fillRef idx="0">
-              <a:schemeClr val="accent1"/>
-            </a:fillRef>
-            <a:effectRef idx="0">
-              <a:schemeClr val="accent1"/>
-            </a:effectRef>
-            <a:fontRef idx="minor">
-              <a:schemeClr val="tx1"/>
-            </a:fontRef>
-          </p:style>
-        </p:cxnSp>
-        <p:sp>
-          <p:nvSpPr>
-            <p:cNvPr id="42" name="矩形: 圆角 41">
-              <a:extLst>
-                <a:ext uri="{FF2B5EF4-FFF2-40B4-BE49-F238E27FC236}">
-                  <a16:creationId xmlns:a16="http://schemas.microsoft.com/office/drawing/2014/main" id="{72E3ADA6-A1D7-4020-A2AA-532AFDCEC56C}"/>
-                </a:ext>
-              </a:extLst>
-            </p:cNvPr>
-            <p:cNvSpPr/>
-            <p:nvPr/>
-          </p:nvSpPr>
-          <p:spPr>
-            <a:xfrm>
-              <a:off x="6829224" y="2312843"/>
-              <a:ext cx="1547089" cy="540000"/>
-            </a:xfrm>
-            <a:prstGeom prst="roundRect">
-              <a:avLst/>
-            </a:prstGeom>
-            <a:solidFill>
-              <a:schemeClr val="bg1"/>
-            </a:solidFill>
-            <a:ln>
-              <a:solidFill>
-                <a:schemeClr val="tx1"/>
-              </a:solidFill>
-            </a:ln>
-          </p:spPr>
-          <p:style>
-            <a:lnRef idx="2">
-              <a:schemeClr val="accent1">
-                <a:shade val="50000"/>
-              </a:schemeClr>
-            </a:lnRef>
-            <a:fillRef idx="1">
-              <a:schemeClr val="accent1"/>
-            </a:fillRef>
-            <a:effectRef idx="0">
-              <a:schemeClr val="accent1"/>
-            </a:effectRef>
-            <a:fontRef idx="minor">
-              <a:schemeClr val="lt1"/>
-            </a:fontRef>
-          </p:style>
-          <p:txBody>
-            <a:bodyPr wrap="none" lIns="36000" tIns="36000" rIns="36000" bIns="36000" rtlCol="0" anchor="ctr" anchorCtr="0"/>
-            <a:lstStyle/>
-            <a:p>
-              <a:pPr algn="ctr"/>
-              <a:r>
-                <a:rPr lang="zh-CN" altLang="en-US" sz="1600" b="1">
-                  <a:solidFill>
-                    <a:schemeClr val="tx1"/>
-                  </a:solidFill>
-                  <a:latin typeface="微软雅黑" panose="020B0503020204020204" pitchFamily="34" charset="-122"/>
-                  <a:ea typeface="微软雅黑" panose="020B0503020204020204" pitchFamily="34" charset="-122"/>
-                </a:rPr>
-                <a:t>抵押给合约账户</a:t>
-              </a:r>
-            </a:p>
-          </p:txBody>
-        </p:sp>
-        <p:cxnSp>
-          <p:nvCxnSpPr>
-            <p:cNvPr id="32" name="直接箭头连接符 31">
-              <a:extLst>
-                <a:ext uri="{FF2B5EF4-FFF2-40B4-BE49-F238E27FC236}">
-                  <a16:creationId xmlns:a16="http://schemas.microsoft.com/office/drawing/2014/main" id="{838C77E9-6039-4E89-975D-8D8DC3ED531F}"/>
-                </a:ext>
-              </a:extLst>
-            </p:cNvPr>
-            <p:cNvCxnSpPr>
-              <a:cxnSpLocks/>
-              <a:stCxn id="61" idx="3"/>
-              <a:endCxn id="101" idx="1"/>
-            </p:cNvCxnSpPr>
-            <p:nvPr/>
-          </p:nvCxnSpPr>
-          <p:spPr>
-            <a:xfrm>
-              <a:off x="2144898" y="2580636"/>
-              <a:ext cx="1487092" cy="2207"/>
-            </a:xfrm>
-            <a:prstGeom prst="straightConnector1">
-              <a:avLst/>
-            </a:prstGeom>
-            <a:ln w="31750">
-              <a:solidFill>
-                <a:schemeClr val="tx1"/>
-              </a:solidFill>
-              <a:tailEnd type="triangle"/>
-            </a:ln>
-          </p:spPr>
-          <p:style>
-            <a:lnRef idx="1">
-              <a:schemeClr val="accent1"/>
-            </a:lnRef>
-            <a:fillRef idx="0">
-              <a:schemeClr val="accent1"/>
-            </a:fillRef>
-            <a:effectRef idx="0">
-              <a:schemeClr val="accent1"/>
-            </a:effectRef>
-            <a:fontRef idx="minor">
-              <a:schemeClr val="tx1"/>
-            </a:fontRef>
-          </p:style>
-        </p:cxnSp>
-      </p:grpSp>
-      <p:grpSp>
-        <p:nvGrpSpPr>
-          <p:cNvPr id="33" name="组合 32">
-            <a:extLst>
-              <a:ext uri="{FF2B5EF4-FFF2-40B4-BE49-F238E27FC236}">
-                <a16:creationId xmlns:a16="http://schemas.microsoft.com/office/drawing/2014/main" id="{0858D696-71E0-4307-82F3-0B633BA0FE25}"/>
-              </a:ext>
-            </a:extLst>
-          </p:cNvPr>
-          <p:cNvGrpSpPr/>
-          <p:nvPr/>
-        </p:nvGrpSpPr>
-        <p:grpSpPr>
-          <a:xfrm>
-            <a:off x="851642" y="3497487"/>
-            <a:ext cx="7423232" cy="540000"/>
-            <a:chOff x="763154" y="3377438"/>
-            <a:chExt cx="7423232" cy="540000"/>
-          </a:xfrm>
-        </p:grpSpPr>
-        <p:sp>
-          <p:nvSpPr>
-            <p:cNvPr id="49" name="矩形: 圆角 48">
-              <a:extLst>
-                <a:ext uri="{FF2B5EF4-FFF2-40B4-BE49-F238E27FC236}">
-                  <a16:creationId xmlns:a16="http://schemas.microsoft.com/office/drawing/2014/main" id="{412BE305-D42D-4A74-94DC-D1DE6FBE1C09}"/>
-                </a:ext>
-              </a:extLst>
-            </p:cNvPr>
-            <p:cNvSpPr/>
-            <p:nvPr/>
-          </p:nvSpPr>
-          <p:spPr>
-            <a:xfrm>
-              <a:off x="763154" y="3377438"/>
-              <a:ext cx="1357162" cy="540000"/>
-            </a:xfrm>
-            <a:prstGeom prst="roundRect">
-              <a:avLst/>
-            </a:prstGeom>
-            <a:solidFill>
-              <a:srgbClr val="00B0F0"/>
-            </a:solidFill>
-            <a:ln>
-              <a:solidFill>
-                <a:schemeClr val="tx1"/>
-              </a:solidFill>
-            </a:ln>
-          </p:spPr>
-          <p:style>
-            <a:lnRef idx="2">
-              <a:schemeClr val="accent1">
-                <a:shade val="50000"/>
-              </a:schemeClr>
-            </a:lnRef>
-            <a:fillRef idx="1">
-              <a:schemeClr val="accent1"/>
-            </a:fillRef>
-            <a:effectRef idx="0">
-              <a:schemeClr val="accent1"/>
-            </a:effectRef>
-            <a:fontRef idx="minor">
-              <a:schemeClr val="lt1"/>
-            </a:fontRef>
-          </p:style>
-          <p:txBody>
-            <a:bodyPr wrap="none" lIns="36000" tIns="36000" rIns="36000" bIns="36000" rtlCol="0" anchor="ctr" anchorCtr="0"/>
-            <a:lstStyle/>
-            <a:p>
-              <a:pPr algn="ctr"/>
-              <a:r>
-                <a:rPr lang="zh-CN" altLang="en-US" sz="1600" b="1">
-                  <a:solidFill>
-                    <a:schemeClr val="tx1"/>
-                  </a:solidFill>
-                  <a:latin typeface="微软雅黑" panose="020B0503020204020204" pitchFamily="34" charset="-122"/>
-                  <a:ea typeface="微软雅黑" panose="020B0503020204020204" pitchFamily="34" charset="-122"/>
-                </a:rPr>
-                <a:t>买单用户</a:t>
-              </a:r>
-            </a:p>
-          </p:txBody>
-        </p:sp>
-        <p:cxnSp>
-          <p:nvCxnSpPr>
-            <p:cNvPr id="51" name="直接箭头连接符 50">
-              <a:extLst>
-                <a:ext uri="{FF2B5EF4-FFF2-40B4-BE49-F238E27FC236}">
-                  <a16:creationId xmlns:a16="http://schemas.microsoft.com/office/drawing/2014/main" id="{B26E3E05-7D02-4551-9073-5CBF0CA8489A}"/>
-                </a:ext>
-              </a:extLst>
-            </p:cNvPr>
-            <p:cNvCxnSpPr>
-              <a:cxnSpLocks/>
-              <a:stCxn id="52" idx="3"/>
-              <a:endCxn id="55" idx="1"/>
-            </p:cNvCxnSpPr>
-            <p:nvPr/>
-          </p:nvCxnSpPr>
-          <p:spPr>
-            <a:xfrm>
-              <a:off x="5179079" y="3647438"/>
-              <a:ext cx="1650145" cy="0"/>
-            </a:xfrm>
-            <a:prstGeom prst="straightConnector1">
-              <a:avLst/>
-            </a:prstGeom>
-            <a:ln w="31750">
-              <a:solidFill>
-                <a:schemeClr val="tx1"/>
-              </a:solidFill>
-              <a:tailEnd type="triangle"/>
-            </a:ln>
-          </p:spPr>
-          <p:style>
-            <a:lnRef idx="1">
-              <a:schemeClr val="accent1"/>
-            </a:lnRef>
-            <a:fillRef idx="0">
-              <a:schemeClr val="accent1"/>
-            </a:fillRef>
-            <a:effectRef idx="0">
-              <a:schemeClr val="accent1"/>
-            </a:effectRef>
-            <a:fontRef idx="minor">
-              <a:schemeClr val="tx1"/>
-            </a:fontRef>
-          </p:style>
-        </p:cxnSp>
-        <p:sp>
-          <p:nvSpPr>
-            <p:cNvPr id="52" name="矩形: 圆角 51">
-              <a:extLst>
-                <a:ext uri="{FF2B5EF4-FFF2-40B4-BE49-F238E27FC236}">
-                  <a16:creationId xmlns:a16="http://schemas.microsoft.com/office/drawing/2014/main" id="{47091E74-4263-45AC-96A0-F48249A1428D}"/>
-                </a:ext>
-              </a:extLst>
-            </p:cNvPr>
-            <p:cNvSpPr/>
-            <p:nvPr/>
-          </p:nvSpPr>
-          <p:spPr>
-            <a:xfrm>
-              <a:off x="3631990" y="3377438"/>
-              <a:ext cx="1547089" cy="540000"/>
-            </a:xfrm>
-            <a:prstGeom prst="roundRect">
-              <a:avLst/>
-            </a:prstGeom>
-            <a:solidFill>
-              <a:schemeClr val="bg1"/>
-            </a:solidFill>
-            <a:ln>
-              <a:solidFill>
-                <a:schemeClr val="tx1"/>
-              </a:solidFill>
-            </a:ln>
-          </p:spPr>
-          <p:style>
-            <a:lnRef idx="2">
-              <a:schemeClr val="accent1">
-                <a:shade val="50000"/>
-              </a:schemeClr>
-            </a:lnRef>
-            <a:fillRef idx="1">
-              <a:schemeClr val="accent1"/>
-            </a:fillRef>
-            <a:effectRef idx="0">
-              <a:schemeClr val="accent1"/>
-            </a:effectRef>
-            <a:fontRef idx="minor">
-              <a:schemeClr val="lt1"/>
-            </a:fontRef>
-          </p:style>
-          <p:txBody>
-            <a:bodyPr wrap="none" lIns="36000" tIns="36000" rIns="36000" bIns="36000" rtlCol="0" anchor="ctr" anchorCtr="0"/>
-            <a:lstStyle/>
-            <a:p>
-              <a:pPr algn="ctr"/>
-              <a:r>
-                <a:rPr lang="zh-CN" altLang="en-US" sz="1600" b="1">
-                  <a:solidFill>
-                    <a:schemeClr val="tx1"/>
-                  </a:solidFill>
-                  <a:latin typeface="微软雅黑" panose="020B0503020204020204" pitchFamily="34" charset="-122"/>
-                  <a:ea typeface="微软雅黑" panose="020B0503020204020204" pitchFamily="34" charset="-122"/>
-                </a:rPr>
-                <a:t>场外支付</a:t>
-              </a:r>
-            </a:p>
-          </p:txBody>
-        </p:sp>
-        <p:cxnSp>
-          <p:nvCxnSpPr>
-            <p:cNvPr id="53" name="直接箭头连接符 52">
-              <a:extLst>
-                <a:ext uri="{FF2B5EF4-FFF2-40B4-BE49-F238E27FC236}">
-                  <a16:creationId xmlns:a16="http://schemas.microsoft.com/office/drawing/2014/main" id="{34743039-6C7C-4A83-9F14-70E4F511ACFC}"/>
-                </a:ext>
-              </a:extLst>
-            </p:cNvPr>
-            <p:cNvCxnSpPr>
-              <a:cxnSpLocks/>
-              <a:stCxn id="49" idx="3"/>
-              <a:endCxn id="52" idx="1"/>
-            </p:cNvCxnSpPr>
-            <p:nvPr/>
-          </p:nvCxnSpPr>
-          <p:spPr>
-            <a:xfrm>
-              <a:off x="2120316" y="3647438"/>
-              <a:ext cx="1511674" cy="0"/>
-            </a:xfrm>
-            <a:prstGeom prst="straightConnector1">
-              <a:avLst/>
-            </a:prstGeom>
-            <a:ln w="31750">
-              <a:solidFill>
-                <a:schemeClr val="tx1"/>
-              </a:solidFill>
-              <a:tailEnd type="triangle"/>
-            </a:ln>
-          </p:spPr>
-          <p:style>
-            <a:lnRef idx="1">
-              <a:schemeClr val="accent1"/>
-            </a:lnRef>
-            <a:fillRef idx="0">
-              <a:schemeClr val="accent1"/>
-            </a:fillRef>
-            <a:effectRef idx="0">
-              <a:schemeClr val="accent1"/>
-            </a:effectRef>
-            <a:fontRef idx="minor">
-              <a:schemeClr val="tx1"/>
-            </a:fontRef>
-          </p:style>
-        </p:cxnSp>
-        <p:sp>
-          <p:nvSpPr>
-            <p:cNvPr id="55" name="矩形: 圆角 54">
-              <a:extLst>
-                <a:ext uri="{FF2B5EF4-FFF2-40B4-BE49-F238E27FC236}">
-                  <a16:creationId xmlns:a16="http://schemas.microsoft.com/office/drawing/2014/main" id="{51E46C4A-7DFB-40C1-B3C2-2F680522A617}"/>
-                </a:ext>
-              </a:extLst>
-            </p:cNvPr>
-            <p:cNvSpPr/>
-            <p:nvPr/>
-          </p:nvSpPr>
-          <p:spPr>
-            <a:xfrm>
-              <a:off x="6829224" y="3377438"/>
-              <a:ext cx="1357162" cy="540000"/>
-            </a:xfrm>
-            <a:prstGeom prst="roundRect">
-              <a:avLst/>
-            </a:prstGeom>
-            <a:solidFill>
-              <a:srgbClr val="00B0F0"/>
-            </a:solidFill>
-            <a:ln>
-              <a:solidFill>
-                <a:schemeClr val="tx1"/>
-              </a:solidFill>
-            </a:ln>
-          </p:spPr>
-          <p:style>
-            <a:lnRef idx="2">
-              <a:schemeClr val="accent1">
-                <a:shade val="50000"/>
-              </a:schemeClr>
-            </a:lnRef>
-            <a:fillRef idx="1">
-              <a:schemeClr val="accent1"/>
-            </a:fillRef>
-            <a:effectRef idx="0">
-              <a:schemeClr val="accent1"/>
-            </a:effectRef>
-            <a:fontRef idx="minor">
-              <a:schemeClr val="lt1"/>
-            </a:fontRef>
-          </p:style>
-          <p:txBody>
-            <a:bodyPr wrap="none" lIns="36000" tIns="36000" rIns="36000" bIns="36000" rtlCol="0" anchor="ctr" anchorCtr="0"/>
-            <a:lstStyle/>
-            <a:p>
-              <a:pPr algn="ctr"/>
-              <a:r>
-                <a:rPr lang="zh-CN" altLang="en-US" sz="1600" b="1">
-                  <a:solidFill>
-                    <a:schemeClr val="tx1"/>
-                  </a:solidFill>
-                  <a:latin typeface="微软雅黑" panose="020B0503020204020204" pitchFamily="34" charset="-122"/>
-                  <a:ea typeface="微软雅黑" panose="020B0503020204020204" pitchFamily="34" charset="-122"/>
-                </a:rPr>
-                <a:t>卖单用户</a:t>
-              </a:r>
-            </a:p>
-          </p:txBody>
-        </p:sp>
-      </p:grpSp>
-      <p:grpSp>
-        <p:nvGrpSpPr>
-          <p:cNvPr id="36" name="组合 35">
-            <a:extLst>
-              <a:ext uri="{FF2B5EF4-FFF2-40B4-BE49-F238E27FC236}">
-                <a16:creationId xmlns:a16="http://schemas.microsoft.com/office/drawing/2014/main" id="{527BDBCD-28BA-4B52-8FF6-362DC5FA2F86}"/>
-              </a:ext>
-            </a:extLst>
-          </p:cNvPr>
-          <p:cNvGrpSpPr/>
-          <p:nvPr/>
-        </p:nvGrpSpPr>
-        <p:grpSpPr>
-          <a:xfrm>
-            <a:off x="851642" y="4478300"/>
-            <a:ext cx="10272398" cy="648000"/>
-            <a:chOff x="753322" y="4446527"/>
-            <a:chExt cx="10272398" cy="648000"/>
-          </a:xfrm>
-        </p:grpSpPr>
-        <p:sp>
-          <p:nvSpPr>
-            <p:cNvPr id="57" name="矩形: 圆角 56">
-              <a:extLst>
-                <a:ext uri="{FF2B5EF4-FFF2-40B4-BE49-F238E27FC236}">
-                  <a16:creationId xmlns:a16="http://schemas.microsoft.com/office/drawing/2014/main" id="{65E9B693-9316-4E9F-82F7-2796C6B9FCD2}"/>
-                </a:ext>
-              </a:extLst>
-            </p:cNvPr>
-            <p:cNvSpPr/>
-            <p:nvPr/>
-          </p:nvSpPr>
-          <p:spPr>
-            <a:xfrm>
-              <a:off x="753322" y="4498320"/>
-              <a:ext cx="1357162" cy="540000"/>
-            </a:xfrm>
-            <a:prstGeom prst="roundRect">
-              <a:avLst/>
-            </a:prstGeom>
-            <a:solidFill>
-              <a:srgbClr val="00B0F0"/>
-            </a:solidFill>
-            <a:ln>
-              <a:solidFill>
-                <a:schemeClr val="tx1"/>
-              </a:solidFill>
-            </a:ln>
-          </p:spPr>
-          <p:style>
-            <a:lnRef idx="2">
-              <a:schemeClr val="accent1">
-                <a:shade val="50000"/>
-              </a:schemeClr>
-            </a:lnRef>
-            <a:fillRef idx="1">
-              <a:schemeClr val="accent1"/>
-            </a:fillRef>
-            <a:effectRef idx="0">
-              <a:schemeClr val="accent1"/>
-            </a:effectRef>
-            <a:fontRef idx="minor">
-              <a:schemeClr val="lt1"/>
-            </a:fontRef>
-          </p:style>
-          <p:txBody>
-            <a:bodyPr wrap="none" lIns="36000" tIns="36000" rIns="36000" bIns="36000" rtlCol="0" anchor="ctr" anchorCtr="0"/>
-            <a:lstStyle/>
-            <a:p>
-              <a:pPr algn="ctr"/>
-              <a:r>
-                <a:rPr lang="zh-CN" altLang="en-US" sz="1600" b="1">
-                  <a:solidFill>
-                    <a:schemeClr val="tx1"/>
-                  </a:solidFill>
-                  <a:latin typeface="微软雅黑" panose="020B0503020204020204" pitchFamily="34" charset="-122"/>
-                  <a:ea typeface="微软雅黑" panose="020B0503020204020204" pitchFamily="34" charset="-122"/>
-                </a:rPr>
-                <a:t>卖单用户</a:t>
-              </a:r>
-            </a:p>
-          </p:txBody>
-        </p:sp>
-        <p:sp>
-          <p:nvSpPr>
-            <p:cNvPr id="58" name="矩形: 圆角 57">
-              <a:extLst>
-                <a:ext uri="{FF2B5EF4-FFF2-40B4-BE49-F238E27FC236}">
-                  <a16:creationId xmlns:a16="http://schemas.microsoft.com/office/drawing/2014/main" id="{1A415BD8-5740-4984-A8EF-0B45AE86E344}"/>
-                </a:ext>
-              </a:extLst>
-            </p:cNvPr>
-            <p:cNvSpPr/>
-            <p:nvPr/>
-          </p:nvSpPr>
-          <p:spPr>
-            <a:xfrm>
-              <a:off x="3597576" y="4446527"/>
-              <a:ext cx="1547082" cy="648000"/>
-            </a:xfrm>
-            <a:prstGeom prst="roundRect">
-              <a:avLst/>
-            </a:prstGeom>
-            <a:solidFill>
-              <a:srgbClr val="00B050"/>
-            </a:solidFill>
-            <a:ln>
-              <a:solidFill>
-                <a:schemeClr val="tx1"/>
-              </a:solidFill>
-            </a:ln>
-          </p:spPr>
-          <p:style>
-            <a:lnRef idx="2">
-              <a:schemeClr val="accent1">
-                <a:shade val="50000"/>
-              </a:schemeClr>
-            </a:lnRef>
-            <a:fillRef idx="1">
-              <a:schemeClr val="accent1"/>
-            </a:fillRef>
-            <a:effectRef idx="0">
-              <a:schemeClr val="accent1"/>
-            </a:effectRef>
-            <a:fontRef idx="minor">
-              <a:schemeClr val="lt1"/>
-            </a:fontRef>
-          </p:style>
-          <p:txBody>
-            <a:bodyPr wrap="none" lIns="36000" tIns="36000" rIns="36000" bIns="36000" rtlCol="0" anchor="ctr" anchorCtr="0"/>
-            <a:lstStyle/>
-            <a:p>
-              <a:pPr algn="ctr"/>
-              <a:r>
-                <a:rPr lang="zh-CN" altLang="en-US" sz="1600" b="1">
-                  <a:solidFill>
-                    <a:schemeClr val="tx1"/>
-                  </a:solidFill>
-                  <a:latin typeface="微软雅黑" panose="020B0503020204020204" pitchFamily="34" charset="-122"/>
-                  <a:ea typeface="微软雅黑" panose="020B0503020204020204" pitchFamily="34" charset="-122"/>
-                </a:rPr>
-                <a:t>确认收款</a:t>
-              </a:r>
-              <a:endParaRPr lang="en-US" altLang="zh-CN" sz="1600" b="1">
+              <a:latin typeface="微软雅黑" panose="020B0503020204020204" pitchFamily="34" charset="-122"/>
+              <a:ea typeface="微软雅黑" panose="020B0503020204020204" pitchFamily="34" charset="-122"/>
+            </a:endParaRPr>
+          </a:p>
+          <a:p>
+            <a:pPr algn="ctr"/>
+            <a:r>
+              <a:rPr lang="en-US" altLang="zh-CN" sz="1600" b="1">
                 <a:solidFill>
                   <a:schemeClr val="tx1"/>
                 </a:solidFill>
                 <a:latin typeface="微软雅黑" panose="020B0503020204020204" pitchFamily="34" charset="-122"/>
                 <a:ea typeface="微软雅黑" panose="020B0503020204020204" pitchFamily="34" charset="-122"/>
-              </a:endParaRPr>
-            </a:p>
-            <a:p>
-              <a:pPr algn="ctr"/>
-              <a:r>
-                <a:rPr lang="en-US" altLang="zh-CN" sz="1600" b="1">
-                  <a:solidFill>
-                    <a:schemeClr val="tx1"/>
-                  </a:solidFill>
-                  <a:latin typeface="微软雅黑" panose="020B0503020204020204" pitchFamily="34" charset="-122"/>
-                  <a:ea typeface="微软雅黑" panose="020B0503020204020204" pitchFamily="34" charset="-122"/>
-                </a:rPr>
-                <a:t>confirm</a:t>
-              </a:r>
-              <a:endParaRPr lang="zh-CN" altLang="en-US" sz="1600" b="1">
+              </a:rPr>
+              <a:t>publish</a:t>
+            </a:r>
+            <a:endParaRPr lang="zh-CN" altLang="en-US" sz="1600" b="1">
+              <a:solidFill>
+                <a:schemeClr val="tx1"/>
+              </a:solidFill>
+              <a:latin typeface="微软雅黑" panose="020B0503020204020204" pitchFamily="34" charset="-122"/>
+              <a:ea typeface="微软雅黑" panose="020B0503020204020204" pitchFamily="34" charset="-122"/>
+            </a:endParaRPr>
+          </a:p>
+        </p:txBody>
+      </p:sp>
+      <p:cxnSp>
+        <p:nvCxnSpPr>
+          <p:cNvPr id="112" name="直接箭头连接符 111">
+            <a:extLst>
+              <a:ext uri="{FF2B5EF4-FFF2-40B4-BE49-F238E27FC236}">
+                <a16:creationId xmlns:a16="http://schemas.microsoft.com/office/drawing/2014/main" id="{769CDA3F-50AD-4BDB-9B81-EAEAFEAC2A92}"/>
+              </a:ext>
+            </a:extLst>
+          </p:cNvPr>
+          <p:cNvCxnSpPr>
+            <a:cxnSpLocks/>
+            <a:stCxn id="101" idx="3"/>
+            <a:endCxn id="42" idx="1"/>
+          </p:cNvCxnSpPr>
+          <p:nvPr/>
+        </p:nvCxnSpPr>
+        <p:spPr>
+          <a:xfrm>
+            <a:off x="5207896" y="1526926"/>
+            <a:ext cx="1515236" cy="0"/>
+          </a:xfrm>
+          <a:prstGeom prst="straightConnector1">
+            <a:avLst/>
+          </a:prstGeom>
+          <a:ln w="31750">
+            <a:solidFill>
+              <a:schemeClr val="tx1"/>
+            </a:solidFill>
+            <a:tailEnd type="triangle"/>
+          </a:ln>
+        </p:spPr>
+        <p:style>
+          <a:lnRef idx="1">
+            <a:schemeClr val="accent1"/>
+          </a:lnRef>
+          <a:fillRef idx="0">
+            <a:schemeClr val="accent1"/>
+          </a:fillRef>
+          <a:effectRef idx="0">
+            <a:schemeClr val="accent1"/>
+          </a:effectRef>
+          <a:fontRef idx="minor">
+            <a:schemeClr val="tx1"/>
+          </a:fontRef>
+        </p:style>
+      </p:cxnSp>
+      <p:sp>
+        <p:nvSpPr>
+          <p:cNvPr id="42" name="矩形: 圆角 41">
+            <a:extLst>
+              <a:ext uri="{FF2B5EF4-FFF2-40B4-BE49-F238E27FC236}">
+                <a16:creationId xmlns:a16="http://schemas.microsoft.com/office/drawing/2014/main" id="{72E3ADA6-A1D7-4020-A2AA-532AFDCEC56C}"/>
+              </a:ext>
+            </a:extLst>
+          </p:cNvPr>
+          <p:cNvSpPr/>
+          <p:nvPr/>
+        </p:nvSpPr>
+        <p:spPr>
+          <a:xfrm>
+            <a:off x="6723132" y="1238926"/>
+            <a:ext cx="1620000" cy="576000"/>
+          </a:xfrm>
+          <a:prstGeom prst="roundRect">
+            <a:avLst/>
+          </a:prstGeom>
+          <a:solidFill>
+            <a:schemeClr val="bg1"/>
+          </a:solidFill>
+          <a:ln>
+            <a:solidFill>
+              <a:schemeClr val="tx1"/>
+            </a:solidFill>
+          </a:ln>
+        </p:spPr>
+        <p:style>
+          <a:lnRef idx="2">
+            <a:schemeClr val="accent1">
+              <a:shade val="50000"/>
+            </a:schemeClr>
+          </a:lnRef>
+          <a:fillRef idx="1">
+            <a:schemeClr val="accent1"/>
+          </a:fillRef>
+          <a:effectRef idx="0">
+            <a:schemeClr val="accent1"/>
+          </a:effectRef>
+          <a:fontRef idx="minor">
+            <a:schemeClr val="lt1"/>
+          </a:fontRef>
+        </p:style>
+        <p:txBody>
+          <a:bodyPr wrap="none" lIns="36000" tIns="36000" rIns="36000" bIns="36000" rtlCol="0" anchor="ctr" anchorCtr="0"/>
+          <a:lstStyle/>
+          <a:p>
+            <a:pPr algn="ctr"/>
+            <a:r>
+              <a:rPr lang="zh-CN" altLang="en-US" sz="1600" b="1">
                 <a:solidFill>
                   <a:schemeClr val="tx1"/>
                 </a:solidFill>
                 <a:latin typeface="微软雅黑" panose="020B0503020204020204" pitchFamily="34" charset="-122"/>
                 <a:ea typeface="微软雅黑" panose="020B0503020204020204" pitchFamily="34" charset="-122"/>
-              </a:endParaRPr>
-            </a:p>
-          </p:txBody>
-        </p:sp>
-        <p:cxnSp>
-          <p:nvCxnSpPr>
-            <p:cNvPr id="59" name="直接箭头连接符 58">
-              <a:extLst>
-                <a:ext uri="{FF2B5EF4-FFF2-40B4-BE49-F238E27FC236}">
-                  <a16:creationId xmlns:a16="http://schemas.microsoft.com/office/drawing/2014/main" id="{E8CE606D-E7F8-4193-A90B-32217CC6FE96}"/>
-                </a:ext>
-              </a:extLst>
-            </p:cNvPr>
-            <p:cNvCxnSpPr>
-              <a:cxnSpLocks/>
-              <a:stCxn id="58" idx="3"/>
-              <a:endCxn id="60" idx="1"/>
-            </p:cNvCxnSpPr>
-            <p:nvPr/>
-          </p:nvCxnSpPr>
-          <p:spPr>
-            <a:xfrm>
-              <a:off x="5144658" y="4770527"/>
-              <a:ext cx="1650152" cy="0"/>
-            </a:xfrm>
-            <a:prstGeom prst="straightConnector1">
-              <a:avLst/>
-            </a:prstGeom>
-            <a:ln w="31750">
-              <a:solidFill>
-                <a:schemeClr val="tx1"/>
-              </a:solidFill>
-              <a:tailEnd type="triangle"/>
-            </a:ln>
-          </p:spPr>
-          <p:style>
-            <a:lnRef idx="1">
-              <a:schemeClr val="accent1"/>
-            </a:lnRef>
-            <a:fillRef idx="0">
-              <a:schemeClr val="accent1"/>
-            </a:fillRef>
-            <a:effectRef idx="0">
-              <a:schemeClr val="accent1"/>
-            </a:effectRef>
-            <a:fontRef idx="minor">
+              </a:rPr>
+              <a:t>抵押给合约账户</a:t>
+            </a:r>
+          </a:p>
+        </p:txBody>
+      </p:sp>
+      <p:cxnSp>
+        <p:nvCxnSpPr>
+          <p:cNvPr id="32" name="直接箭头连接符 31">
+            <a:extLst>
+              <a:ext uri="{FF2B5EF4-FFF2-40B4-BE49-F238E27FC236}">
+                <a16:creationId xmlns:a16="http://schemas.microsoft.com/office/drawing/2014/main" id="{838C77E9-6039-4E89-975D-8D8DC3ED531F}"/>
+              </a:ext>
+            </a:extLst>
+          </p:cNvPr>
+          <p:cNvCxnSpPr>
+            <a:cxnSpLocks/>
+            <a:stCxn id="61" idx="3"/>
+            <a:endCxn id="101" idx="1"/>
+          </p:cNvCxnSpPr>
+          <p:nvPr/>
+        </p:nvCxnSpPr>
+        <p:spPr>
+          <a:xfrm>
+            <a:off x="2363642" y="1526926"/>
+            <a:ext cx="1332254" cy="0"/>
+          </a:xfrm>
+          <a:prstGeom prst="straightConnector1">
+            <a:avLst/>
+          </a:prstGeom>
+          <a:ln w="31750">
+            <a:solidFill>
               <a:schemeClr val="tx1"/>
-            </a:fontRef>
-          </p:style>
-        </p:cxnSp>
-        <p:sp>
-          <p:nvSpPr>
-            <p:cNvPr id="60" name="矩形: 圆角 59">
-              <a:extLst>
-                <a:ext uri="{FF2B5EF4-FFF2-40B4-BE49-F238E27FC236}">
-                  <a16:creationId xmlns:a16="http://schemas.microsoft.com/office/drawing/2014/main" id="{439E5E02-6BA2-41DE-AC3B-ECEDEFD1F385}"/>
-                </a:ext>
-              </a:extLst>
-            </p:cNvPr>
-            <p:cNvSpPr/>
-            <p:nvPr/>
-          </p:nvSpPr>
-          <p:spPr>
-            <a:xfrm>
-              <a:off x="6794810" y="4500527"/>
-              <a:ext cx="1547089" cy="540000"/>
-            </a:xfrm>
-            <a:prstGeom prst="roundRect">
-              <a:avLst/>
-            </a:prstGeom>
+            </a:solidFill>
+            <a:tailEnd type="triangle"/>
+          </a:ln>
+        </p:spPr>
+        <p:style>
+          <a:lnRef idx="1">
+            <a:schemeClr val="accent1"/>
+          </a:lnRef>
+          <a:fillRef idx="0">
+            <a:schemeClr val="accent1"/>
+          </a:fillRef>
+          <a:effectRef idx="0">
+            <a:schemeClr val="accent1"/>
+          </a:effectRef>
+          <a:fontRef idx="minor">
+            <a:schemeClr val="tx1"/>
+          </a:fontRef>
+        </p:style>
+      </p:cxnSp>
+      <p:sp>
+        <p:nvSpPr>
+          <p:cNvPr id="49" name="矩形: 圆角 48">
+            <a:extLst>
+              <a:ext uri="{FF2B5EF4-FFF2-40B4-BE49-F238E27FC236}">
+                <a16:creationId xmlns:a16="http://schemas.microsoft.com/office/drawing/2014/main" id="{412BE305-D42D-4A74-94DC-D1DE6FBE1C09}"/>
+              </a:ext>
+            </a:extLst>
+          </p:cNvPr>
+          <p:cNvSpPr/>
+          <p:nvPr/>
+        </p:nvSpPr>
+        <p:spPr>
+          <a:xfrm>
+            <a:off x="851642" y="2299233"/>
+            <a:ext cx="1512000" cy="648000"/>
+          </a:xfrm>
+          <a:prstGeom prst="roundRect">
+            <a:avLst/>
+          </a:prstGeom>
+          <a:solidFill>
+            <a:srgbClr val="00B0F0"/>
+          </a:solidFill>
+          <a:ln>
             <a:solidFill>
-              <a:schemeClr val="bg1"/>
+              <a:schemeClr val="tx1"/>
             </a:solidFill>
-            <a:ln>
-              <a:solidFill>
-                <a:schemeClr val="tx1"/>
-              </a:solidFill>
-            </a:ln>
-          </p:spPr>
-          <p:style>
-            <a:lnRef idx="2">
-              <a:schemeClr val="accent1">
-                <a:shade val="50000"/>
-              </a:schemeClr>
-            </a:lnRef>
-            <a:fillRef idx="1">
-              <a:schemeClr val="accent1"/>
-            </a:fillRef>
-            <a:effectRef idx="0">
-              <a:schemeClr val="accent1"/>
-            </a:effectRef>
-            <a:fontRef idx="minor">
-              <a:schemeClr val="lt1"/>
-            </a:fontRef>
-          </p:style>
-          <p:txBody>
-            <a:bodyPr wrap="none" lIns="36000" tIns="36000" rIns="36000" bIns="36000" rtlCol="0" anchor="ctr" anchorCtr="0"/>
-            <a:lstStyle/>
-            <a:p>
-              <a:pPr algn="ctr"/>
-              <a:r>
-                <a:rPr lang="zh-CN" altLang="en-US" sz="1600" b="1">
-                  <a:solidFill>
-                    <a:schemeClr val="tx1"/>
-                  </a:solidFill>
-                  <a:latin typeface="微软雅黑" panose="020B0503020204020204" pitchFamily="34" charset="-122"/>
-                  <a:ea typeface="微软雅黑" panose="020B0503020204020204" pitchFamily="34" charset="-122"/>
-                </a:rPr>
-                <a:t>合约账户转账</a:t>
-              </a:r>
-            </a:p>
-          </p:txBody>
-        </p:sp>
-        <p:cxnSp>
-          <p:nvCxnSpPr>
-            <p:cNvPr id="62" name="直接箭头连接符 61">
-              <a:extLst>
-                <a:ext uri="{FF2B5EF4-FFF2-40B4-BE49-F238E27FC236}">
-                  <a16:creationId xmlns:a16="http://schemas.microsoft.com/office/drawing/2014/main" id="{5E333993-C0A6-4C5E-86E9-7F2027329CE7}"/>
-                </a:ext>
-              </a:extLst>
-            </p:cNvPr>
-            <p:cNvCxnSpPr>
-              <a:cxnSpLocks/>
-              <a:stCxn id="57" idx="3"/>
-              <a:endCxn id="58" idx="1"/>
-            </p:cNvCxnSpPr>
-            <p:nvPr/>
-          </p:nvCxnSpPr>
-          <p:spPr>
-            <a:xfrm>
-              <a:off x="2110484" y="4768320"/>
-              <a:ext cx="1487092" cy="2207"/>
-            </a:xfrm>
-            <a:prstGeom prst="straightConnector1">
-              <a:avLst/>
-            </a:prstGeom>
-            <a:ln w="31750">
-              <a:solidFill>
-                <a:schemeClr val="tx1"/>
-              </a:solidFill>
-              <a:tailEnd type="triangle"/>
-            </a:ln>
-          </p:spPr>
-          <p:style>
-            <a:lnRef idx="1">
-              <a:schemeClr val="accent1"/>
-            </a:lnRef>
-            <a:fillRef idx="0">
-              <a:schemeClr val="accent1"/>
-            </a:fillRef>
-            <a:effectRef idx="0">
-              <a:schemeClr val="accent1"/>
-            </a:effectRef>
-            <a:fontRef idx="minor">
-              <a:schemeClr val="tx1"/>
-            </a:fontRef>
-          </p:style>
-        </p:cxnSp>
-        <p:sp>
-          <p:nvSpPr>
-            <p:cNvPr id="63" name="矩形: 圆角 62">
-              <a:extLst>
-                <a:ext uri="{FF2B5EF4-FFF2-40B4-BE49-F238E27FC236}">
-                  <a16:creationId xmlns:a16="http://schemas.microsoft.com/office/drawing/2014/main" id="{277DE9D7-2400-47B2-8AB5-32DC77E2F2B6}"/>
-                </a:ext>
-              </a:extLst>
-            </p:cNvPr>
-            <p:cNvSpPr/>
-            <p:nvPr/>
-          </p:nvSpPr>
-          <p:spPr>
-            <a:xfrm>
-              <a:off x="9668558" y="4498320"/>
-              <a:ext cx="1357162" cy="540000"/>
-            </a:xfrm>
-            <a:prstGeom prst="roundRect">
-              <a:avLst/>
-            </a:prstGeom>
-            <a:solidFill>
-              <a:srgbClr val="00B0F0"/>
-            </a:solidFill>
-            <a:ln>
-              <a:solidFill>
-                <a:schemeClr val="tx1"/>
-              </a:solidFill>
-            </a:ln>
-          </p:spPr>
-          <p:style>
-            <a:lnRef idx="2">
-              <a:schemeClr val="accent1">
-                <a:shade val="50000"/>
-              </a:schemeClr>
-            </a:lnRef>
-            <a:fillRef idx="1">
-              <a:schemeClr val="accent1"/>
-            </a:fillRef>
-            <a:effectRef idx="0">
-              <a:schemeClr val="accent1"/>
-            </a:effectRef>
-            <a:fontRef idx="minor">
-              <a:schemeClr val="lt1"/>
-            </a:fontRef>
-          </p:style>
-          <p:txBody>
-            <a:bodyPr wrap="none" lIns="36000" tIns="36000" rIns="36000" bIns="36000" rtlCol="0" anchor="ctr" anchorCtr="0"/>
-            <a:lstStyle/>
-            <a:p>
-              <a:pPr algn="ctr"/>
-              <a:r>
-                <a:rPr lang="zh-CN" altLang="en-US" sz="1600" b="1">
-                  <a:solidFill>
-                    <a:schemeClr val="tx1"/>
-                  </a:solidFill>
-                  <a:latin typeface="微软雅黑" panose="020B0503020204020204" pitchFamily="34" charset="-122"/>
-                  <a:ea typeface="微软雅黑" panose="020B0503020204020204" pitchFamily="34" charset="-122"/>
-                </a:rPr>
-                <a:t>买单用户</a:t>
-              </a:r>
-            </a:p>
-          </p:txBody>
-        </p:sp>
-        <p:cxnSp>
-          <p:nvCxnSpPr>
-            <p:cNvPr id="64" name="直接箭头连接符 63">
-              <a:extLst>
-                <a:ext uri="{FF2B5EF4-FFF2-40B4-BE49-F238E27FC236}">
-                  <a16:creationId xmlns:a16="http://schemas.microsoft.com/office/drawing/2014/main" id="{5E3981A5-3200-4516-8486-750739C1C0F0}"/>
-                </a:ext>
-              </a:extLst>
-            </p:cNvPr>
-            <p:cNvCxnSpPr>
-              <a:cxnSpLocks/>
-              <a:stCxn id="60" idx="3"/>
-              <a:endCxn id="63" idx="1"/>
-            </p:cNvCxnSpPr>
-            <p:nvPr/>
-          </p:nvCxnSpPr>
-          <p:spPr>
-            <a:xfrm flipV="1">
-              <a:off x="8341899" y="4768320"/>
-              <a:ext cx="1326659" cy="2207"/>
-            </a:xfrm>
-            <a:prstGeom prst="straightConnector1">
-              <a:avLst/>
-            </a:prstGeom>
-            <a:ln w="31750">
-              <a:solidFill>
-                <a:schemeClr val="tx1"/>
-              </a:solidFill>
-              <a:tailEnd type="triangle"/>
-            </a:ln>
-          </p:spPr>
-          <p:style>
-            <a:lnRef idx="1">
-              <a:schemeClr val="accent1"/>
-            </a:lnRef>
-            <a:fillRef idx="0">
-              <a:schemeClr val="accent1"/>
-            </a:fillRef>
-            <a:effectRef idx="0">
-              <a:schemeClr val="accent1"/>
-            </a:effectRef>
-            <a:fontRef idx="minor">
-              <a:schemeClr val="tx1"/>
-            </a:fontRef>
-          </p:style>
-        </p:cxnSp>
-      </p:grpSp>
-      <p:grpSp>
-        <p:nvGrpSpPr>
-          <p:cNvPr id="30" name="组合 29">
-            <a:extLst>
-              <a:ext uri="{FF2B5EF4-FFF2-40B4-BE49-F238E27FC236}">
-                <a16:creationId xmlns:a16="http://schemas.microsoft.com/office/drawing/2014/main" id="{427139BC-F750-4035-A434-E69730E7D2C2}"/>
-              </a:ext>
-            </a:extLst>
-          </p:cNvPr>
-          <p:cNvGrpSpPr/>
-          <p:nvPr/>
-        </p:nvGrpSpPr>
-        <p:grpSpPr>
-          <a:xfrm>
-            <a:off x="851642" y="1319861"/>
-            <a:ext cx="4391336" cy="648000"/>
-            <a:chOff x="841815" y="1319861"/>
-            <a:chExt cx="4391336" cy="648000"/>
-          </a:xfrm>
-        </p:grpSpPr>
-        <p:sp>
-          <p:nvSpPr>
-            <p:cNvPr id="66" name="矩形: 圆角 65">
-              <a:extLst>
-                <a:ext uri="{FF2B5EF4-FFF2-40B4-BE49-F238E27FC236}">
-                  <a16:creationId xmlns:a16="http://schemas.microsoft.com/office/drawing/2014/main" id="{54B0461E-8C57-4A8F-A0DB-2F3805273D5B}"/>
-                </a:ext>
-              </a:extLst>
-            </p:cNvPr>
-            <p:cNvSpPr/>
-            <p:nvPr/>
-          </p:nvSpPr>
-          <p:spPr>
-            <a:xfrm>
-              <a:off x="841815" y="1371654"/>
-              <a:ext cx="1357162" cy="540000"/>
-            </a:xfrm>
-            <a:prstGeom prst="roundRect">
-              <a:avLst/>
-            </a:prstGeom>
-            <a:solidFill>
-              <a:srgbClr val="00B0F0"/>
-            </a:solidFill>
-            <a:ln>
-              <a:solidFill>
-                <a:schemeClr val="tx1"/>
-              </a:solidFill>
-            </a:ln>
-          </p:spPr>
-          <p:style>
-            <a:lnRef idx="2">
-              <a:schemeClr val="accent1">
-                <a:shade val="50000"/>
-              </a:schemeClr>
-            </a:lnRef>
-            <a:fillRef idx="1">
-              <a:schemeClr val="accent1"/>
-            </a:fillRef>
-            <a:effectRef idx="0">
-              <a:schemeClr val="accent1"/>
-            </a:effectRef>
-            <a:fontRef idx="minor">
-              <a:schemeClr val="lt1"/>
-            </a:fontRef>
-          </p:style>
-          <p:txBody>
-            <a:bodyPr wrap="none" lIns="36000" tIns="36000" rIns="36000" bIns="36000" rtlCol="0" anchor="ctr" anchorCtr="0"/>
-            <a:lstStyle/>
-            <a:p>
-              <a:pPr algn="ctr"/>
-              <a:r>
-                <a:rPr lang="zh-CN" altLang="en-US" sz="1600" b="1">
-                  <a:solidFill>
-                    <a:schemeClr val="tx1"/>
-                  </a:solidFill>
-                  <a:latin typeface="微软雅黑" panose="020B0503020204020204" pitchFamily="34" charset="-122"/>
-                  <a:ea typeface="微软雅黑" panose="020B0503020204020204" pitchFamily="34" charset="-122"/>
-                </a:rPr>
-                <a:t>卖单用户</a:t>
-              </a:r>
-            </a:p>
-          </p:txBody>
-        </p:sp>
-        <p:sp>
-          <p:nvSpPr>
-            <p:cNvPr id="67" name="矩形: 圆角 66">
-              <a:extLst>
-                <a:ext uri="{FF2B5EF4-FFF2-40B4-BE49-F238E27FC236}">
-                  <a16:creationId xmlns:a16="http://schemas.microsoft.com/office/drawing/2014/main" id="{FF107A7B-CA8C-4F28-A77E-B00A64D58B20}"/>
-                </a:ext>
-              </a:extLst>
-            </p:cNvPr>
-            <p:cNvSpPr/>
-            <p:nvPr/>
-          </p:nvSpPr>
-          <p:spPr>
-            <a:xfrm>
-              <a:off x="3686069" y="1319861"/>
-              <a:ext cx="1547082" cy="648000"/>
-            </a:xfrm>
-            <a:prstGeom prst="roundRect">
-              <a:avLst/>
-            </a:prstGeom>
-            <a:solidFill>
-              <a:srgbClr val="00B050"/>
-            </a:solidFill>
-            <a:ln>
-              <a:solidFill>
-                <a:schemeClr val="tx1"/>
-              </a:solidFill>
-            </a:ln>
-          </p:spPr>
-          <p:style>
-            <a:lnRef idx="2">
-              <a:schemeClr val="accent1">
-                <a:shade val="50000"/>
-              </a:schemeClr>
-            </a:lnRef>
-            <a:fillRef idx="1">
-              <a:schemeClr val="accent1"/>
-            </a:fillRef>
-            <a:effectRef idx="0">
-              <a:schemeClr val="accent1"/>
-            </a:effectRef>
-            <a:fontRef idx="minor">
-              <a:schemeClr val="lt1"/>
-            </a:fontRef>
-          </p:style>
-          <p:txBody>
-            <a:bodyPr wrap="none" lIns="36000" tIns="36000" rIns="36000" bIns="36000" rtlCol="0" anchor="ctr" anchorCtr="0"/>
-            <a:lstStyle/>
-            <a:p>
-              <a:pPr algn="ctr"/>
-              <a:r>
-                <a:rPr lang="zh-CN" altLang="en-US" sz="1600" b="1">
-                  <a:solidFill>
-                    <a:schemeClr val="tx1"/>
-                  </a:solidFill>
-                  <a:latin typeface="微软雅黑" panose="020B0503020204020204" pitchFamily="34" charset="-122"/>
-                  <a:ea typeface="微软雅黑" panose="020B0503020204020204" pitchFamily="34" charset="-122"/>
-                </a:rPr>
-                <a:t>查询余额</a:t>
-              </a:r>
-              <a:endParaRPr lang="en-US" altLang="zh-CN" sz="1600" b="1">
+          </a:ln>
+        </p:spPr>
+        <p:style>
+          <a:lnRef idx="2">
+            <a:schemeClr val="accent1">
+              <a:shade val="50000"/>
+            </a:schemeClr>
+          </a:lnRef>
+          <a:fillRef idx="1">
+            <a:schemeClr val="accent1"/>
+          </a:fillRef>
+          <a:effectRef idx="0">
+            <a:schemeClr val="accent1"/>
+          </a:effectRef>
+          <a:fontRef idx="minor">
+            <a:schemeClr val="lt1"/>
+          </a:fontRef>
+        </p:style>
+        <p:txBody>
+          <a:bodyPr wrap="none" lIns="36000" tIns="36000" rIns="36000" bIns="36000" rtlCol="0" anchor="ctr" anchorCtr="0"/>
+          <a:lstStyle/>
+          <a:p>
+            <a:pPr algn="ctr"/>
+            <a:r>
+              <a:rPr lang="zh-CN" altLang="en-US" sz="1600" b="1">
                 <a:solidFill>
                   <a:schemeClr val="tx1"/>
                 </a:solidFill>
                 <a:latin typeface="微软雅黑" panose="020B0503020204020204" pitchFamily="34" charset="-122"/>
                 <a:ea typeface="微软雅黑" panose="020B0503020204020204" pitchFamily="34" charset="-122"/>
-              </a:endParaRPr>
-            </a:p>
-            <a:p>
-              <a:pPr algn="ctr"/>
-              <a:r>
-                <a:rPr lang="en-US" altLang="zh-CN" sz="1600" b="1">
-                  <a:solidFill>
-                    <a:schemeClr val="tx1"/>
-                  </a:solidFill>
-                  <a:latin typeface="微软雅黑" panose="020B0503020204020204" pitchFamily="34" charset="-122"/>
-                  <a:ea typeface="微软雅黑" panose="020B0503020204020204" pitchFamily="34" charset="-122"/>
-                </a:rPr>
-                <a:t>get_balance</a:t>
-              </a:r>
-              <a:endParaRPr lang="zh-CN" altLang="en-US" sz="1600" b="1">
+              </a:rPr>
+              <a:t>买单用户</a:t>
+            </a:r>
+          </a:p>
+        </p:txBody>
+      </p:sp>
+      <p:cxnSp>
+        <p:nvCxnSpPr>
+          <p:cNvPr id="51" name="直接箭头连接符 50">
+            <a:extLst>
+              <a:ext uri="{FF2B5EF4-FFF2-40B4-BE49-F238E27FC236}">
+                <a16:creationId xmlns:a16="http://schemas.microsoft.com/office/drawing/2014/main" id="{B26E3E05-7D02-4551-9073-5CBF0CA8489A}"/>
+              </a:ext>
+            </a:extLst>
+          </p:cNvPr>
+          <p:cNvCxnSpPr>
+            <a:cxnSpLocks/>
+            <a:stCxn id="34" idx="3"/>
+            <a:endCxn id="55" idx="1"/>
+          </p:cNvCxnSpPr>
+          <p:nvPr/>
+        </p:nvCxnSpPr>
+        <p:spPr>
+          <a:xfrm>
+            <a:off x="8235132" y="2623233"/>
+            <a:ext cx="1531746" cy="0"/>
+          </a:xfrm>
+          <a:prstGeom prst="straightConnector1">
+            <a:avLst/>
+          </a:prstGeom>
+          <a:ln w="31750">
+            <a:solidFill>
+              <a:schemeClr val="tx1"/>
+            </a:solidFill>
+            <a:tailEnd type="triangle"/>
+          </a:ln>
+        </p:spPr>
+        <p:style>
+          <a:lnRef idx="1">
+            <a:schemeClr val="accent1"/>
+          </a:lnRef>
+          <a:fillRef idx="0">
+            <a:schemeClr val="accent1"/>
+          </a:fillRef>
+          <a:effectRef idx="0">
+            <a:schemeClr val="accent1"/>
+          </a:effectRef>
+          <a:fontRef idx="minor">
+            <a:schemeClr val="tx1"/>
+          </a:fontRef>
+        </p:style>
+      </p:cxnSp>
+      <p:sp>
+        <p:nvSpPr>
+          <p:cNvPr id="52" name="矩形: 圆角 51">
+            <a:extLst>
+              <a:ext uri="{FF2B5EF4-FFF2-40B4-BE49-F238E27FC236}">
+                <a16:creationId xmlns:a16="http://schemas.microsoft.com/office/drawing/2014/main" id="{47091E74-4263-45AC-96A0-F48249A1428D}"/>
+              </a:ext>
+            </a:extLst>
+          </p:cNvPr>
+          <p:cNvSpPr/>
+          <p:nvPr/>
+        </p:nvSpPr>
+        <p:spPr>
+          <a:xfrm>
+            <a:off x="3695896" y="2335233"/>
+            <a:ext cx="1620000" cy="576000"/>
+          </a:xfrm>
+          <a:prstGeom prst="roundRect">
+            <a:avLst/>
+          </a:prstGeom>
+          <a:solidFill>
+            <a:schemeClr val="bg1"/>
+          </a:solidFill>
+          <a:ln>
+            <a:solidFill>
+              <a:schemeClr val="tx1"/>
+            </a:solidFill>
+          </a:ln>
+        </p:spPr>
+        <p:style>
+          <a:lnRef idx="2">
+            <a:schemeClr val="accent1">
+              <a:shade val="50000"/>
+            </a:schemeClr>
+          </a:lnRef>
+          <a:fillRef idx="1">
+            <a:schemeClr val="accent1"/>
+          </a:fillRef>
+          <a:effectRef idx="0">
+            <a:schemeClr val="accent1"/>
+          </a:effectRef>
+          <a:fontRef idx="minor">
+            <a:schemeClr val="lt1"/>
+          </a:fontRef>
+        </p:style>
+        <p:txBody>
+          <a:bodyPr wrap="none" lIns="36000" tIns="36000" rIns="36000" bIns="36000" rtlCol="0" anchor="ctr" anchorCtr="0"/>
+          <a:lstStyle/>
+          <a:p>
+            <a:pPr algn="ctr"/>
+            <a:r>
+              <a:rPr lang="zh-CN" altLang="en-US" sz="1600" b="1">
                 <a:solidFill>
                   <a:schemeClr val="tx1"/>
                 </a:solidFill>
                 <a:latin typeface="微软雅黑" panose="020B0503020204020204" pitchFamily="34" charset="-122"/>
                 <a:ea typeface="微软雅黑" panose="020B0503020204020204" pitchFamily="34" charset="-122"/>
-              </a:endParaRPr>
-            </a:p>
-          </p:txBody>
-        </p:sp>
-        <p:cxnSp>
-          <p:nvCxnSpPr>
-            <p:cNvPr id="68" name="直接箭头连接符 67">
-              <a:extLst>
-                <a:ext uri="{FF2B5EF4-FFF2-40B4-BE49-F238E27FC236}">
-                  <a16:creationId xmlns:a16="http://schemas.microsoft.com/office/drawing/2014/main" id="{D176530E-2AB1-42E8-8852-01EA257676B4}"/>
-                </a:ext>
-              </a:extLst>
-            </p:cNvPr>
-            <p:cNvCxnSpPr>
-              <a:cxnSpLocks/>
-              <a:stCxn id="66" idx="3"/>
-              <a:endCxn id="67" idx="1"/>
-            </p:cNvCxnSpPr>
-            <p:nvPr/>
-          </p:nvCxnSpPr>
-          <p:spPr>
-            <a:xfrm>
-              <a:off x="2198977" y="1641654"/>
-              <a:ext cx="1487092" cy="2207"/>
-            </a:xfrm>
-            <a:prstGeom prst="straightConnector1">
-              <a:avLst/>
-            </a:prstGeom>
-            <a:ln w="31750">
-              <a:solidFill>
-                <a:schemeClr val="tx1"/>
-              </a:solidFill>
-              <a:tailEnd type="triangle"/>
-            </a:ln>
-          </p:spPr>
-          <p:style>
-            <a:lnRef idx="1">
-              <a:schemeClr val="accent1"/>
-            </a:lnRef>
-            <a:fillRef idx="0">
-              <a:schemeClr val="accent1"/>
-            </a:fillRef>
-            <a:effectRef idx="0">
-              <a:schemeClr val="accent1"/>
-            </a:effectRef>
-            <a:fontRef idx="minor">
+              </a:rPr>
+              <a:t>场外支付</a:t>
+            </a:r>
+          </a:p>
+        </p:txBody>
+      </p:sp>
+      <p:cxnSp>
+        <p:nvCxnSpPr>
+          <p:cNvPr id="53" name="直接箭头连接符 52">
+            <a:extLst>
+              <a:ext uri="{FF2B5EF4-FFF2-40B4-BE49-F238E27FC236}">
+                <a16:creationId xmlns:a16="http://schemas.microsoft.com/office/drawing/2014/main" id="{34743039-6C7C-4A83-9F14-70E4F511ACFC}"/>
+              </a:ext>
+            </a:extLst>
+          </p:cNvPr>
+          <p:cNvCxnSpPr>
+            <a:cxnSpLocks/>
+            <a:stCxn id="49" idx="3"/>
+            <a:endCxn id="52" idx="1"/>
+          </p:cNvCxnSpPr>
+          <p:nvPr/>
+        </p:nvCxnSpPr>
+        <p:spPr>
+          <a:xfrm>
+            <a:off x="2363642" y="2623233"/>
+            <a:ext cx="1332254" cy="0"/>
+          </a:xfrm>
+          <a:prstGeom prst="straightConnector1">
+            <a:avLst/>
+          </a:prstGeom>
+          <a:ln w="31750">
+            <a:solidFill>
               <a:schemeClr val="tx1"/>
-            </a:fontRef>
-          </p:style>
-        </p:cxnSp>
-      </p:grpSp>
-      <p:grpSp>
-        <p:nvGrpSpPr>
-          <p:cNvPr id="65" name="组合 64">
-            <a:extLst>
-              <a:ext uri="{FF2B5EF4-FFF2-40B4-BE49-F238E27FC236}">
-                <a16:creationId xmlns:a16="http://schemas.microsoft.com/office/drawing/2014/main" id="{1B92EC4C-9F49-4062-BF74-8058568B3B4F}"/>
-              </a:ext>
-            </a:extLst>
-          </p:cNvPr>
-          <p:cNvGrpSpPr/>
+            </a:solidFill>
+            <a:tailEnd type="triangle"/>
+          </a:ln>
+        </p:spPr>
+        <p:style>
+          <a:lnRef idx="1">
+            <a:schemeClr val="accent1"/>
+          </a:lnRef>
+          <a:fillRef idx="0">
+            <a:schemeClr val="accent1"/>
+          </a:fillRef>
+          <a:effectRef idx="0">
+            <a:schemeClr val="accent1"/>
+          </a:effectRef>
+          <a:fontRef idx="minor">
+            <a:schemeClr val="tx1"/>
+          </a:fontRef>
+        </p:style>
+      </p:cxnSp>
+      <p:sp>
+        <p:nvSpPr>
+          <p:cNvPr id="55" name="矩形: 圆角 54">
+            <a:extLst>
+              <a:ext uri="{FF2B5EF4-FFF2-40B4-BE49-F238E27FC236}">
+                <a16:creationId xmlns:a16="http://schemas.microsoft.com/office/drawing/2014/main" id="{51E46C4A-7DFB-40C1-B3C2-2F680522A617}"/>
+              </a:ext>
+            </a:extLst>
+          </p:cNvPr>
+          <p:cNvSpPr/>
           <p:nvPr/>
-        </p:nvGrpSpPr>
-        <p:grpSpPr>
+        </p:nvSpPr>
+        <p:spPr>
           <a:xfrm>
-            <a:off x="851642" y="5567111"/>
-            <a:ext cx="4391336" cy="648000"/>
-            <a:chOff x="763154" y="5567111"/>
-            <a:chExt cx="4391336" cy="648000"/>
-          </a:xfrm>
-        </p:grpSpPr>
-        <p:sp>
-          <p:nvSpPr>
-            <p:cNvPr id="69" name="矩形: 圆角 68">
-              <a:extLst>
-                <a:ext uri="{FF2B5EF4-FFF2-40B4-BE49-F238E27FC236}">
-                  <a16:creationId xmlns:a16="http://schemas.microsoft.com/office/drawing/2014/main" id="{606AFD27-F17A-43E3-987E-8C2BB1EA9F28}"/>
-                </a:ext>
-              </a:extLst>
-            </p:cNvPr>
-            <p:cNvSpPr/>
-            <p:nvPr/>
-          </p:nvSpPr>
-          <p:spPr>
-            <a:xfrm>
-              <a:off x="763154" y="5618904"/>
-              <a:ext cx="1357162" cy="540000"/>
-            </a:xfrm>
-            <a:prstGeom prst="roundRect">
-              <a:avLst/>
-            </a:prstGeom>
+            <a:off x="9766878" y="2299233"/>
+            <a:ext cx="1512000" cy="648000"/>
+          </a:xfrm>
+          <a:prstGeom prst="roundRect">
+            <a:avLst/>
+          </a:prstGeom>
+          <a:solidFill>
+            <a:srgbClr val="00B0F0"/>
+          </a:solidFill>
+          <a:ln>
             <a:solidFill>
-              <a:srgbClr val="00B0F0"/>
+              <a:schemeClr val="tx1"/>
             </a:solidFill>
-            <a:ln>
-              <a:solidFill>
-                <a:schemeClr val="tx1"/>
-              </a:solidFill>
-            </a:ln>
-          </p:spPr>
-          <p:style>
-            <a:lnRef idx="2">
-              <a:schemeClr val="accent1">
-                <a:shade val="50000"/>
-              </a:schemeClr>
-            </a:lnRef>
-            <a:fillRef idx="1">
-              <a:schemeClr val="accent1"/>
-            </a:fillRef>
-            <a:effectRef idx="0">
-              <a:schemeClr val="accent1"/>
-            </a:effectRef>
-            <a:fontRef idx="minor">
-              <a:schemeClr val="lt1"/>
-            </a:fontRef>
-          </p:style>
-          <p:txBody>
-            <a:bodyPr wrap="none" lIns="36000" tIns="36000" rIns="36000" bIns="36000" rtlCol="0" anchor="ctr" anchorCtr="0"/>
-            <a:lstStyle/>
-            <a:p>
-              <a:pPr algn="ctr"/>
-              <a:r>
-                <a:rPr lang="zh-CN" altLang="en-US" sz="1600" b="1">
-                  <a:solidFill>
-                    <a:schemeClr val="tx1"/>
-                  </a:solidFill>
-                  <a:latin typeface="微软雅黑" panose="020B0503020204020204" pitchFamily="34" charset="-122"/>
-                  <a:ea typeface="微软雅黑" panose="020B0503020204020204" pitchFamily="34" charset="-122"/>
-                </a:rPr>
-                <a:t>买单用户</a:t>
-              </a:r>
-            </a:p>
-          </p:txBody>
-        </p:sp>
-        <p:sp>
-          <p:nvSpPr>
-            <p:cNvPr id="70" name="矩形: 圆角 69">
-              <a:extLst>
-                <a:ext uri="{FF2B5EF4-FFF2-40B4-BE49-F238E27FC236}">
-                  <a16:creationId xmlns:a16="http://schemas.microsoft.com/office/drawing/2014/main" id="{AF8A14E6-37BC-461A-B9F7-0E69F1879271}"/>
-                </a:ext>
-              </a:extLst>
-            </p:cNvPr>
-            <p:cNvSpPr/>
-            <p:nvPr/>
-          </p:nvSpPr>
-          <p:spPr>
-            <a:xfrm>
-              <a:off x="3607408" y="5567111"/>
-              <a:ext cx="1547082" cy="648000"/>
-            </a:xfrm>
-            <a:prstGeom prst="roundRect">
-              <a:avLst/>
-            </a:prstGeom>
-            <a:solidFill>
-              <a:srgbClr val="00B050"/>
-            </a:solidFill>
-            <a:ln>
-              <a:solidFill>
-                <a:schemeClr val="tx1"/>
-              </a:solidFill>
-            </a:ln>
-          </p:spPr>
-          <p:style>
-            <a:lnRef idx="2">
-              <a:schemeClr val="accent1">
-                <a:shade val="50000"/>
-              </a:schemeClr>
-            </a:lnRef>
-            <a:fillRef idx="1">
-              <a:schemeClr val="accent1"/>
-            </a:fillRef>
-            <a:effectRef idx="0">
-              <a:schemeClr val="accent1"/>
-            </a:effectRef>
-            <a:fontRef idx="minor">
-              <a:schemeClr val="lt1"/>
-            </a:fontRef>
-          </p:style>
-          <p:txBody>
-            <a:bodyPr wrap="none" lIns="36000" tIns="36000" rIns="36000" bIns="36000" rtlCol="0" anchor="ctr" anchorCtr="0"/>
-            <a:lstStyle/>
-            <a:p>
-              <a:pPr algn="ctr"/>
-              <a:r>
-                <a:rPr lang="zh-CN" altLang="en-US" sz="1600" b="1">
-                  <a:solidFill>
-                    <a:schemeClr val="tx1"/>
-                  </a:solidFill>
-                  <a:latin typeface="微软雅黑" panose="020B0503020204020204" pitchFamily="34" charset="-122"/>
-                  <a:ea typeface="微软雅黑" panose="020B0503020204020204" pitchFamily="34" charset="-122"/>
-                </a:rPr>
-                <a:t>查询余额</a:t>
-              </a:r>
-              <a:endParaRPr lang="en-US" altLang="zh-CN" sz="1600" b="1">
+          </a:ln>
+        </p:spPr>
+        <p:style>
+          <a:lnRef idx="2">
+            <a:schemeClr val="accent1">
+              <a:shade val="50000"/>
+            </a:schemeClr>
+          </a:lnRef>
+          <a:fillRef idx="1">
+            <a:schemeClr val="accent1"/>
+          </a:fillRef>
+          <a:effectRef idx="0">
+            <a:schemeClr val="accent1"/>
+          </a:effectRef>
+          <a:fontRef idx="minor">
+            <a:schemeClr val="lt1"/>
+          </a:fontRef>
+        </p:style>
+        <p:txBody>
+          <a:bodyPr wrap="none" lIns="36000" tIns="36000" rIns="36000" bIns="36000" rtlCol="0" anchor="ctr" anchorCtr="0"/>
+          <a:lstStyle/>
+          <a:p>
+            <a:pPr algn="ctr"/>
+            <a:r>
+              <a:rPr lang="zh-CN" altLang="en-US" sz="1600" b="1">
                 <a:solidFill>
                   <a:schemeClr val="tx1"/>
                 </a:solidFill>
                 <a:latin typeface="微软雅黑" panose="020B0503020204020204" pitchFamily="34" charset="-122"/>
                 <a:ea typeface="微软雅黑" panose="020B0503020204020204" pitchFamily="34" charset="-122"/>
-              </a:endParaRPr>
-            </a:p>
-            <a:p>
-              <a:pPr algn="ctr"/>
-              <a:r>
-                <a:rPr lang="en-US" altLang="zh-CN" sz="1600" b="1">
-                  <a:solidFill>
-                    <a:schemeClr val="tx1"/>
-                  </a:solidFill>
-                  <a:latin typeface="微软雅黑" panose="020B0503020204020204" pitchFamily="34" charset="-122"/>
-                  <a:ea typeface="微软雅黑" panose="020B0503020204020204" pitchFamily="34" charset="-122"/>
-                </a:rPr>
-                <a:t>get_balance</a:t>
-              </a:r>
-              <a:endParaRPr lang="zh-CN" altLang="en-US" sz="1600" b="1">
+              </a:rPr>
+              <a:t>卖单用户</a:t>
+            </a:r>
+          </a:p>
+        </p:txBody>
+      </p:sp>
+      <p:sp>
+        <p:nvSpPr>
+          <p:cNvPr id="57" name="矩形: 圆角 56">
+            <a:extLst>
+              <a:ext uri="{FF2B5EF4-FFF2-40B4-BE49-F238E27FC236}">
+                <a16:creationId xmlns:a16="http://schemas.microsoft.com/office/drawing/2014/main" id="{65E9B693-9316-4E9F-82F7-2796C6B9FCD2}"/>
+              </a:ext>
+            </a:extLst>
+          </p:cNvPr>
+          <p:cNvSpPr/>
+          <p:nvPr/>
+        </p:nvSpPr>
+        <p:spPr>
+          <a:xfrm>
+            <a:off x="851642" y="3328535"/>
+            <a:ext cx="1512000" cy="648000"/>
+          </a:xfrm>
+          <a:prstGeom prst="roundRect">
+            <a:avLst/>
+          </a:prstGeom>
+          <a:solidFill>
+            <a:srgbClr val="00B0F0"/>
+          </a:solidFill>
+          <a:ln>
+            <a:solidFill>
+              <a:schemeClr val="tx1"/>
+            </a:solidFill>
+          </a:ln>
+        </p:spPr>
+        <p:style>
+          <a:lnRef idx="2">
+            <a:schemeClr val="accent1">
+              <a:shade val="50000"/>
+            </a:schemeClr>
+          </a:lnRef>
+          <a:fillRef idx="1">
+            <a:schemeClr val="accent1"/>
+          </a:fillRef>
+          <a:effectRef idx="0">
+            <a:schemeClr val="accent1"/>
+          </a:effectRef>
+          <a:fontRef idx="minor">
+            <a:schemeClr val="lt1"/>
+          </a:fontRef>
+        </p:style>
+        <p:txBody>
+          <a:bodyPr wrap="none" lIns="36000" tIns="36000" rIns="36000" bIns="36000" rtlCol="0" anchor="ctr" anchorCtr="0"/>
+          <a:lstStyle/>
+          <a:p>
+            <a:pPr algn="ctr"/>
+            <a:r>
+              <a:rPr lang="zh-CN" altLang="en-US" sz="1600" b="1">
                 <a:solidFill>
                   <a:schemeClr val="tx1"/>
                 </a:solidFill>
                 <a:latin typeface="微软雅黑" panose="020B0503020204020204" pitchFamily="34" charset="-122"/>
                 <a:ea typeface="微软雅黑" panose="020B0503020204020204" pitchFamily="34" charset="-122"/>
-              </a:endParaRPr>
-            </a:p>
-          </p:txBody>
-        </p:sp>
-        <p:cxnSp>
-          <p:nvCxnSpPr>
-            <p:cNvPr id="71" name="直接箭头连接符 70">
-              <a:extLst>
-                <a:ext uri="{FF2B5EF4-FFF2-40B4-BE49-F238E27FC236}">
-                  <a16:creationId xmlns:a16="http://schemas.microsoft.com/office/drawing/2014/main" id="{424442DE-D8BD-4D6C-BE0B-A1AA906FB968}"/>
-                </a:ext>
-              </a:extLst>
-            </p:cNvPr>
-            <p:cNvCxnSpPr>
-              <a:cxnSpLocks/>
-              <a:stCxn id="69" idx="3"/>
-              <a:endCxn id="70" idx="1"/>
-            </p:cNvCxnSpPr>
-            <p:nvPr/>
-          </p:nvCxnSpPr>
-          <p:spPr>
-            <a:xfrm>
-              <a:off x="2120316" y="5888904"/>
-              <a:ext cx="1487092" cy="2207"/>
-            </a:xfrm>
-            <a:prstGeom prst="straightConnector1">
-              <a:avLst/>
-            </a:prstGeom>
-            <a:ln w="31750">
+              </a:rPr>
+              <a:t>卖单用户</a:t>
+            </a:r>
+          </a:p>
+        </p:txBody>
+      </p:sp>
+      <p:sp>
+        <p:nvSpPr>
+          <p:cNvPr id="58" name="矩形: 圆角 57">
+            <a:extLst>
+              <a:ext uri="{FF2B5EF4-FFF2-40B4-BE49-F238E27FC236}">
+                <a16:creationId xmlns:a16="http://schemas.microsoft.com/office/drawing/2014/main" id="{1A415BD8-5740-4984-A8EF-0B45AE86E344}"/>
+              </a:ext>
+            </a:extLst>
+          </p:cNvPr>
+          <p:cNvSpPr/>
+          <p:nvPr/>
+        </p:nvSpPr>
+        <p:spPr>
+          <a:xfrm>
+            <a:off x="3695896" y="3328535"/>
+            <a:ext cx="1512000" cy="648000"/>
+          </a:xfrm>
+          <a:prstGeom prst="roundRect">
+            <a:avLst/>
+          </a:prstGeom>
+          <a:solidFill>
+            <a:srgbClr val="00B050"/>
+          </a:solidFill>
+          <a:ln>
+            <a:solidFill>
+              <a:schemeClr val="tx1"/>
+            </a:solidFill>
+          </a:ln>
+        </p:spPr>
+        <p:style>
+          <a:lnRef idx="2">
+            <a:schemeClr val="accent1">
+              <a:shade val="50000"/>
+            </a:schemeClr>
+          </a:lnRef>
+          <a:fillRef idx="1">
+            <a:schemeClr val="accent1"/>
+          </a:fillRef>
+          <a:effectRef idx="0">
+            <a:schemeClr val="accent1"/>
+          </a:effectRef>
+          <a:fontRef idx="minor">
+            <a:schemeClr val="lt1"/>
+          </a:fontRef>
+        </p:style>
+        <p:txBody>
+          <a:bodyPr wrap="none" lIns="36000" tIns="36000" rIns="36000" bIns="36000" rtlCol="0" anchor="ctr" anchorCtr="0"/>
+          <a:lstStyle/>
+          <a:p>
+            <a:pPr algn="ctr"/>
+            <a:r>
+              <a:rPr lang="zh-CN" altLang="en-US" sz="1600" b="1">
+                <a:solidFill>
+                  <a:schemeClr val="tx1"/>
+                </a:solidFill>
+                <a:latin typeface="微软雅黑" panose="020B0503020204020204" pitchFamily="34" charset="-122"/>
+                <a:ea typeface="微软雅黑" panose="020B0503020204020204" pitchFamily="34" charset="-122"/>
+              </a:rPr>
+              <a:t>确认收款</a:t>
+            </a:r>
+            <a:endParaRPr lang="en-US" altLang="zh-CN" sz="1600" b="1">
               <a:solidFill>
                 <a:schemeClr val="tx1"/>
               </a:solidFill>
-              <a:tailEnd type="triangle"/>
-            </a:ln>
-          </p:spPr>
-          <p:style>
-            <a:lnRef idx="1">
-              <a:schemeClr val="accent1"/>
-            </a:lnRef>
-            <a:fillRef idx="0">
-              <a:schemeClr val="accent1"/>
-            </a:fillRef>
-            <a:effectRef idx="0">
-              <a:schemeClr val="accent1"/>
-            </a:effectRef>
-            <a:fontRef idx="minor">
+              <a:latin typeface="微软雅黑" panose="020B0503020204020204" pitchFamily="34" charset="-122"/>
+              <a:ea typeface="微软雅黑" panose="020B0503020204020204" pitchFamily="34" charset="-122"/>
+            </a:endParaRPr>
+          </a:p>
+          <a:p>
+            <a:pPr algn="ctr"/>
+            <a:r>
+              <a:rPr lang="en-US" altLang="zh-CN" sz="1600" b="1">
+                <a:solidFill>
+                  <a:schemeClr val="tx1"/>
+                </a:solidFill>
+                <a:latin typeface="微软雅黑" panose="020B0503020204020204" pitchFamily="34" charset="-122"/>
+                <a:ea typeface="微软雅黑" panose="020B0503020204020204" pitchFamily="34" charset="-122"/>
+              </a:rPr>
+              <a:t>confirm</a:t>
+            </a:r>
+            <a:endParaRPr lang="zh-CN" altLang="en-US" sz="1600" b="1">
+              <a:solidFill>
+                <a:schemeClr val="tx1"/>
+              </a:solidFill>
+              <a:latin typeface="微软雅黑" panose="020B0503020204020204" pitchFamily="34" charset="-122"/>
+              <a:ea typeface="微软雅黑" panose="020B0503020204020204" pitchFamily="34" charset="-122"/>
+            </a:endParaRPr>
+          </a:p>
+        </p:txBody>
+      </p:sp>
+      <p:cxnSp>
+        <p:nvCxnSpPr>
+          <p:cNvPr id="59" name="直接箭头连接符 58">
+            <a:extLst>
+              <a:ext uri="{FF2B5EF4-FFF2-40B4-BE49-F238E27FC236}">
+                <a16:creationId xmlns:a16="http://schemas.microsoft.com/office/drawing/2014/main" id="{E8CE606D-E7F8-4193-A90B-32217CC6FE96}"/>
+              </a:ext>
+            </a:extLst>
+          </p:cNvPr>
+          <p:cNvCxnSpPr>
+            <a:cxnSpLocks/>
+            <a:stCxn id="58" idx="3"/>
+            <a:endCxn id="60" idx="1"/>
+          </p:cNvCxnSpPr>
+          <p:nvPr/>
+        </p:nvCxnSpPr>
+        <p:spPr>
+          <a:xfrm>
+            <a:off x="5207896" y="3652535"/>
+            <a:ext cx="1515236" cy="0"/>
+          </a:xfrm>
+          <a:prstGeom prst="straightConnector1">
+            <a:avLst/>
+          </a:prstGeom>
+          <a:ln w="31750">
+            <a:solidFill>
               <a:schemeClr val="tx1"/>
-            </a:fontRef>
-          </p:style>
-        </p:cxnSp>
-      </p:grpSp>
+            </a:solidFill>
+            <a:tailEnd type="triangle"/>
+          </a:ln>
+        </p:spPr>
+        <p:style>
+          <a:lnRef idx="1">
+            <a:schemeClr val="accent1"/>
+          </a:lnRef>
+          <a:fillRef idx="0">
+            <a:schemeClr val="accent1"/>
+          </a:fillRef>
+          <a:effectRef idx="0">
+            <a:schemeClr val="accent1"/>
+          </a:effectRef>
+          <a:fontRef idx="minor">
+            <a:schemeClr val="tx1"/>
+          </a:fontRef>
+        </p:style>
+      </p:cxnSp>
+      <p:sp>
+        <p:nvSpPr>
+          <p:cNvPr id="60" name="矩形: 圆角 59">
+            <a:extLst>
+              <a:ext uri="{FF2B5EF4-FFF2-40B4-BE49-F238E27FC236}">
+                <a16:creationId xmlns:a16="http://schemas.microsoft.com/office/drawing/2014/main" id="{439E5E02-6BA2-41DE-AC3B-ECEDEFD1F385}"/>
+              </a:ext>
+            </a:extLst>
+          </p:cNvPr>
+          <p:cNvSpPr/>
+          <p:nvPr/>
+        </p:nvSpPr>
+        <p:spPr>
+          <a:xfrm>
+            <a:off x="6723132" y="3364535"/>
+            <a:ext cx="1620000" cy="576000"/>
+          </a:xfrm>
+          <a:prstGeom prst="roundRect">
+            <a:avLst/>
+          </a:prstGeom>
+          <a:solidFill>
+            <a:schemeClr val="bg1"/>
+          </a:solidFill>
+          <a:ln>
+            <a:solidFill>
+              <a:schemeClr val="tx1"/>
+            </a:solidFill>
+          </a:ln>
+        </p:spPr>
+        <p:style>
+          <a:lnRef idx="2">
+            <a:schemeClr val="accent1">
+              <a:shade val="50000"/>
+            </a:schemeClr>
+          </a:lnRef>
+          <a:fillRef idx="1">
+            <a:schemeClr val="accent1"/>
+          </a:fillRef>
+          <a:effectRef idx="0">
+            <a:schemeClr val="accent1"/>
+          </a:effectRef>
+          <a:fontRef idx="minor">
+            <a:schemeClr val="lt1"/>
+          </a:fontRef>
+        </p:style>
+        <p:txBody>
+          <a:bodyPr wrap="none" lIns="36000" tIns="36000" rIns="36000" bIns="36000" rtlCol="0" anchor="ctr" anchorCtr="0"/>
+          <a:lstStyle/>
+          <a:p>
+            <a:pPr algn="ctr"/>
+            <a:r>
+              <a:rPr lang="zh-CN" altLang="en-US" sz="1600" b="1">
+                <a:solidFill>
+                  <a:schemeClr val="tx1"/>
+                </a:solidFill>
+                <a:latin typeface="微软雅黑" panose="020B0503020204020204" pitchFamily="34" charset="-122"/>
+                <a:ea typeface="微软雅黑" panose="020B0503020204020204" pitchFamily="34" charset="-122"/>
+              </a:rPr>
+              <a:t>合约账户转账</a:t>
+            </a:r>
+          </a:p>
+        </p:txBody>
+      </p:sp>
+      <p:cxnSp>
+        <p:nvCxnSpPr>
+          <p:cNvPr id="62" name="直接箭头连接符 61">
+            <a:extLst>
+              <a:ext uri="{FF2B5EF4-FFF2-40B4-BE49-F238E27FC236}">
+                <a16:creationId xmlns:a16="http://schemas.microsoft.com/office/drawing/2014/main" id="{5E333993-C0A6-4C5E-86E9-7F2027329CE7}"/>
+              </a:ext>
+            </a:extLst>
+          </p:cNvPr>
+          <p:cNvCxnSpPr>
+            <a:cxnSpLocks/>
+            <a:stCxn id="57" idx="3"/>
+            <a:endCxn id="58" idx="1"/>
+          </p:cNvCxnSpPr>
+          <p:nvPr/>
+        </p:nvCxnSpPr>
+        <p:spPr>
+          <a:xfrm>
+            <a:off x="2363642" y="3652535"/>
+            <a:ext cx="1332254" cy="0"/>
+          </a:xfrm>
+          <a:prstGeom prst="straightConnector1">
+            <a:avLst/>
+          </a:prstGeom>
+          <a:ln w="31750">
+            <a:solidFill>
+              <a:schemeClr val="tx1"/>
+            </a:solidFill>
+            <a:tailEnd type="triangle"/>
+          </a:ln>
+        </p:spPr>
+        <p:style>
+          <a:lnRef idx="1">
+            <a:schemeClr val="accent1"/>
+          </a:lnRef>
+          <a:fillRef idx="0">
+            <a:schemeClr val="accent1"/>
+          </a:fillRef>
+          <a:effectRef idx="0">
+            <a:schemeClr val="accent1"/>
+          </a:effectRef>
+          <a:fontRef idx="minor">
+            <a:schemeClr val="tx1"/>
+          </a:fontRef>
+        </p:style>
+      </p:cxnSp>
+      <p:sp>
+        <p:nvSpPr>
+          <p:cNvPr id="63" name="矩形: 圆角 62">
+            <a:extLst>
+              <a:ext uri="{FF2B5EF4-FFF2-40B4-BE49-F238E27FC236}">
+                <a16:creationId xmlns:a16="http://schemas.microsoft.com/office/drawing/2014/main" id="{277DE9D7-2400-47B2-8AB5-32DC77E2F2B6}"/>
+              </a:ext>
+            </a:extLst>
+          </p:cNvPr>
+          <p:cNvSpPr/>
+          <p:nvPr/>
+        </p:nvSpPr>
+        <p:spPr>
+          <a:xfrm>
+            <a:off x="9766878" y="3328535"/>
+            <a:ext cx="1512000" cy="648000"/>
+          </a:xfrm>
+          <a:prstGeom prst="roundRect">
+            <a:avLst/>
+          </a:prstGeom>
+          <a:solidFill>
+            <a:srgbClr val="00B0F0"/>
+          </a:solidFill>
+          <a:ln>
+            <a:solidFill>
+              <a:schemeClr val="tx1"/>
+            </a:solidFill>
+          </a:ln>
+        </p:spPr>
+        <p:style>
+          <a:lnRef idx="2">
+            <a:schemeClr val="accent1">
+              <a:shade val="50000"/>
+            </a:schemeClr>
+          </a:lnRef>
+          <a:fillRef idx="1">
+            <a:schemeClr val="accent1"/>
+          </a:fillRef>
+          <a:effectRef idx="0">
+            <a:schemeClr val="accent1"/>
+          </a:effectRef>
+          <a:fontRef idx="minor">
+            <a:schemeClr val="lt1"/>
+          </a:fontRef>
+        </p:style>
+        <p:txBody>
+          <a:bodyPr wrap="none" lIns="36000" tIns="36000" rIns="36000" bIns="36000" rtlCol="0" anchor="ctr" anchorCtr="0"/>
+          <a:lstStyle/>
+          <a:p>
+            <a:pPr algn="ctr"/>
+            <a:r>
+              <a:rPr lang="zh-CN" altLang="en-US" sz="1600" b="1">
+                <a:solidFill>
+                  <a:schemeClr val="tx1"/>
+                </a:solidFill>
+                <a:latin typeface="微软雅黑" panose="020B0503020204020204" pitchFamily="34" charset="-122"/>
+                <a:ea typeface="微软雅黑" panose="020B0503020204020204" pitchFamily="34" charset="-122"/>
+              </a:rPr>
+              <a:t>买单用户</a:t>
+            </a:r>
+          </a:p>
+        </p:txBody>
+      </p:sp>
+      <p:cxnSp>
+        <p:nvCxnSpPr>
+          <p:cNvPr id="64" name="直接箭头连接符 63">
+            <a:extLst>
+              <a:ext uri="{FF2B5EF4-FFF2-40B4-BE49-F238E27FC236}">
+                <a16:creationId xmlns:a16="http://schemas.microsoft.com/office/drawing/2014/main" id="{5E3981A5-3200-4516-8486-750739C1C0F0}"/>
+              </a:ext>
+            </a:extLst>
+          </p:cNvPr>
+          <p:cNvCxnSpPr>
+            <a:cxnSpLocks/>
+            <a:stCxn id="60" idx="3"/>
+            <a:endCxn id="63" idx="1"/>
+          </p:cNvCxnSpPr>
+          <p:nvPr/>
+        </p:nvCxnSpPr>
+        <p:spPr>
+          <a:xfrm>
+            <a:off x="8343132" y="3652535"/>
+            <a:ext cx="1423746" cy="0"/>
+          </a:xfrm>
+          <a:prstGeom prst="straightConnector1">
+            <a:avLst/>
+          </a:prstGeom>
+          <a:ln w="31750">
+            <a:solidFill>
+              <a:schemeClr val="tx1"/>
+            </a:solidFill>
+            <a:tailEnd type="triangle"/>
+          </a:ln>
+        </p:spPr>
+        <p:style>
+          <a:lnRef idx="1">
+            <a:schemeClr val="accent1"/>
+          </a:lnRef>
+          <a:fillRef idx="0">
+            <a:schemeClr val="accent1"/>
+          </a:fillRef>
+          <a:effectRef idx="0">
+            <a:schemeClr val="accent1"/>
+          </a:effectRef>
+          <a:fontRef idx="minor">
+            <a:schemeClr val="tx1"/>
+          </a:fontRef>
+        </p:style>
+      </p:cxnSp>
+      <p:sp>
+        <p:nvSpPr>
+          <p:cNvPr id="34" name="矩形: 圆角 33">
+            <a:extLst>
+              <a:ext uri="{FF2B5EF4-FFF2-40B4-BE49-F238E27FC236}">
+                <a16:creationId xmlns:a16="http://schemas.microsoft.com/office/drawing/2014/main" id="{8868123B-109E-4A9F-8E31-973B05EF89EF}"/>
+              </a:ext>
+            </a:extLst>
+          </p:cNvPr>
+          <p:cNvSpPr/>
+          <p:nvPr/>
+        </p:nvSpPr>
+        <p:spPr>
+          <a:xfrm>
+            <a:off x="6723132" y="2299233"/>
+            <a:ext cx="1512000" cy="648000"/>
+          </a:xfrm>
+          <a:prstGeom prst="roundRect">
+            <a:avLst/>
+          </a:prstGeom>
+          <a:solidFill>
+            <a:srgbClr val="00B050"/>
+          </a:solidFill>
+          <a:ln>
+            <a:solidFill>
+              <a:schemeClr val="tx1"/>
+            </a:solidFill>
+          </a:ln>
+        </p:spPr>
+        <p:style>
+          <a:lnRef idx="2">
+            <a:schemeClr val="accent1">
+              <a:shade val="50000"/>
+            </a:schemeClr>
+          </a:lnRef>
+          <a:fillRef idx="1">
+            <a:schemeClr val="accent1"/>
+          </a:fillRef>
+          <a:effectRef idx="0">
+            <a:schemeClr val="accent1"/>
+          </a:effectRef>
+          <a:fontRef idx="minor">
+            <a:schemeClr val="lt1"/>
+          </a:fontRef>
+        </p:style>
+        <p:txBody>
+          <a:bodyPr wrap="none" lIns="36000" tIns="36000" rIns="36000" bIns="36000" rtlCol="0" anchor="ctr" anchorCtr="0"/>
+          <a:lstStyle/>
+          <a:p>
+            <a:pPr algn="ctr"/>
+            <a:r>
+              <a:rPr lang="zh-CN" altLang="en-US" sz="1600" b="1">
+                <a:solidFill>
+                  <a:schemeClr val="tx1"/>
+                </a:solidFill>
+                <a:latin typeface="微软雅黑" panose="020B0503020204020204" pitchFamily="34" charset="-122"/>
+                <a:ea typeface="微软雅黑" panose="020B0503020204020204" pitchFamily="34" charset="-122"/>
+              </a:rPr>
+              <a:t>购买</a:t>
+            </a:r>
+            <a:endParaRPr lang="en-US" altLang="zh-CN" sz="1600" b="1">
+              <a:solidFill>
+                <a:schemeClr val="tx1"/>
+              </a:solidFill>
+              <a:latin typeface="微软雅黑" panose="020B0503020204020204" pitchFamily="34" charset="-122"/>
+              <a:ea typeface="微软雅黑" panose="020B0503020204020204" pitchFamily="34" charset="-122"/>
+            </a:endParaRPr>
+          </a:p>
+          <a:p>
+            <a:pPr algn="ctr"/>
+            <a:r>
+              <a:rPr lang="en-US" altLang="zh-CN" sz="1600" b="1">
+                <a:solidFill>
+                  <a:schemeClr val="tx1"/>
+                </a:solidFill>
+                <a:latin typeface="微软雅黑" panose="020B0503020204020204" pitchFamily="34" charset="-122"/>
+                <a:ea typeface="微软雅黑" panose="020B0503020204020204" pitchFamily="34" charset="-122"/>
+              </a:rPr>
+              <a:t>buy</a:t>
+            </a:r>
+            <a:endParaRPr lang="zh-CN" altLang="en-US" sz="1600" b="1">
+              <a:solidFill>
+                <a:schemeClr val="tx1"/>
+              </a:solidFill>
+              <a:latin typeface="微软雅黑" panose="020B0503020204020204" pitchFamily="34" charset="-122"/>
+              <a:ea typeface="微软雅黑" panose="020B0503020204020204" pitchFamily="34" charset="-122"/>
+            </a:endParaRPr>
+          </a:p>
+        </p:txBody>
+      </p:sp>
+      <p:cxnSp>
+        <p:nvCxnSpPr>
+          <p:cNvPr id="35" name="直接箭头连接符 34">
+            <a:extLst>
+              <a:ext uri="{FF2B5EF4-FFF2-40B4-BE49-F238E27FC236}">
+                <a16:creationId xmlns:a16="http://schemas.microsoft.com/office/drawing/2014/main" id="{DD8FB0D5-3E4D-4843-B59D-8853752077EA}"/>
+              </a:ext>
+            </a:extLst>
+          </p:cNvPr>
+          <p:cNvCxnSpPr>
+            <a:cxnSpLocks/>
+            <a:stCxn id="52" idx="3"/>
+            <a:endCxn id="34" idx="1"/>
+          </p:cNvCxnSpPr>
+          <p:nvPr/>
+        </p:nvCxnSpPr>
+        <p:spPr>
+          <a:xfrm>
+            <a:off x="5315896" y="2623233"/>
+            <a:ext cx="1407236" cy="0"/>
+          </a:xfrm>
+          <a:prstGeom prst="straightConnector1">
+            <a:avLst/>
+          </a:prstGeom>
+          <a:ln w="31750">
+            <a:solidFill>
+              <a:schemeClr val="tx1"/>
+            </a:solidFill>
+            <a:tailEnd type="triangle"/>
+          </a:ln>
+        </p:spPr>
+        <p:style>
+          <a:lnRef idx="1">
+            <a:schemeClr val="accent1"/>
+          </a:lnRef>
+          <a:fillRef idx="0">
+            <a:schemeClr val="accent1"/>
+          </a:fillRef>
+          <a:effectRef idx="0">
+            <a:schemeClr val="accent1"/>
+          </a:effectRef>
+          <a:fontRef idx="minor">
+            <a:schemeClr val="tx1"/>
+          </a:fontRef>
+        </p:style>
+      </p:cxnSp>
     </p:spTree>
     <p:extLst>
       <p:ext uri="{BB962C8B-B14F-4D97-AF65-F5344CB8AC3E}">
@@ -7602,444 +6572,423 @@
           </a:p>
         </p:txBody>
       </p:sp>
-      <p:grpSp>
-        <p:nvGrpSpPr>
-          <p:cNvPr id="36" name="组合 35">
-            <a:extLst>
-              <a:ext uri="{FF2B5EF4-FFF2-40B4-BE49-F238E27FC236}">
-                <a16:creationId xmlns:a16="http://schemas.microsoft.com/office/drawing/2014/main" id="{527BDBCD-28BA-4B52-8FF6-362DC5FA2F86}"/>
-              </a:ext>
-            </a:extLst>
-          </p:cNvPr>
-          <p:cNvGrpSpPr/>
+      <p:sp>
+        <p:nvSpPr>
+          <p:cNvPr id="57" name="矩形: 圆角 56">
+            <a:extLst>
+              <a:ext uri="{FF2B5EF4-FFF2-40B4-BE49-F238E27FC236}">
+                <a16:creationId xmlns:a16="http://schemas.microsoft.com/office/drawing/2014/main" id="{65E9B693-9316-4E9F-82F7-2796C6B9FCD2}"/>
+              </a:ext>
+            </a:extLst>
+          </p:cNvPr>
+          <p:cNvSpPr/>
           <p:nvPr/>
-        </p:nvGrpSpPr>
-        <p:grpSpPr>
+        </p:nvSpPr>
+        <p:spPr>
           <a:xfrm>
-            <a:off x="851642" y="1479458"/>
-            <a:ext cx="10272398" cy="648000"/>
-            <a:chOff x="753322" y="4446527"/>
-            <a:chExt cx="10272398" cy="648000"/>
-          </a:xfrm>
-        </p:grpSpPr>
-        <p:sp>
-          <p:nvSpPr>
-            <p:cNvPr id="57" name="矩形: 圆角 56">
-              <a:extLst>
-                <a:ext uri="{FF2B5EF4-FFF2-40B4-BE49-F238E27FC236}">
-                  <a16:creationId xmlns:a16="http://schemas.microsoft.com/office/drawing/2014/main" id="{65E9B693-9316-4E9F-82F7-2796C6B9FCD2}"/>
-                </a:ext>
-              </a:extLst>
-            </p:cNvPr>
-            <p:cNvSpPr/>
-            <p:nvPr/>
-          </p:nvSpPr>
-          <p:spPr>
-            <a:xfrm>
-              <a:off x="753322" y="4498320"/>
-              <a:ext cx="1357162" cy="540000"/>
-            </a:xfrm>
-            <a:prstGeom prst="roundRect">
-              <a:avLst/>
-            </a:prstGeom>
+            <a:off x="851642" y="1505354"/>
+            <a:ext cx="1512000" cy="648000"/>
+          </a:xfrm>
+          <a:prstGeom prst="roundRect">
+            <a:avLst/>
+          </a:prstGeom>
+          <a:solidFill>
+            <a:srgbClr val="00B0F0"/>
+          </a:solidFill>
+          <a:ln>
             <a:solidFill>
-              <a:srgbClr val="00B0F0"/>
+              <a:schemeClr val="tx1"/>
             </a:solidFill>
-            <a:ln>
-              <a:solidFill>
-                <a:schemeClr val="tx1"/>
-              </a:solidFill>
-            </a:ln>
-          </p:spPr>
-          <p:style>
-            <a:lnRef idx="2">
-              <a:schemeClr val="accent1">
-                <a:shade val="50000"/>
-              </a:schemeClr>
-            </a:lnRef>
-            <a:fillRef idx="1">
-              <a:schemeClr val="accent1"/>
-            </a:fillRef>
-            <a:effectRef idx="0">
-              <a:schemeClr val="accent1"/>
-            </a:effectRef>
-            <a:fontRef idx="minor">
-              <a:schemeClr val="lt1"/>
-            </a:fontRef>
-          </p:style>
-          <p:txBody>
-            <a:bodyPr wrap="none" lIns="36000" tIns="36000" rIns="36000" bIns="36000" rtlCol="0" anchor="ctr" anchorCtr="0"/>
-            <a:lstStyle/>
-            <a:p>
-              <a:pPr algn="ctr"/>
-              <a:r>
-                <a:rPr lang="zh-CN" altLang="en-US" sz="1600" b="1">
-                  <a:solidFill>
-                    <a:schemeClr val="tx1"/>
-                  </a:solidFill>
-                  <a:latin typeface="微软雅黑" panose="020B0503020204020204" pitchFamily="34" charset="-122"/>
-                  <a:ea typeface="微软雅黑" panose="020B0503020204020204" pitchFamily="34" charset="-122"/>
-                </a:rPr>
-                <a:t>卖单用户</a:t>
-              </a:r>
-            </a:p>
-          </p:txBody>
-        </p:sp>
-        <p:sp>
-          <p:nvSpPr>
-            <p:cNvPr id="58" name="矩形: 圆角 57">
-              <a:extLst>
-                <a:ext uri="{FF2B5EF4-FFF2-40B4-BE49-F238E27FC236}">
-                  <a16:creationId xmlns:a16="http://schemas.microsoft.com/office/drawing/2014/main" id="{1A415BD8-5740-4984-A8EF-0B45AE86E344}"/>
-                </a:ext>
-              </a:extLst>
-            </p:cNvPr>
-            <p:cNvSpPr/>
-            <p:nvPr/>
-          </p:nvSpPr>
-          <p:spPr>
-            <a:xfrm>
-              <a:off x="3597576" y="4446527"/>
-              <a:ext cx="1547082" cy="648000"/>
-            </a:xfrm>
-            <a:prstGeom prst="roundRect">
-              <a:avLst/>
-            </a:prstGeom>
-            <a:solidFill>
-              <a:srgbClr val="00B050"/>
-            </a:solidFill>
-            <a:ln>
-              <a:solidFill>
-                <a:schemeClr val="tx1"/>
-              </a:solidFill>
-            </a:ln>
-          </p:spPr>
-          <p:style>
-            <a:lnRef idx="2">
-              <a:schemeClr val="accent1">
-                <a:shade val="50000"/>
-              </a:schemeClr>
-            </a:lnRef>
-            <a:fillRef idx="1">
-              <a:schemeClr val="accent1"/>
-            </a:fillRef>
-            <a:effectRef idx="0">
-              <a:schemeClr val="accent1"/>
-            </a:effectRef>
-            <a:fontRef idx="minor">
-              <a:schemeClr val="lt1"/>
-            </a:fontRef>
-          </p:style>
-          <p:txBody>
-            <a:bodyPr wrap="none" lIns="36000" tIns="36000" rIns="36000" bIns="36000" rtlCol="0" anchor="ctr" anchorCtr="0"/>
-            <a:lstStyle/>
-            <a:p>
-              <a:pPr algn="ctr"/>
-              <a:r>
-                <a:rPr lang="zh-CN" altLang="en-US" sz="1600" b="1">
-                  <a:solidFill>
-                    <a:schemeClr val="tx1"/>
-                  </a:solidFill>
-                  <a:latin typeface="微软雅黑" panose="020B0503020204020204" pitchFamily="34" charset="-122"/>
-                  <a:ea typeface="微软雅黑" panose="020B0503020204020204" pitchFamily="34" charset="-122"/>
-                </a:rPr>
-                <a:t>赎回</a:t>
-              </a:r>
-              <a:endParaRPr lang="en-US" altLang="zh-CN" sz="1600" b="1">
+          </a:ln>
+        </p:spPr>
+        <p:style>
+          <a:lnRef idx="2">
+            <a:schemeClr val="accent1">
+              <a:shade val="50000"/>
+            </a:schemeClr>
+          </a:lnRef>
+          <a:fillRef idx="1">
+            <a:schemeClr val="accent1"/>
+          </a:fillRef>
+          <a:effectRef idx="0">
+            <a:schemeClr val="accent1"/>
+          </a:effectRef>
+          <a:fontRef idx="minor">
+            <a:schemeClr val="lt1"/>
+          </a:fontRef>
+        </p:style>
+        <p:txBody>
+          <a:bodyPr wrap="none" lIns="36000" tIns="36000" rIns="36000" bIns="36000" rtlCol="0" anchor="ctr" anchorCtr="0"/>
+          <a:lstStyle/>
+          <a:p>
+            <a:pPr algn="ctr"/>
+            <a:r>
+              <a:rPr lang="zh-CN" altLang="en-US" sz="1600" b="1">
                 <a:solidFill>
                   <a:schemeClr val="tx1"/>
                 </a:solidFill>
                 <a:latin typeface="微软雅黑" panose="020B0503020204020204" pitchFamily="34" charset="-122"/>
                 <a:ea typeface="微软雅黑" panose="020B0503020204020204" pitchFamily="34" charset="-122"/>
-              </a:endParaRPr>
-            </a:p>
-            <a:p>
-              <a:pPr algn="ctr"/>
-              <a:r>
-                <a:rPr lang="en-US" altLang="zh-CN" sz="1600" b="1">
-                  <a:solidFill>
-                    <a:schemeClr val="tx1"/>
-                  </a:solidFill>
-                  <a:latin typeface="微软雅黑" panose="020B0503020204020204" pitchFamily="34" charset="-122"/>
-                  <a:ea typeface="微软雅黑" panose="020B0503020204020204" pitchFamily="34" charset="-122"/>
-                </a:rPr>
-                <a:t>redeem</a:t>
-              </a:r>
-              <a:endParaRPr lang="zh-CN" altLang="en-US" sz="1600" b="1">
+              </a:rPr>
+              <a:t>卖单用户</a:t>
+            </a:r>
+          </a:p>
+        </p:txBody>
+      </p:sp>
+      <p:sp>
+        <p:nvSpPr>
+          <p:cNvPr id="58" name="矩形: 圆角 57">
+            <a:extLst>
+              <a:ext uri="{FF2B5EF4-FFF2-40B4-BE49-F238E27FC236}">
+                <a16:creationId xmlns:a16="http://schemas.microsoft.com/office/drawing/2014/main" id="{1A415BD8-5740-4984-A8EF-0B45AE86E344}"/>
+              </a:ext>
+            </a:extLst>
+          </p:cNvPr>
+          <p:cNvSpPr/>
+          <p:nvPr/>
+        </p:nvSpPr>
+        <p:spPr>
+          <a:xfrm>
+            <a:off x="3787387" y="1505354"/>
+            <a:ext cx="1512000" cy="648000"/>
+          </a:xfrm>
+          <a:prstGeom prst="roundRect">
+            <a:avLst/>
+          </a:prstGeom>
+          <a:solidFill>
+            <a:srgbClr val="00B050"/>
+          </a:solidFill>
+          <a:ln>
+            <a:solidFill>
+              <a:schemeClr val="tx1"/>
+            </a:solidFill>
+          </a:ln>
+        </p:spPr>
+        <p:style>
+          <a:lnRef idx="2">
+            <a:schemeClr val="accent1">
+              <a:shade val="50000"/>
+            </a:schemeClr>
+          </a:lnRef>
+          <a:fillRef idx="1">
+            <a:schemeClr val="accent1"/>
+          </a:fillRef>
+          <a:effectRef idx="0">
+            <a:schemeClr val="accent1"/>
+          </a:effectRef>
+          <a:fontRef idx="minor">
+            <a:schemeClr val="lt1"/>
+          </a:fontRef>
+        </p:style>
+        <p:txBody>
+          <a:bodyPr wrap="none" lIns="36000" tIns="36000" rIns="36000" bIns="36000" rtlCol="0" anchor="ctr" anchorCtr="0"/>
+          <a:lstStyle/>
+          <a:p>
+            <a:pPr algn="ctr"/>
+            <a:r>
+              <a:rPr lang="zh-CN" altLang="en-US" sz="1600" b="1">
                 <a:solidFill>
                   <a:schemeClr val="tx1"/>
                 </a:solidFill>
                 <a:latin typeface="微软雅黑" panose="020B0503020204020204" pitchFamily="34" charset="-122"/>
                 <a:ea typeface="微软雅黑" panose="020B0503020204020204" pitchFamily="34" charset="-122"/>
-              </a:endParaRPr>
-            </a:p>
-          </p:txBody>
-        </p:sp>
-        <p:cxnSp>
-          <p:nvCxnSpPr>
-            <p:cNvPr id="59" name="直接箭头连接符 58">
-              <a:extLst>
-                <a:ext uri="{FF2B5EF4-FFF2-40B4-BE49-F238E27FC236}">
-                  <a16:creationId xmlns:a16="http://schemas.microsoft.com/office/drawing/2014/main" id="{E8CE606D-E7F8-4193-A90B-32217CC6FE96}"/>
-                </a:ext>
-              </a:extLst>
-            </p:cNvPr>
-            <p:cNvCxnSpPr>
-              <a:cxnSpLocks/>
-              <a:stCxn id="58" idx="3"/>
-              <a:endCxn id="60" idx="1"/>
-            </p:cNvCxnSpPr>
-            <p:nvPr/>
-          </p:nvCxnSpPr>
-          <p:spPr>
-            <a:xfrm>
-              <a:off x="5144658" y="4770527"/>
-              <a:ext cx="1650152" cy="0"/>
-            </a:xfrm>
-            <a:prstGeom prst="straightConnector1">
-              <a:avLst/>
-            </a:prstGeom>
-            <a:ln w="31750">
+              </a:rPr>
+              <a:t>赎回</a:t>
+            </a:r>
+            <a:endParaRPr lang="en-US" altLang="zh-CN" sz="1600" b="1">
               <a:solidFill>
                 <a:schemeClr val="tx1"/>
               </a:solidFill>
-              <a:tailEnd type="triangle"/>
-            </a:ln>
-          </p:spPr>
-          <p:style>
-            <a:lnRef idx="1">
-              <a:schemeClr val="accent1"/>
-            </a:lnRef>
-            <a:fillRef idx="0">
-              <a:schemeClr val="accent1"/>
-            </a:fillRef>
-            <a:effectRef idx="0">
-              <a:schemeClr val="accent1"/>
-            </a:effectRef>
-            <a:fontRef idx="minor">
-              <a:schemeClr val="tx1"/>
-            </a:fontRef>
-          </p:style>
-        </p:cxnSp>
-        <p:sp>
-          <p:nvSpPr>
-            <p:cNvPr id="60" name="矩形: 圆角 59">
-              <a:extLst>
-                <a:ext uri="{FF2B5EF4-FFF2-40B4-BE49-F238E27FC236}">
-                  <a16:creationId xmlns:a16="http://schemas.microsoft.com/office/drawing/2014/main" id="{439E5E02-6BA2-41DE-AC3B-ECEDEFD1F385}"/>
-                </a:ext>
-              </a:extLst>
-            </p:cNvPr>
-            <p:cNvSpPr/>
-            <p:nvPr/>
-          </p:nvSpPr>
-          <p:spPr>
-            <a:xfrm>
-              <a:off x="6794810" y="4500527"/>
-              <a:ext cx="1547089" cy="540000"/>
-            </a:xfrm>
-            <a:prstGeom prst="roundRect">
-              <a:avLst/>
-            </a:prstGeom>
-            <a:solidFill>
-              <a:schemeClr val="bg1"/>
-            </a:solidFill>
-            <a:ln>
+              <a:latin typeface="微软雅黑" panose="020B0503020204020204" pitchFamily="34" charset="-122"/>
+              <a:ea typeface="微软雅黑" panose="020B0503020204020204" pitchFamily="34" charset="-122"/>
+            </a:endParaRPr>
+          </a:p>
+          <a:p>
+            <a:pPr algn="ctr"/>
+            <a:r>
+              <a:rPr lang="en-US" altLang="zh-CN" sz="1600" b="1">
+                <a:solidFill>
+                  <a:schemeClr val="tx1"/>
+                </a:solidFill>
+                <a:latin typeface="微软雅黑" panose="020B0503020204020204" pitchFamily="34" charset="-122"/>
+                <a:ea typeface="微软雅黑" panose="020B0503020204020204" pitchFamily="34" charset="-122"/>
+              </a:rPr>
+              <a:t>redeem</a:t>
+            </a:r>
+            <a:endParaRPr lang="zh-CN" altLang="en-US" sz="1600" b="1">
               <a:solidFill>
                 <a:schemeClr val="tx1"/>
               </a:solidFill>
-            </a:ln>
-          </p:spPr>
-          <p:style>
-            <a:lnRef idx="2">
-              <a:schemeClr val="accent1">
-                <a:shade val="50000"/>
-              </a:schemeClr>
-            </a:lnRef>
-            <a:fillRef idx="1">
-              <a:schemeClr val="accent1"/>
-            </a:fillRef>
-            <a:effectRef idx="0">
-              <a:schemeClr val="accent1"/>
-            </a:effectRef>
-            <a:fontRef idx="minor">
-              <a:schemeClr val="lt1"/>
-            </a:fontRef>
-          </p:style>
-          <p:txBody>
-            <a:bodyPr wrap="none" lIns="36000" tIns="36000" rIns="36000" bIns="36000" rtlCol="0" anchor="ctr" anchorCtr="0"/>
-            <a:lstStyle/>
-            <a:p>
-              <a:pPr algn="ctr"/>
-              <a:r>
-                <a:rPr lang="zh-CN" altLang="en-US" sz="1600" b="1">
-                  <a:solidFill>
-                    <a:schemeClr val="tx1"/>
-                  </a:solidFill>
-                  <a:latin typeface="微软雅黑" panose="020B0503020204020204" pitchFamily="34" charset="-122"/>
-                  <a:ea typeface="微软雅黑" panose="020B0503020204020204" pitchFamily="34" charset="-122"/>
-                </a:rPr>
-                <a:t>合约账户转账</a:t>
-              </a:r>
-            </a:p>
-          </p:txBody>
-        </p:sp>
-        <p:cxnSp>
-          <p:nvCxnSpPr>
-            <p:cNvPr id="62" name="直接箭头连接符 61">
-              <a:extLst>
-                <a:ext uri="{FF2B5EF4-FFF2-40B4-BE49-F238E27FC236}">
-                  <a16:creationId xmlns:a16="http://schemas.microsoft.com/office/drawing/2014/main" id="{5E333993-C0A6-4C5E-86E9-7F2027329CE7}"/>
-                </a:ext>
-              </a:extLst>
-            </p:cNvPr>
-            <p:cNvCxnSpPr>
-              <a:cxnSpLocks/>
-              <a:stCxn id="57" idx="3"/>
-              <a:endCxn id="58" idx="1"/>
-            </p:cNvCxnSpPr>
-            <p:nvPr/>
-          </p:nvCxnSpPr>
-          <p:spPr>
-            <a:xfrm>
-              <a:off x="2110484" y="4768320"/>
-              <a:ext cx="1487092" cy="2207"/>
-            </a:xfrm>
-            <a:prstGeom prst="straightConnector1">
-              <a:avLst/>
-            </a:prstGeom>
-            <a:ln w="31750">
-              <a:solidFill>
-                <a:schemeClr val="tx1"/>
-              </a:solidFill>
-              <a:tailEnd type="triangle"/>
-            </a:ln>
-          </p:spPr>
-          <p:style>
-            <a:lnRef idx="1">
-              <a:schemeClr val="accent1"/>
-            </a:lnRef>
-            <a:fillRef idx="0">
-              <a:schemeClr val="accent1"/>
-            </a:fillRef>
-            <a:effectRef idx="0">
-              <a:schemeClr val="accent1"/>
-            </a:effectRef>
-            <a:fontRef idx="minor">
+              <a:latin typeface="微软雅黑" panose="020B0503020204020204" pitchFamily="34" charset="-122"/>
+              <a:ea typeface="微软雅黑" panose="020B0503020204020204" pitchFamily="34" charset="-122"/>
+            </a:endParaRPr>
+          </a:p>
+        </p:txBody>
+      </p:sp>
+      <p:cxnSp>
+        <p:nvCxnSpPr>
+          <p:cNvPr id="59" name="直接箭头连接符 58">
+            <a:extLst>
+              <a:ext uri="{FF2B5EF4-FFF2-40B4-BE49-F238E27FC236}">
+                <a16:creationId xmlns:a16="http://schemas.microsoft.com/office/drawing/2014/main" id="{E8CE606D-E7F8-4193-A90B-32217CC6FE96}"/>
+              </a:ext>
+            </a:extLst>
+          </p:cNvPr>
+          <p:cNvCxnSpPr>
+            <a:cxnSpLocks/>
+            <a:stCxn id="58" idx="3"/>
+            <a:endCxn id="60" idx="1"/>
+          </p:cNvCxnSpPr>
+          <p:nvPr/>
+        </p:nvCxnSpPr>
+        <p:spPr>
+          <a:xfrm>
+            <a:off x="5299387" y="1829354"/>
+            <a:ext cx="1423745" cy="0"/>
+          </a:xfrm>
+          <a:prstGeom prst="straightConnector1">
+            <a:avLst/>
+          </a:prstGeom>
+          <a:ln w="31750">
+            <a:solidFill>
               <a:schemeClr val="tx1"/>
-            </a:fontRef>
-          </p:style>
-        </p:cxnSp>
-        <p:sp>
-          <p:nvSpPr>
-            <p:cNvPr id="63" name="矩形: 圆角 62">
-              <a:extLst>
-                <a:ext uri="{FF2B5EF4-FFF2-40B4-BE49-F238E27FC236}">
-                  <a16:creationId xmlns:a16="http://schemas.microsoft.com/office/drawing/2014/main" id="{277DE9D7-2400-47B2-8AB5-32DC77E2F2B6}"/>
-                </a:ext>
-              </a:extLst>
-            </p:cNvPr>
-            <p:cNvSpPr/>
-            <p:nvPr/>
-          </p:nvSpPr>
-          <p:spPr>
-            <a:xfrm>
-              <a:off x="9668558" y="4498320"/>
-              <a:ext cx="1357162" cy="540000"/>
-            </a:xfrm>
-            <a:prstGeom prst="roundRect">
-              <a:avLst/>
-            </a:prstGeom>
+            </a:solidFill>
+            <a:tailEnd type="triangle"/>
+          </a:ln>
+        </p:spPr>
+        <p:style>
+          <a:lnRef idx="1">
+            <a:schemeClr val="accent1"/>
+          </a:lnRef>
+          <a:fillRef idx="0">
+            <a:schemeClr val="accent1"/>
+          </a:fillRef>
+          <a:effectRef idx="0">
+            <a:schemeClr val="accent1"/>
+          </a:effectRef>
+          <a:fontRef idx="minor">
+            <a:schemeClr val="tx1"/>
+          </a:fontRef>
+        </p:style>
+      </p:cxnSp>
+      <p:sp>
+        <p:nvSpPr>
+          <p:cNvPr id="60" name="矩形: 圆角 59">
+            <a:extLst>
+              <a:ext uri="{FF2B5EF4-FFF2-40B4-BE49-F238E27FC236}">
+                <a16:creationId xmlns:a16="http://schemas.microsoft.com/office/drawing/2014/main" id="{439E5E02-6BA2-41DE-AC3B-ECEDEFD1F385}"/>
+              </a:ext>
+            </a:extLst>
+          </p:cNvPr>
+          <p:cNvSpPr/>
+          <p:nvPr/>
+        </p:nvSpPr>
+        <p:spPr>
+          <a:xfrm>
+            <a:off x="6723132" y="1541354"/>
+            <a:ext cx="1620000" cy="576000"/>
+          </a:xfrm>
+          <a:prstGeom prst="roundRect">
+            <a:avLst/>
+          </a:prstGeom>
+          <a:solidFill>
+            <a:schemeClr val="bg1"/>
+          </a:solidFill>
+          <a:ln>
             <a:solidFill>
-              <a:srgbClr val="00B0F0"/>
+              <a:schemeClr val="tx1"/>
             </a:solidFill>
-            <a:ln>
-              <a:solidFill>
-                <a:schemeClr val="tx1"/>
-              </a:solidFill>
-            </a:ln>
-          </p:spPr>
-          <p:style>
-            <a:lnRef idx="2">
-              <a:schemeClr val="accent1">
-                <a:shade val="50000"/>
-              </a:schemeClr>
-            </a:lnRef>
-            <a:fillRef idx="1">
-              <a:schemeClr val="accent1"/>
-            </a:fillRef>
-            <a:effectRef idx="0">
-              <a:schemeClr val="accent1"/>
-            </a:effectRef>
-            <a:fontRef idx="minor">
-              <a:schemeClr val="lt1"/>
-            </a:fontRef>
-          </p:style>
-          <p:txBody>
-            <a:bodyPr wrap="none" lIns="36000" tIns="36000" rIns="36000" bIns="36000" rtlCol="0" anchor="ctr" anchorCtr="0"/>
-            <a:lstStyle/>
-            <a:p>
-              <a:pPr algn="ctr"/>
-              <a:r>
-                <a:rPr lang="zh-CN" altLang="en-US" sz="1600" b="1">
-                  <a:solidFill>
-                    <a:schemeClr val="tx1"/>
-                  </a:solidFill>
-                  <a:latin typeface="微软雅黑" panose="020B0503020204020204" pitchFamily="34" charset="-122"/>
-                  <a:ea typeface="微软雅黑" panose="020B0503020204020204" pitchFamily="34" charset="-122"/>
-                </a:rPr>
-                <a:t>卖单用户</a:t>
-              </a:r>
-            </a:p>
-          </p:txBody>
-        </p:sp>
-        <p:cxnSp>
-          <p:nvCxnSpPr>
-            <p:cNvPr id="64" name="直接箭头连接符 63">
-              <a:extLst>
-                <a:ext uri="{FF2B5EF4-FFF2-40B4-BE49-F238E27FC236}">
-                  <a16:creationId xmlns:a16="http://schemas.microsoft.com/office/drawing/2014/main" id="{5E3981A5-3200-4516-8486-750739C1C0F0}"/>
-                </a:ext>
-              </a:extLst>
-            </p:cNvPr>
-            <p:cNvCxnSpPr>
-              <a:cxnSpLocks/>
-              <a:stCxn id="60" idx="3"/>
-              <a:endCxn id="63" idx="1"/>
-            </p:cNvCxnSpPr>
-            <p:nvPr/>
-          </p:nvCxnSpPr>
-          <p:spPr>
-            <a:xfrm flipV="1">
-              <a:off x="8341899" y="4768320"/>
-              <a:ext cx="1326659" cy="2207"/>
-            </a:xfrm>
-            <a:prstGeom prst="straightConnector1">
-              <a:avLst/>
-            </a:prstGeom>
-            <a:ln w="31750">
-              <a:solidFill>
-                <a:schemeClr val="tx1"/>
-              </a:solidFill>
-              <a:tailEnd type="triangle"/>
-            </a:ln>
-          </p:spPr>
-          <p:style>
-            <a:lnRef idx="1">
-              <a:schemeClr val="accent1"/>
-            </a:lnRef>
-            <a:fillRef idx="0">
-              <a:schemeClr val="accent1"/>
-            </a:fillRef>
-            <a:effectRef idx="0">
-              <a:schemeClr val="accent1"/>
-            </a:effectRef>
-            <a:fontRef idx="minor">
+          </a:ln>
+        </p:spPr>
+        <p:style>
+          <a:lnRef idx="2">
+            <a:schemeClr val="accent1">
+              <a:shade val="50000"/>
+            </a:schemeClr>
+          </a:lnRef>
+          <a:fillRef idx="1">
+            <a:schemeClr val="accent1"/>
+          </a:fillRef>
+          <a:effectRef idx="0">
+            <a:schemeClr val="accent1"/>
+          </a:effectRef>
+          <a:fontRef idx="minor">
+            <a:schemeClr val="lt1"/>
+          </a:fontRef>
+        </p:style>
+        <p:txBody>
+          <a:bodyPr wrap="none" lIns="36000" tIns="36000" rIns="36000" bIns="36000" rtlCol="0" anchor="ctr" anchorCtr="0"/>
+          <a:lstStyle/>
+          <a:p>
+            <a:pPr algn="ctr"/>
+            <a:r>
+              <a:rPr lang="zh-CN" altLang="en-US" sz="1600" b="1">
+                <a:solidFill>
+                  <a:schemeClr val="tx1"/>
+                </a:solidFill>
+                <a:latin typeface="微软雅黑" panose="020B0503020204020204" pitchFamily="34" charset="-122"/>
+                <a:ea typeface="微软雅黑" panose="020B0503020204020204" pitchFamily="34" charset="-122"/>
+              </a:rPr>
+              <a:t>合约账户转账</a:t>
+            </a:r>
+          </a:p>
+        </p:txBody>
+      </p:sp>
+      <p:cxnSp>
+        <p:nvCxnSpPr>
+          <p:cNvPr id="62" name="直接箭头连接符 61">
+            <a:extLst>
+              <a:ext uri="{FF2B5EF4-FFF2-40B4-BE49-F238E27FC236}">
+                <a16:creationId xmlns:a16="http://schemas.microsoft.com/office/drawing/2014/main" id="{5E333993-C0A6-4C5E-86E9-7F2027329CE7}"/>
+              </a:ext>
+            </a:extLst>
+          </p:cNvPr>
+          <p:cNvCxnSpPr>
+            <a:cxnSpLocks/>
+            <a:stCxn id="57" idx="3"/>
+            <a:endCxn id="58" idx="1"/>
+          </p:cNvCxnSpPr>
+          <p:nvPr/>
+        </p:nvCxnSpPr>
+        <p:spPr>
+          <a:xfrm>
+            <a:off x="2363642" y="1829354"/>
+            <a:ext cx="1423745" cy="0"/>
+          </a:xfrm>
+          <a:prstGeom prst="straightConnector1">
+            <a:avLst/>
+          </a:prstGeom>
+          <a:ln w="31750">
+            <a:solidFill>
               <a:schemeClr val="tx1"/>
-            </a:fontRef>
-          </p:style>
-        </p:cxnSp>
-      </p:grpSp>
+            </a:solidFill>
+            <a:tailEnd type="triangle"/>
+          </a:ln>
+        </p:spPr>
+        <p:style>
+          <a:lnRef idx="1">
+            <a:schemeClr val="accent1"/>
+          </a:lnRef>
+          <a:fillRef idx="0">
+            <a:schemeClr val="accent1"/>
+          </a:fillRef>
+          <a:effectRef idx="0">
+            <a:schemeClr val="accent1"/>
+          </a:effectRef>
+          <a:fontRef idx="minor">
+            <a:schemeClr val="tx1"/>
+          </a:fontRef>
+        </p:style>
+      </p:cxnSp>
+      <p:sp>
+        <p:nvSpPr>
+          <p:cNvPr id="63" name="矩形: 圆角 62">
+            <a:extLst>
+              <a:ext uri="{FF2B5EF4-FFF2-40B4-BE49-F238E27FC236}">
+                <a16:creationId xmlns:a16="http://schemas.microsoft.com/office/drawing/2014/main" id="{277DE9D7-2400-47B2-8AB5-32DC77E2F2B6}"/>
+              </a:ext>
+            </a:extLst>
+          </p:cNvPr>
+          <p:cNvSpPr/>
+          <p:nvPr/>
+        </p:nvSpPr>
+        <p:spPr>
+          <a:xfrm>
+            <a:off x="9766878" y="1505354"/>
+            <a:ext cx="1512000" cy="648000"/>
+          </a:xfrm>
+          <a:prstGeom prst="roundRect">
+            <a:avLst/>
+          </a:prstGeom>
+          <a:solidFill>
+            <a:srgbClr val="00B0F0"/>
+          </a:solidFill>
+          <a:ln>
+            <a:solidFill>
+              <a:schemeClr val="tx1"/>
+            </a:solidFill>
+          </a:ln>
+        </p:spPr>
+        <p:style>
+          <a:lnRef idx="2">
+            <a:schemeClr val="accent1">
+              <a:shade val="50000"/>
+            </a:schemeClr>
+          </a:lnRef>
+          <a:fillRef idx="1">
+            <a:schemeClr val="accent1"/>
+          </a:fillRef>
+          <a:effectRef idx="0">
+            <a:schemeClr val="accent1"/>
+          </a:effectRef>
+          <a:fontRef idx="minor">
+            <a:schemeClr val="lt1"/>
+          </a:fontRef>
+        </p:style>
+        <p:txBody>
+          <a:bodyPr wrap="none" lIns="36000" tIns="36000" rIns="36000" bIns="36000" rtlCol="0" anchor="ctr" anchorCtr="0"/>
+          <a:lstStyle/>
+          <a:p>
+            <a:pPr algn="ctr"/>
+            <a:r>
+              <a:rPr lang="zh-CN" altLang="en-US" sz="1600" b="1">
+                <a:solidFill>
+                  <a:schemeClr val="tx1"/>
+                </a:solidFill>
+                <a:latin typeface="微软雅黑" panose="020B0503020204020204" pitchFamily="34" charset="-122"/>
+                <a:ea typeface="微软雅黑" panose="020B0503020204020204" pitchFamily="34" charset="-122"/>
+              </a:rPr>
+              <a:t>卖单用户</a:t>
+            </a:r>
+          </a:p>
+        </p:txBody>
+      </p:sp>
+      <p:cxnSp>
+        <p:nvCxnSpPr>
+          <p:cNvPr id="64" name="直接箭头连接符 63">
+            <a:extLst>
+              <a:ext uri="{FF2B5EF4-FFF2-40B4-BE49-F238E27FC236}">
+                <a16:creationId xmlns:a16="http://schemas.microsoft.com/office/drawing/2014/main" id="{5E3981A5-3200-4516-8486-750739C1C0F0}"/>
+              </a:ext>
+            </a:extLst>
+          </p:cNvPr>
+          <p:cNvCxnSpPr>
+            <a:cxnSpLocks/>
+            <a:stCxn id="60" idx="3"/>
+            <a:endCxn id="63" idx="1"/>
+          </p:cNvCxnSpPr>
+          <p:nvPr/>
+        </p:nvCxnSpPr>
+        <p:spPr>
+          <a:xfrm>
+            <a:off x="8343132" y="1829354"/>
+            <a:ext cx="1423746" cy="0"/>
+          </a:xfrm>
+          <a:prstGeom prst="straightConnector1">
+            <a:avLst/>
+          </a:prstGeom>
+          <a:ln w="31750">
+            <a:solidFill>
+              <a:schemeClr val="tx1"/>
+            </a:solidFill>
+            <a:tailEnd type="triangle"/>
+          </a:ln>
+        </p:spPr>
+        <p:style>
+          <a:lnRef idx="1">
+            <a:schemeClr val="accent1"/>
+          </a:lnRef>
+          <a:fillRef idx="0">
+            <a:schemeClr val="accent1"/>
+          </a:fillRef>
+          <a:effectRef idx="0">
+            <a:schemeClr val="accent1"/>
+          </a:effectRef>
+          <a:fontRef idx="minor">
+            <a:schemeClr val="tx1"/>
+          </a:fontRef>
+        </p:style>
+      </p:cxnSp>
     </p:spTree>
     <p:extLst>
       <p:ext uri="{BB962C8B-B14F-4D97-AF65-F5344CB8AC3E}">

--- a/doc/场外交易.pptx
+++ b/doc/场外交易.pptx
@@ -7,9 +7,8 @@
   <p:sldIdLst>
     <p:sldId id="258" r:id="rId2"/>
     <p:sldId id="278" r:id="rId3"/>
-    <p:sldId id="280" r:id="rId4"/>
-    <p:sldId id="279" r:id="rId5"/>
-    <p:sldId id="281" r:id="rId6"/>
+    <p:sldId id="279" r:id="rId4"/>
+    <p:sldId id="281" r:id="rId5"/>
   </p:sldIdLst>
   <p:sldSz cx="12192000" cy="6858000"/>
   <p:notesSz cx="6858000" cy="9144000"/>
@@ -3593,10 +3592,10 @@
       </p:grpSp>
       <p:grpSp>
         <p:nvGrpSpPr>
-          <p:cNvPr id="56" name="组合 55">
-            <a:extLst>
-              <a:ext uri="{FF2B5EF4-FFF2-40B4-BE49-F238E27FC236}">
-                <a16:creationId xmlns:a16="http://schemas.microsoft.com/office/drawing/2014/main" id="{C2FC795F-5A4D-46B5-BE93-147D6B853AE8}"/>
+          <p:cNvPr id="66" name="组合 65">
+            <a:extLst>
+              <a:ext uri="{FF2B5EF4-FFF2-40B4-BE49-F238E27FC236}">
+                <a16:creationId xmlns:a16="http://schemas.microsoft.com/office/drawing/2014/main" id="{B5049300-E4FE-47E7-BF55-6FDDCA2DA854}"/>
               </a:ext>
             </a:extLst>
           </p:cNvPr>
@@ -3605,117 +3604,7 @@
         </p:nvGrpSpPr>
         <p:grpSpPr>
           <a:xfrm>
-            <a:off x="1199043" y="1589896"/>
-            <a:ext cx="6634783" cy="369332"/>
-            <a:chOff x="2259623" y="2182542"/>
-            <a:chExt cx="6634783" cy="369332"/>
-          </a:xfrm>
-        </p:grpSpPr>
-        <p:sp>
-          <p:nvSpPr>
-            <p:cNvPr id="57" name="箭头: V 形 56">
-              <a:extLst>
-                <a:ext uri="{FF2B5EF4-FFF2-40B4-BE49-F238E27FC236}">
-                  <a16:creationId xmlns:a16="http://schemas.microsoft.com/office/drawing/2014/main" id="{4587E532-9F76-416E-8C53-6DCB35B93B3C}"/>
-                </a:ext>
-              </a:extLst>
-            </p:cNvPr>
-            <p:cNvSpPr/>
-            <p:nvPr/>
-          </p:nvSpPr>
-          <p:spPr>
-            <a:xfrm>
-              <a:off x="2259623" y="2277208"/>
-              <a:ext cx="324000" cy="180000"/>
-            </a:xfrm>
-            <a:prstGeom prst="chevron">
-              <a:avLst/>
-            </a:prstGeom>
-          </p:spPr>
-          <p:style>
-            <a:lnRef idx="2">
-              <a:schemeClr val="accent1">
-                <a:shade val="50000"/>
-              </a:schemeClr>
-            </a:lnRef>
-            <a:fillRef idx="1">
-              <a:schemeClr val="accent1"/>
-            </a:fillRef>
-            <a:effectRef idx="0">
-              <a:schemeClr val="accent1"/>
-            </a:effectRef>
-            <a:fontRef idx="minor">
-              <a:schemeClr val="lt1"/>
-            </a:fontRef>
-          </p:style>
-          <p:txBody>
-            <a:bodyPr rtlCol="0" anchor="ctr"/>
-            <a:lstStyle/>
-            <a:p>
-              <a:pPr algn="ctr"/>
-              <a:endParaRPr lang="zh-CN" altLang="en-US">
-                <a:solidFill>
-                  <a:schemeClr val="tx1"/>
-                </a:solidFill>
-              </a:endParaRPr>
-            </a:p>
-          </p:txBody>
-        </p:sp>
-        <p:sp>
-          <p:nvSpPr>
-            <p:cNvPr id="58" name="文本框 57">
-              <a:extLst>
-                <a:ext uri="{FF2B5EF4-FFF2-40B4-BE49-F238E27FC236}">
-                  <a16:creationId xmlns:a16="http://schemas.microsoft.com/office/drawing/2014/main" id="{7DB18B8A-4E84-438F-98A9-6CD82AF26E8F}"/>
-                </a:ext>
-              </a:extLst>
-            </p:cNvPr>
-            <p:cNvSpPr txBox="1"/>
-            <p:nvPr/>
-          </p:nvSpPr>
-          <p:spPr>
-            <a:xfrm>
-              <a:off x="2796852" y="2182542"/>
-              <a:ext cx="6097554" cy="369332"/>
-            </a:xfrm>
-            <a:prstGeom prst="rect">
-              <a:avLst/>
-            </a:prstGeom>
-            <a:noFill/>
-          </p:spPr>
-          <p:txBody>
-            <a:bodyPr wrap="square">
-              <a:spAutoFit/>
-            </a:bodyPr>
-            <a:lstStyle/>
-            <a:p>
-              <a:r>
-                <a:rPr lang="zh-CN" altLang="en-US" b="1">
-                  <a:latin typeface="Consolas" panose="020B0609020204030204" pitchFamily="49" charset="0"/>
-                  <a:ea typeface="微软雅黑" panose="020B0503020204020204" pitchFamily="34" charset="-122"/>
-                </a:rPr>
-                <a:t>接口</a:t>
-              </a:r>
-              <a:endParaRPr lang="zh-CN" altLang="en-US"/>
-            </a:p>
-          </p:txBody>
-        </p:sp>
-      </p:grpSp>
-      <p:grpSp>
-        <p:nvGrpSpPr>
-          <p:cNvPr id="66" name="组合 65">
-            <a:extLst>
-              <a:ext uri="{FF2B5EF4-FFF2-40B4-BE49-F238E27FC236}">
-                <a16:creationId xmlns:a16="http://schemas.microsoft.com/office/drawing/2014/main" id="{B5049300-E4FE-47E7-BF55-6FDDCA2DA854}"/>
-              </a:ext>
-            </a:extLst>
-          </p:cNvPr>
-          <p:cNvGrpSpPr/>
-          <p:nvPr/>
-        </p:nvGrpSpPr>
-        <p:grpSpPr>
-          <a:xfrm>
-            <a:off x="1199043" y="2056317"/>
+            <a:off x="1199043" y="1561794"/>
             <a:ext cx="6634783" cy="369332"/>
             <a:chOff x="2259623" y="2182542"/>
             <a:chExt cx="6634783" cy="369332"/>
@@ -3825,7 +3714,7 @@
         </p:nvGrpSpPr>
         <p:grpSpPr>
           <a:xfrm>
-            <a:off x="1199043" y="2522739"/>
+            <a:off x="1199043" y="2028216"/>
             <a:ext cx="6634783" cy="369332"/>
             <a:chOff x="2259623" y="2182542"/>
             <a:chExt cx="6634783" cy="369332"/>
@@ -4709,7 +4598,7 @@
         <p:spPr>
           <a:xfrm>
             <a:off x="712379" y="173975"/>
-            <a:ext cx="1005403" cy="584775"/>
+            <a:ext cx="2646878" cy="584775"/>
           </a:xfrm>
           <a:prstGeom prst="rect">
             <a:avLst/>
@@ -4727,17 +4616,17 @@
                 <a:latin typeface="Consolas" panose="020B0609020204030204" pitchFamily="49" charset="0"/>
                 <a:ea typeface="微软雅黑" panose="020B0503020204020204" pitchFamily="34" charset="-122"/>
               </a:rPr>
-              <a:t>接口</a:t>
-            </a:r>
-          </a:p>
-        </p:txBody>
-      </p:sp>
-      <p:sp>
-        <p:nvSpPr>
-          <p:cNvPr id="12" name="矩形: 圆角 11">
-            <a:extLst>
-              <a:ext uri="{FF2B5EF4-FFF2-40B4-BE49-F238E27FC236}">
-                <a16:creationId xmlns:a16="http://schemas.microsoft.com/office/drawing/2014/main" id="{C4137A88-869F-416A-8646-1580C7F6EBA7}"/>
+              <a:t>场外交易流程</a:t>
+            </a:r>
+          </a:p>
+        </p:txBody>
+      </p:sp>
+      <p:sp>
+        <p:nvSpPr>
+          <p:cNvPr id="61" name="矩形: 圆角 60">
+            <a:extLst>
+              <a:ext uri="{FF2B5EF4-FFF2-40B4-BE49-F238E27FC236}">
+                <a16:creationId xmlns:a16="http://schemas.microsoft.com/office/drawing/2014/main" id="{E3777F73-EAAB-43DE-8A90-6B6D895B1B1F}"/>
               </a:ext>
             </a:extLst>
           </p:cNvPr>
@@ -4746,7 +4635,70 @@
         </p:nvSpPr>
         <p:spPr>
           <a:xfrm>
-            <a:off x="712379" y="1299531"/>
+            <a:off x="851642" y="1202926"/>
+            <a:ext cx="1512000" cy="648000"/>
+          </a:xfrm>
+          <a:prstGeom prst="roundRect">
+            <a:avLst/>
+          </a:prstGeom>
+          <a:solidFill>
+            <a:srgbClr val="00B0F0"/>
+          </a:solidFill>
+          <a:ln>
+            <a:solidFill>
+              <a:schemeClr val="tx1"/>
+            </a:solidFill>
+          </a:ln>
+        </p:spPr>
+        <p:style>
+          <a:lnRef idx="2">
+            <a:schemeClr val="accent1">
+              <a:shade val="50000"/>
+            </a:schemeClr>
+          </a:lnRef>
+          <a:fillRef idx="1">
+            <a:schemeClr val="accent1"/>
+          </a:fillRef>
+          <a:effectRef idx="0">
+            <a:schemeClr val="accent1"/>
+          </a:effectRef>
+          <a:fontRef idx="minor">
+            <a:schemeClr val="lt1"/>
+          </a:fontRef>
+        </p:style>
+        <p:txBody>
+          <a:bodyPr wrap="none" lIns="36000" tIns="36000" rIns="36000" bIns="36000" rtlCol="0" anchor="ctr" anchorCtr="0"/>
+          <a:lstStyle/>
+          <a:p>
+            <a:pPr algn="ctr"/>
+            <a:r>
+              <a:rPr lang="zh-CN" altLang="en-US" sz="1600" b="1">
+                <a:solidFill>
+                  <a:schemeClr val="tx1"/>
+                </a:solidFill>
+                <a:latin typeface="微软雅黑" panose="020B0503020204020204" pitchFamily="34" charset="-122"/>
+                <a:ea typeface="微软雅黑" panose="020B0503020204020204" pitchFamily="34" charset="-122"/>
+              </a:rPr>
+              <a:t>卖单用户</a:t>
+            </a:r>
+          </a:p>
+        </p:txBody>
+      </p:sp>
+      <p:sp>
+        <p:nvSpPr>
+          <p:cNvPr id="101" name="矩形: 圆角 100">
+            <a:extLst>
+              <a:ext uri="{FF2B5EF4-FFF2-40B4-BE49-F238E27FC236}">
+                <a16:creationId xmlns:a16="http://schemas.microsoft.com/office/drawing/2014/main" id="{2FD8AFDB-B92D-4C27-ABEC-799C66831DBB}"/>
+              </a:ext>
+            </a:extLst>
+          </p:cNvPr>
+          <p:cNvSpPr/>
+          <p:nvPr/>
+        </p:nvSpPr>
+        <p:spPr>
+          <a:xfrm>
+            <a:off x="3695896" y="1202926"/>
             <a:ext cx="1512000" cy="648000"/>
           </a:xfrm>
           <a:prstGeom prst="roundRect">
@@ -4792,7 +4744,7 @@
               </a:rPr>
               <a:t>发布卖单</a:t>
             </a:r>
-            <a:endParaRPr lang="en-US" altLang="zh-CN" sz="1600" b="1" dirty="0">
+            <a:endParaRPr lang="en-US" altLang="zh-CN" sz="1600" b="1">
               <a:solidFill>
                 <a:schemeClr val="tx1"/>
               </a:solidFill>
@@ -4822,12 +4774,58 @@
           </a:p>
         </p:txBody>
       </p:sp>
-      <p:sp>
-        <p:nvSpPr>
-          <p:cNvPr id="13" name="矩形: 圆角 12">
-            <a:extLst>
-              <a:ext uri="{FF2B5EF4-FFF2-40B4-BE49-F238E27FC236}">
-                <a16:creationId xmlns:a16="http://schemas.microsoft.com/office/drawing/2014/main" id="{514C95C4-5567-4F0E-A8BA-9A71ED175E36}"/>
+      <p:cxnSp>
+        <p:nvCxnSpPr>
+          <p:cNvPr id="112" name="直接箭头连接符 111">
+            <a:extLst>
+              <a:ext uri="{FF2B5EF4-FFF2-40B4-BE49-F238E27FC236}">
+                <a16:creationId xmlns:a16="http://schemas.microsoft.com/office/drawing/2014/main" id="{769CDA3F-50AD-4BDB-9B81-EAEAFEAC2A92}"/>
+              </a:ext>
+            </a:extLst>
+          </p:cNvPr>
+          <p:cNvCxnSpPr>
+            <a:cxnSpLocks/>
+            <a:stCxn id="101" idx="3"/>
+            <a:endCxn id="42" idx="1"/>
+          </p:cNvCxnSpPr>
+          <p:nvPr/>
+        </p:nvCxnSpPr>
+        <p:spPr>
+          <a:xfrm>
+            <a:off x="5207896" y="1526926"/>
+            <a:ext cx="1515236" cy="0"/>
+          </a:xfrm>
+          <a:prstGeom prst="straightConnector1">
+            <a:avLst/>
+          </a:prstGeom>
+          <a:ln w="31750">
+            <a:solidFill>
+              <a:schemeClr val="tx1"/>
+            </a:solidFill>
+            <a:tailEnd type="triangle"/>
+          </a:ln>
+        </p:spPr>
+        <p:style>
+          <a:lnRef idx="1">
+            <a:schemeClr val="accent1"/>
+          </a:lnRef>
+          <a:fillRef idx="0">
+            <a:schemeClr val="accent1"/>
+          </a:fillRef>
+          <a:effectRef idx="0">
+            <a:schemeClr val="accent1"/>
+          </a:effectRef>
+          <a:fontRef idx="minor">
+            <a:schemeClr val="tx1"/>
+          </a:fontRef>
+        </p:style>
+      </p:cxnSp>
+      <p:sp>
+        <p:nvSpPr>
+          <p:cNvPr id="42" name="矩形: 圆角 41">
+            <a:extLst>
+              <a:ext uri="{FF2B5EF4-FFF2-40B4-BE49-F238E27FC236}">
+                <a16:creationId xmlns:a16="http://schemas.microsoft.com/office/drawing/2014/main" id="{72E3ADA6-A1D7-4020-A2AA-532AFDCEC56C}"/>
               </a:ext>
             </a:extLst>
           </p:cNvPr>
@@ -4836,7 +4834,460 @@
         </p:nvSpPr>
         <p:spPr>
           <a:xfrm>
-            <a:off x="712379" y="2831451"/>
+            <a:off x="6723132" y="1238926"/>
+            <a:ext cx="1620000" cy="576000"/>
+          </a:xfrm>
+          <a:prstGeom prst="roundRect">
+            <a:avLst/>
+          </a:prstGeom>
+          <a:solidFill>
+            <a:schemeClr val="bg1"/>
+          </a:solidFill>
+          <a:ln>
+            <a:solidFill>
+              <a:schemeClr val="tx1"/>
+            </a:solidFill>
+          </a:ln>
+        </p:spPr>
+        <p:style>
+          <a:lnRef idx="2">
+            <a:schemeClr val="accent1">
+              <a:shade val="50000"/>
+            </a:schemeClr>
+          </a:lnRef>
+          <a:fillRef idx="1">
+            <a:schemeClr val="accent1"/>
+          </a:fillRef>
+          <a:effectRef idx="0">
+            <a:schemeClr val="accent1"/>
+          </a:effectRef>
+          <a:fontRef idx="minor">
+            <a:schemeClr val="lt1"/>
+          </a:fontRef>
+        </p:style>
+        <p:txBody>
+          <a:bodyPr wrap="none" lIns="36000" tIns="36000" rIns="36000" bIns="36000" rtlCol="0" anchor="ctr" anchorCtr="0"/>
+          <a:lstStyle/>
+          <a:p>
+            <a:pPr algn="ctr"/>
+            <a:r>
+              <a:rPr lang="zh-CN" altLang="en-US" sz="1600" b="1">
+                <a:solidFill>
+                  <a:schemeClr val="tx1"/>
+                </a:solidFill>
+                <a:latin typeface="微软雅黑" panose="020B0503020204020204" pitchFamily="34" charset="-122"/>
+                <a:ea typeface="微软雅黑" panose="020B0503020204020204" pitchFamily="34" charset="-122"/>
+              </a:rPr>
+              <a:t>抵押给合约账户</a:t>
+            </a:r>
+          </a:p>
+        </p:txBody>
+      </p:sp>
+      <p:cxnSp>
+        <p:nvCxnSpPr>
+          <p:cNvPr id="32" name="直接箭头连接符 31">
+            <a:extLst>
+              <a:ext uri="{FF2B5EF4-FFF2-40B4-BE49-F238E27FC236}">
+                <a16:creationId xmlns:a16="http://schemas.microsoft.com/office/drawing/2014/main" id="{838C77E9-6039-4E89-975D-8D8DC3ED531F}"/>
+              </a:ext>
+            </a:extLst>
+          </p:cNvPr>
+          <p:cNvCxnSpPr>
+            <a:cxnSpLocks/>
+            <a:stCxn id="61" idx="3"/>
+            <a:endCxn id="101" idx="1"/>
+          </p:cNvCxnSpPr>
+          <p:nvPr/>
+        </p:nvCxnSpPr>
+        <p:spPr>
+          <a:xfrm>
+            <a:off x="2363642" y="1526926"/>
+            <a:ext cx="1332254" cy="0"/>
+          </a:xfrm>
+          <a:prstGeom prst="straightConnector1">
+            <a:avLst/>
+          </a:prstGeom>
+          <a:ln w="31750">
+            <a:solidFill>
+              <a:schemeClr val="tx1"/>
+            </a:solidFill>
+            <a:tailEnd type="triangle"/>
+          </a:ln>
+        </p:spPr>
+        <p:style>
+          <a:lnRef idx="1">
+            <a:schemeClr val="accent1"/>
+          </a:lnRef>
+          <a:fillRef idx="0">
+            <a:schemeClr val="accent1"/>
+          </a:fillRef>
+          <a:effectRef idx="0">
+            <a:schemeClr val="accent1"/>
+          </a:effectRef>
+          <a:fontRef idx="minor">
+            <a:schemeClr val="tx1"/>
+          </a:fontRef>
+        </p:style>
+      </p:cxnSp>
+      <p:sp>
+        <p:nvSpPr>
+          <p:cNvPr id="49" name="矩形: 圆角 48">
+            <a:extLst>
+              <a:ext uri="{FF2B5EF4-FFF2-40B4-BE49-F238E27FC236}">
+                <a16:creationId xmlns:a16="http://schemas.microsoft.com/office/drawing/2014/main" id="{412BE305-D42D-4A74-94DC-D1DE6FBE1C09}"/>
+              </a:ext>
+            </a:extLst>
+          </p:cNvPr>
+          <p:cNvSpPr/>
+          <p:nvPr/>
+        </p:nvSpPr>
+        <p:spPr>
+          <a:xfrm>
+            <a:off x="851642" y="2299233"/>
+            <a:ext cx="1512000" cy="648000"/>
+          </a:xfrm>
+          <a:prstGeom prst="roundRect">
+            <a:avLst/>
+          </a:prstGeom>
+          <a:solidFill>
+            <a:srgbClr val="00B0F0"/>
+          </a:solidFill>
+          <a:ln>
+            <a:solidFill>
+              <a:schemeClr val="tx1"/>
+            </a:solidFill>
+          </a:ln>
+        </p:spPr>
+        <p:style>
+          <a:lnRef idx="2">
+            <a:schemeClr val="accent1">
+              <a:shade val="50000"/>
+            </a:schemeClr>
+          </a:lnRef>
+          <a:fillRef idx="1">
+            <a:schemeClr val="accent1"/>
+          </a:fillRef>
+          <a:effectRef idx="0">
+            <a:schemeClr val="accent1"/>
+          </a:effectRef>
+          <a:fontRef idx="minor">
+            <a:schemeClr val="lt1"/>
+          </a:fontRef>
+        </p:style>
+        <p:txBody>
+          <a:bodyPr wrap="none" lIns="36000" tIns="36000" rIns="36000" bIns="36000" rtlCol="0" anchor="ctr" anchorCtr="0"/>
+          <a:lstStyle/>
+          <a:p>
+            <a:pPr algn="ctr"/>
+            <a:r>
+              <a:rPr lang="zh-CN" altLang="en-US" sz="1600" b="1">
+                <a:solidFill>
+                  <a:schemeClr val="tx1"/>
+                </a:solidFill>
+                <a:latin typeface="微软雅黑" panose="020B0503020204020204" pitchFamily="34" charset="-122"/>
+                <a:ea typeface="微软雅黑" panose="020B0503020204020204" pitchFamily="34" charset="-122"/>
+              </a:rPr>
+              <a:t>买单用户</a:t>
+            </a:r>
+          </a:p>
+        </p:txBody>
+      </p:sp>
+      <p:cxnSp>
+        <p:nvCxnSpPr>
+          <p:cNvPr id="51" name="直接箭头连接符 50">
+            <a:extLst>
+              <a:ext uri="{FF2B5EF4-FFF2-40B4-BE49-F238E27FC236}">
+                <a16:creationId xmlns:a16="http://schemas.microsoft.com/office/drawing/2014/main" id="{B26E3E05-7D02-4551-9073-5CBF0CA8489A}"/>
+              </a:ext>
+            </a:extLst>
+          </p:cNvPr>
+          <p:cNvCxnSpPr>
+            <a:cxnSpLocks/>
+            <a:stCxn id="34" idx="3"/>
+            <a:endCxn id="55" idx="1"/>
+          </p:cNvCxnSpPr>
+          <p:nvPr/>
+        </p:nvCxnSpPr>
+        <p:spPr>
+          <a:xfrm>
+            <a:off x="8235132" y="2623233"/>
+            <a:ext cx="1531746" cy="0"/>
+          </a:xfrm>
+          <a:prstGeom prst="straightConnector1">
+            <a:avLst/>
+          </a:prstGeom>
+          <a:ln w="31750">
+            <a:solidFill>
+              <a:schemeClr val="tx1"/>
+            </a:solidFill>
+            <a:tailEnd type="triangle"/>
+          </a:ln>
+        </p:spPr>
+        <p:style>
+          <a:lnRef idx="1">
+            <a:schemeClr val="accent1"/>
+          </a:lnRef>
+          <a:fillRef idx="0">
+            <a:schemeClr val="accent1"/>
+          </a:fillRef>
+          <a:effectRef idx="0">
+            <a:schemeClr val="accent1"/>
+          </a:effectRef>
+          <a:fontRef idx="minor">
+            <a:schemeClr val="tx1"/>
+          </a:fontRef>
+        </p:style>
+      </p:cxnSp>
+      <p:sp>
+        <p:nvSpPr>
+          <p:cNvPr id="52" name="矩形: 圆角 51">
+            <a:extLst>
+              <a:ext uri="{FF2B5EF4-FFF2-40B4-BE49-F238E27FC236}">
+                <a16:creationId xmlns:a16="http://schemas.microsoft.com/office/drawing/2014/main" id="{47091E74-4263-45AC-96A0-F48249A1428D}"/>
+              </a:ext>
+            </a:extLst>
+          </p:cNvPr>
+          <p:cNvSpPr/>
+          <p:nvPr/>
+        </p:nvSpPr>
+        <p:spPr>
+          <a:xfrm>
+            <a:off x="3695896" y="2335233"/>
+            <a:ext cx="1620000" cy="576000"/>
+          </a:xfrm>
+          <a:prstGeom prst="roundRect">
+            <a:avLst/>
+          </a:prstGeom>
+          <a:solidFill>
+            <a:schemeClr val="bg1"/>
+          </a:solidFill>
+          <a:ln>
+            <a:solidFill>
+              <a:schemeClr val="tx1"/>
+            </a:solidFill>
+          </a:ln>
+        </p:spPr>
+        <p:style>
+          <a:lnRef idx="2">
+            <a:schemeClr val="accent1">
+              <a:shade val="50000"/>
+            </a:schemeClr>
+          </a:lnRef>
+          <a:fillRef idx="1">
+            <a:schemeClr val="accent1"/>
+          </a:fillRef>
+          <a:effectRef idx="0">
+            <a:schemeClr val="accent1"/>
+          </a:effectRef>
+          <a:fontRef idx="minor">
+            <a:schemeClr val="lt1"/>
+          </a:fontRef>
+        </p:style>
+        <p:txBody>
+          <a:bodyPr wrap="none" lIns="36000" tIns="36000" rIns="36000" bIns="36000" rtlCol="0" anchor="ctr" anchorCtr="0"/>
+          <a:lstStyle/>
+          <a:p>
+            <a:pPr algn="ctr"/>
+            <a:r>
+              <a:rPr lang="zh-CN" altLang="en-US" sz="1600" b="1">
+                <a:solidFill>
+                  <a:schemeClr val="tx1"/>
+                </a:solidFill>
+                <a:latin typeface="微软雅黑" panose="020B0503020204020204" pitchFamily="34" charset="-122"/>
+                <a:ea typeface="微软雅黑" panose="020B0503020204020204" pitchFamily="34" charset="-122"/>
+              </a:rPr>
+              <a:t>场外支付</a:t>
+            </a:r>
+          </a:p>
+        </p:txBody>
+      </p:sp>
+      <p:cxnSp>
+        <p:nvCxnSpPr>
+          <p:cNvPr id="53" name="直接箭头连接符 52">
+            <a:extLst>
+              <a:ext uri="{FF2B5EF4-FFF2-40B4-BE49-F238E27FC236}">
+                <a16:creationId xmlns:a16="http://schemas.microsoft.com/office/drawing/2014/main" id="{34743039-6C7C-4A83-9F14-70E4F511ACFC}"/>
+              </a:ext>
+            </a:extLst>
+          </p:cNvPr>
+          <p:cNvCxnSpPr>
+            <a:cxnSpLocks/>
+            <a:stCxn id="49" idx="3"/>
+            <a:endCxn id="52" idx="1"/>
+          </p:cNvCxnSpPr>
+          <p:nvPr/>
+        </p:nvCxnSpPr>
+        <p:spPr>
+          <a:xfrm>
+            <a:off x="2363642" y="2623233"/>
+            <a:ext cx="1332254" cy="0"/>
+          </a:xfrm>
+          <a:prstGeom prst="straightConnector1">
+            <a:avLst/>
+          </a:prstGeom>
+          <a:ln w="31750">
+            <a:solidFill>
+              <a:schemeClr val="tx1"/>
+            </a:solidFill>
+            <a:tailEnd type="triangle"/>
+          </a:ln>
+        </p:spPr>
+        <p:style>
+          <a:lnRef idx="1">
+            <a:schemeClr val="accent1"/>
+          </a:lnRef>
+          <a:fillRef idx="0">
+            <a:schemeClr val="accent1"/>
+          </a:fillRef>
+          <a:effectRef idx="0">
+            <a:schemeClr val="accent1"/>
+          </a:effectRef>
+          <a:fontRef idx="minor">
+            <a:schemeClr val="tx1"/>
+          </a:fontRef>
+        </p:style>
+      </p:cxnSp>
+      <p:sp>
+        <p:nvSpPr>
+          <p:cNvPr id="55" name="矩形: 圆角 54">
+            <a:extLst>
+              <a:ext uri="{FF2B5EF4-FFF2-40B4-BE49-F238E27FC236}">
+                <a16:creationId xmlns:a16="http://schemas.microsoft.com/office/drawing/2014/main" id="{51E46C4A-7DFB-40C1-B3C2-2F680522A617}"/>
+              </a:ext>
+            </a:extLst>
+          </p:cNvPr>
+          <p:cNvSpPr/>
+          <p:nvPr/>
+        </p:nvSpPr>
+        <p:spPr>
+          <a:xfrm>
+            <a:off x="9766878" y="2299233"/>
+            <a:ext cx="1512000" cy="648000"/>
+          </a:xfrm>
+          <a:prstGeom prst="roundRect">
+            <a:avLst/>
+          </a:prstGeom>
+          <a:solidFill>
+            <a:srgbClr val="00B0F0"/>
+          </a:solidFill>
+          <a:ln>
+            <a:solidFill>
+              <a:schemeClr val="tx1"/>
+            </a:solidFill>
+          </a:ln>
+        </p:spPr>
+        <p:style>
+          <a:lnRef idx="2">
+            <a:schemeClr val="accent1">
+              <a:shade val="50000"/>
+            </a:schemeClr>
+          </a:lnRef>
+          <a:fillRef idx="1">
+            <a:schemeClr val="accent1"/>
+          </a:fillRef>
+          <a:effectRef idx="0">
+            <a:schemeClr val="accent1"/>
+          </a:effectRef>
+          <a:fontRef idx="minor">
+            <a:schemeClr val="lt1"/>
+          </a:fontRef>
+        </p:style>
+        <p:txBody>
+          <a:bodyPr wrap="none" lIns="36000" tIns="36000" rIns="36000" bIns="36000" rtlCol="0" anchor="ctr" anchorCtr="0"/>
+          <a:lstStyle/>
+          <a:p>
+            <a:pPr algn="ctr"/>
+            <a:r>
+              <a:rPr lang="zh-CN" altLang="en-US" sz="1600" b="1">
+                <a:solidFill>
+                  <a:schemeClr val="tx1"/>
+                </a:solidFill>
+                <a:latin typeface="微软雅黑" panose="020B0503020204020204" pitchFamily="34" charset="-122"/>
+                <a:ea typeface="微软雅黑" panose="020B0503020204020204" pitchFamily="34" charset="-122"/>
+              </a:rPr>
+              <a:t>卖单用户</a:t>
+            </a:r>
+          </a:p>
+        </p:txBody>
+      </p:sp>
+      <p:sp>
+        <p:nvSpPr>
+          <p:cNvPr id="57" name="矩形: 圆角 56">
+            <a:extLst>
+              <a:ext uri="{FF2B5EF4-FFF2-40B4-BE49-F238E27FC236}">
+                <a16:creationId xmlns:a16="http://schemas.microsoft.com/office/drawing/2014/main" id="{65E9B693-9316-4E9F-82F7-2796C6B9FCD2}"/>
+              </a:ext>
+            </a:extLst>
+          </p:cNvPr>
+          <p:cNvSpPr/>
+          <p:nvPr/>
+        </p:nvSpPr>
+        <p:spPr>
+          <a:xfrm>
+            <a:off x="851642" y="3328535"/>
+            <a:ext cx="1512000" cy="648000"/>
+          </a:xfrm>
+          <a:prstGeom prst="roundRect">
+            <a:avLst/>
+          </a:prstGeom>
+          <a:solidFill>
+            <a:srgbClr val="00B0F0"/>
+          </a:solidFill>
+          <a:ln>
+            <a:solidFill>
+              <a:schemeClr val="tx1"/>
+            </a:solidFill>
+          </a:ln>
+        </p:spPr>
+        <p:style>
+          <a:lnRef idx="2">
+            <a:schemeClr val="accent1">
+              <a:shade val="50000"/>
+            </a:schemeClr>
+          </a:lnRef>
+          <a:fillRef idx="1">
+            <a:schemeClr val="accent1"/>
+          </a:fillRef>
+          <a:effectRef idx="0">
+            <a:schemeClr val="accent1"/>
+          </a:effectRef>
+          <a:fontRef idx="minor">
+            <a:schemeClr val="lt1"/>
+          </a:fontRef>
+        </p:style>
+        <p:txBody>
+          <a:bodyPr wrap="none" lIns="36000" tIns="36000" rIns="36000" bIns="36000" rtlCol="0" anchor="ctr" anchorCtr="0"/>
+          <a:lstStyle/>
+          <a:p>
+            <a:pPr algn="ctr"/>
+            <a:r>
+              <a:rPr lang="zh-CN" altLang="en-US" sz="1600" b="1">
+                <a:solidFill>
+                  <a:schemeClr val="tx1"/>
+                </a:solidFill>
+                <a:latin typeface="微软雅黑" panose="020B0503020204020204" pitchFamily="34" charset="-122"/>
+                <a:ea typeface="微软雅黑" panose="020B0503020204020204" pitchFamily="34" charset="-122"/>
+              </a:rPr>
+              <a:t>卖单用户</a:t>
+            </a:r>
+          </a:p>
+        </p:txBody>
+      </p:sp>
+      <p:sp>
+        <p:nvSpPr>
+          <p:cNvPr id="58" name="矩形: 圆角 57">
+            <a:extLst>
+              <a:ext uri="{FF2B5EF4-FFF2-40B4-BE49-F238E27FC236}">
+                <a16:creationId xmlns:a16="http://schemas.microsoft.com/office/drawing/2014/main" id="{1A415BD8-5740-4984-A8EF-0B45AE86E344}"/>
+              </a:ext>
+            </a:extLst>
+          </p:cNvPr>
+          <p:cNvSpPr/>
+          <p:nvPr/>
+        </p:nvSpPr>
+        <p:spPr>
+          <a:xfrm>
+            <a:off x="3695896" y="3328535"/>
             <a:ext cx="1512000" cy="648000"/>
           </a:xfrm>
           <a:prstGeom prst="roundRect">
@@ -4880,7 +5331,7 @@
                 <a:latin typeface="微软雅黑" panose="020B0503020204020204" pitchFamily="34" charset="-122"/>
                 <a:ea typeface="微软雅黑" panose="020B0503020204020204" pitchFamily="34" charset="-122"/>
               </a:rPr>
-              <a:t>购买</a:t>
+              <a:t>确认收款</a:t>
             </a:r>
             <a:endParaRPr lang="en-US" altLang="zh-CN" sz="1600" b="1">
               <a:solidFill>
@@ -4900,7 +5351,7 @@
                 <a:latin typeface="微软雅黑" panose="020B0503020204020204" pitchFamily="34" charset="-122"/>
                 <a:ea typeface="微软雅黑" panose="020B0503020204020204" pitchFamily="34" charset="-122"/>
               </a:rPr>
-              <a:t>buy</a:t>
+              <a:t>confirm</a:t>
             </a:r>
             <a:endParaRPr lang="zh-CN" altLang="en-US" sz="1600" b="1">
               <a:solidFill>
@@ -4912,12 +5363,58 @@
           </a:p>
         </p:txBody>
       </p:sp>
-      <p:sp>
-        <p:nvSpPr>
-          <p:cNvPr id="8" name="矩形: 圆角 7">
-            <a:extLst>
-              <a:ext uri="{FF2B5EF4-FFF2-40B4-BE49-F238E27FC236}">
-                <a16:creationId xmlns:a16="http://schemas.microsoft.com/office/drawing/2014/main" id="{5DB37A54-F632-4EEA-999C-2B3AC5620E51}"/>
+      <p:cxnSp>
+        <p:nvCxnSpPr>
+          <p:cNvPr id="59" name="直接箭头连接符 58">
+            <a:extLst>
+              <a:ext uri="{FF2B5EF4-FFF2-40B4-BE49-F238E27FC236}">
+                <a16:creationId xmlns:a16="http://schemas.microsoft.com/office/drawing/2014/main" id="{E8CE606D-E7F8-4193-A90B-32217CC6FE96}"/>
+              </a:ext>
+            </a:extLst>
+          </p:cNvPr>
+          <p:cNvCxnSpPr>
+            <a:cxnSpLocks/>
+            <a:stCxn id="58" idx="3"/>
+            <a:endCxn id="60" idx="1"/>
+          </p:cNvCxnSpPr>
+          <p:nvPr/>
+        </p:nvCxnSpPr>
+        <p:spPr>
+          <a:xfrm>
+            <a:off x="5207896" y="3652535"/>
+            <a:ext cx="1515236" cy="0"/>
+          </a:xfrm>
+          <a:prstGeom prst="straightConnector1">
+            <a:avLst/>
+          </a:prstGeom>
+          <a:ln w="31750">
+            <a:solidFill>
+              <a:schemeClr val="tx1"/>
+            </a:solidFill>
+            <a:tailEnd type="triangle"/>
+          </a:ln>
+        </p:spPr>
+        <p:style>
+          <a:lnRef idx="1">
+            <a:schemeClr val="accent1"/>
+          </a:lnRef>
+          <a:fillRef idx="0">
+            <a:schemeClr val="accent1"/>
+          </a:fillRef>
+          <a:effectRef idx="0">
+            <a:schemeClr val="accent1"/>
+          </a:effectRef>
+          <a:fontRef idx="minor">
+            <a:schemeClr val="tx1"/>
+          </a:fontRef>
+        </p:style>
+      </p:cxnSp>
+      <p:sp>
+        <p:nvSpPr>
+          <p:cNvPr id="60" name="矩形: 圆角 59">
+            <a:extLst>
+              <a:ext uri="{FF2B5EF4-FFF2-40B4-BE49-F238E27FC236}">
+                <a16:creationId xmlns:a16="http://schemas.microsoft.com/office/drawing/2014/main" id="{439E5E02-6BA2-41DE-AC3B-ECEDEFD1F385}"/>
               </a:ext>
             </a:extLst>
           </p:cNvPr>
@@ -4926,7 +5423,225 @@
         </p:nvSpPr>
         <p:spPr>
           <a:xfrm>
-            <a:off x="712379" y="2065491"/>
+            <a:off x="6723132" y="3364535"/>
+            <a:ext cx="1620000" cy="576000"/>
+          </a:xfrm>
+          <a:prstGeom prst="roundRect">
+            <a:avLst/>
+          </a:prstGeom>
+          <a:solidFill>
+            <a:schemeClr val="bg1"/>
+          </a:solidFill>
+          <a:ln>
+            <a:solidFill>
+              <a:schemeClr val="tx1"/>
+            </a:solidFill>
+          </a:ln>
+        </p:spPr>
+        <p:style>
+          <a:lnRef idx="2">
+            <a:schemeClr val="accent1">
+              <a:shade val="50000"/>
+            </a:schemeClr>
+          </a:lnRef>
+          <a:fillRef idx="1">
+            <a:schemeClr val="accent1"/>
+          </a:fillRef>
+          <a:effectRef idx="0">
+            <a:schemeClr val="accent1"/>
+          </a:effectRef>
+          <a:fontRef idx="minor">
+            <a:schemeClr val="lt1"/>
+          </a:fontRef>
+        </p:style>
+        <p:txBody>
+          <a:bodyPr wrap="none" lIns="36000" tIns="36000" rIns="36000" bIns="36000" rtlCol="0" anchor="ctr" anchorCtr="0"/>
+          <a:lstStyle/>
+          <a:p>
+            <a:pPr algn="ctr"/>
+            <a:r>
+              <a:rPr lang="zh-CN" altLang="en-US" sz="1600" b="1">
+                <a:solidFill>
+                  <a:schemeClr val="tx1"/>
+                </a:solidFill>
+                <a:latin typeface="微软雅黑" panose="020B0503020204020204" pitchFamily="34" charset="-122"/>
+                <a:ea typeface="微软雅黑" panose="020B0503020204020204" pitchFamily="34" charset="-122"/>
+              </a:rPr>
+              <a:t>合约账户转账</a:t>
+            </a:r>
+          </a:p>
+        </p:txBody>
+      </p:sp>
+      <p:cxnSp>
+        <p:nvCxnSpPr>
+          <p:cNvPr id="62" name="直接箭头连接符 61">
+            <a:extLst>
+              <a:ext uri="{FF2B5EF4-FFF2-40B4-BE49-F238E27FC236}">
+                <a16:creationId xmlns:a16="http://schemas.microsoft.com/office/drawing/2014/main" id="{5E333993-C0A6-4C5E-86E9-7F2027329CE7}"/>
+              </a:ext>
+            </a:extLst>
+          </p:cNvPr>
+          <p:cNvCxnSpPr>
+            <a:cxnSpLocks/>
+            <a:stCxn id="57" idx="3"/>
+            <a:endCxn id="58" idx="1"/>
+          </p:cNvCxnSpPr>
+          <p:nvPr/>
+        </p:nvCxnSpPr>
+        <p:spPr>
+          <a:xfrm>
+            <a:off x="2363642" y="3652535"/>
+            <a:ext cx="1332254" cy="0"/>
+          </a:xfrm>
+          <a:prstGeom prst="straightConnector1">
+            <a:avLst/>
+          </a:prstGeom>
+          <a:ln w="31750">
+            <a:solidFill>
+              <a:schemeClr val="tx1"/>
+            </a:solidFill>
+            <a:tailEnd type="triangle"/>
+          </a:ln>
+        </p:spPr>
+        <p:style>
+          <a:lnRef idx="1">
+            <a:schemeClr val="accent1"/>
+          </a:lnRef>
+          <a:fillRef idx="0">
+            <a:schemeClr val="accent1"/>
+          </a:fillRef>
+          <a:effectRef idx="0">
+            <a:schemeClr val="accent1"/>
+          </a:effectRef>
+          <a:fontRef idx="minor">
+            <a:schemeClr val="tx1"/>
+          </a:fontRef>
+        </p:style>
+      </p:cxnSp>
+      <p:sp>
+        <p:nvSpPr>
+          <p:cNvPr id="63" name="矩形: 圆角 62">
+            <a:extLst>
+              <a:ext uri="{FF2B5EF4-FFF2-40B4-BE49-F238E27FC236}">
+                <a16:creationId xmlns:a16="http://schemas.microsoft.com/office/drawing/2014/main" id="{277DE9D7-2400-47B2-8AB5-32DC77E2F2B6}"/>
+              </a:ext>
+            </a:extLst>
+          </p:cNvPr>
+          <p:cNvSpPr/>
+          <p:nvPr/>
+        </p:nvSpPr>
+        <p:spPr>
+          <a:xfrm>
+            <a:off x="9766878" y="3328535"/>
+            <a:ext cx="1512000" cy="648000"/>
+          </a:xfrm>
+          <a:prstGeom prst="roundRect">
+            <a:avLst/>
+          </a:prstGeom>
+          <a:solidFill>
+            <a:srgbClr val="00B0F0"/>
+          </a:solidFill>
+          <a:ln>
+            <a:solidFill>
+              <a:schemeClr val="tx1"/>
+            </a:solidFill>
+          </a:ln>
+        </p:spPr>
+        <p:style>
+          <a:lnRef idx="2">
+            <a:schemeClr val="accent1">
+              <a:shade val="50000"/>
+            </a:schemeClr>
+          </a:lnRef>
+          <a:fillRef idx="1">
+            <a:schemeClr val="accent1"/>
+          </a:fillRef>
+          <a:effectRef idx="0">
+            <a:schemeClr val="accent1"/>
+          </a:effectRef>
+          <a:fontRef idx="minor">
+            <a:schemeClr val="lt1"/>
+          </a:fontRef>
+        </p:style>
+        <p:txBody>
+          <a:bodyPr wrap="none" lIns="36000" tIns="36000" rIns="36000" bIns="36000" rtlCol="0" anchor="ctr" anchorCtr="0"/>
+          <a:lstStyle/>
+          <a:p>
+            <a:pPr algn="ctr"/>
+            <a:r>
+              <a:rPr lang="zh-CN" altLang="en-US" sz="1600" b="1">
+                <a:solidFill>
+                  <a:schemeClr val="tx1"/>
+                </a:solidFill>
+                <a:latin typeface="微软雅黑" panose="020B0503020204020204" pitchFamily="34" charset="-122"/>
+                <a:ea typeface="微软雅黑" panose="020B0503020204020204" pitchFamily="34" charset="-122"/>
+              </a:rPr>
+              <a:t>买单用户</a:t>
+            </a:r>
+          </a:p>
+        </p:txBody>
+      </p:sp>
+      <p:cxnSp>
+        <p:nvCxnSpPr>
+          <p:cNvPr id="64" name="直接箭头连接符 63">
+            <a:extLst>
+              <a:ext uri="{FF2B5EF4-FFF2-40B4-BE49-F238E27FC236}">
+                <a16:creationId xmlns:a16="http://schemas.microsoft.com/office/drawing/2014/main" id="{5E3981A5-3200-4516-8486-750739C1C0F0}"/>
+              </a:ext>
+            </a:extLst>
+          </p:cNvPr>
+          <p:cNvCxnSpPr>
+            <a:cxnSpLocks/>
+            <a:stCxn id="60" idx="3"/>
+            <a:endCxn id="63" idx="1"/>
+          </p:cNvCxnSpPr>
+          <p:nvPr/>
+        </p:nvCxnSpPr>
+        <p:spPr>
+          <a:xfrm>
+            <a:off x="8343132" y="3652535"/>
+            <a:ext cx="1423746" cy="0"/>
+          </a:xfrm>
+          <a:prstGeom prst="straightConnector1">
+            <a:avLst/>
+          </a:prstGeom>
+          <a:ln w="31750">
+            <a:solidFill>
+              <a:schemeClr val="tx1"/>
+            </a:solidFill>
+            <a:tailEnd type="triangle"/>
+          </a:ln>
+        </p:spPr>
+        <p:style>
+          <a:lnRef idx="1">
+            <a:schemeClr val="accent1"/>
+          </a:lnRef>
+          <a:fillRef idx="0">
+            <a:schemeClr val="accent1"/>
+          </a:fillRef>
+          <a:effectRef idx="0">
+            <a:schemeClr val="accent1"/>
+          </a:effectRef>
+          <a:fontRef idx="minor">
+            <a:schemeClr val="tx1"/>
+          </a:fontRef>
+        </p:style>
+      </p:cxnSp>
+      <p:sp>
+        <p:nvSpPr>
+          <p:cNvPr id="34" name="矩形: 圆角 33">
+            <a:extLst>
+              <a:ext uri="{FF2B5EF4-FFF2-40B4-BE49-F238E27FC236}">
+                <a16:creationId xmlns:a16="http://schemas.microsoft.com/office/drawing/2014/main" id="{8868123B-109E-4A9F-8E31-973B05EF89EF}"/>
+              </a:ext>
+            </a:extLst>
+          </p:cNvPr>
+          <p:cNvSpPr/>
+          <p:nvPr/>
+        </p:nvSpPr>
+        <p:spPr>
+          <a:xfrm>
+            <a:off x="6723132" y="2299233"/>
             <a:ext cx="1512000" cy="648000"/>
           </a:xfrm>
           <a:prstGeom prst="roundRect">
@@ -4970,1361 +5685,6 @@
                 <a:latin typeface="微软雅黑" panose="020B0503020204020204" pitchFamily="34" charset="-122"/>
                 <a:ea typeface="微软雅黑" panose="020B0503020204020204" pitchFamily="34" charset="-122"/>
               </a:rPr>
-              <a:t>赎回</a:t>
-            </a:r>
-            <a:endParaRPr lang="en-US" altLang="zh-CN" sz="1600" b="1">
-              <a:solidFill>
-                <a:schemeClr val="tx1"/>
-              </a:solidFill>
-              <a:latin typeface="微软雅黑" panose="020B0503020204020204" pitchFamily="34" charset="-122"/>
-              <a:ea typeface="微软雅黑" panose="020B0503020204020204" pitchFamily="34" charset="-122"/>
-            </a:endParaRPr>
-          </a:p>
-          <a:p>
-            <a:pPr algn="ctr"/>
-            <a:r>
-              <a:rPr lang="en-US" altLang="zh-CN" sz="1600" b="1">
-                <a:solidFill>
-                  <a:schemeClr val="tx1"/>
-                </a:solidFill>
-                <a:latin typeface="微软雅黑" panose="020B0503020204020204" pitchFamily="34" charset="-122"/>
-                <a:ea typeface="微软雅黑" panose="020B0503020204020204" pitchFamily="34" charset="-122"/>
-              </a:rPr>
-              <a:t>redeem</a:t>
-            </a:r>
-            <a:endParaRPr lang="zh-CN" altLang="en-US" sz="1600" b="1">
-              <a:solidFill>
-                <a:schemeClr val="tx1"/>
-              </a:solidFill>
-              <a:latin typeface="微软雅黑" panose="020B0503020204020204" pitchFamily="34" charset="-122"/>
-              <a:ea typeface="微软雅黑" panose="020B0503020204020204" pitchFamily="34" charset="-122"/>
-            </a:endParaRPr>
-          </a:p>
-        </p:txBody>
-      </p:sp>
-      <p:sp>
-        <p:nvSpPr>
-          <p:cNvPr id="9" name="矩形: 圆角 8">
-            <a:extLst>
-              <a:ext uri="{FF2B5EF4-FFF2-40B4-BE49-F238E27FC236}">
-                <a16:creationId xmlns:a16="http://schemas.microsoft.com/office/drawing/2014/main" id="{31B78681-5B8A-4FBB-8196-68422A989B00}"/>
-              </a:ext>
-            </a:extLst>
-          </p:cNvPr>
-          <p:cNvSpPr/>
-          <p:nvPr/>
-        </p:nvSpPr>
-        <p:spPr>
-          <a:xfrm>
-            <a:off x="712379" y="3597411"/>
-            <a:ext cx="1512000" cy="648000"/>
-          </a:xfrm>
-          <a:prstGeom prst="roundRect">
-            <a:avLst/>
-          </a:prstGeom>
-          <a:solidFill>
-            <a:srgbClr val="00B050"/>
-          </a:solidFill>
-          <a:ln>
-            <a:solidFill>
-              <a:schemeClr val="tx1"/>
-            </a:solidFill>
-          </a:ln>
-        </p:spPr>
-        <p:style>
-          <a:lnRef idx="2">
-            <a:schemeClr val="accent1">
-              <a:shade val="50000"/>
-            </a:schemeClr>
-          </a:lnRef>
-          <a:fillRef idx="1">
-            <a:schemeClr val="accent1"/>
-          </a:fillRef>
-          <a:effectRef idx="0">
-            <a:schemeClr val="accent1"/>
-          </a:effectRef>
-          <a:fontRef idx="minor">
-            <a:schemeClr val="lt1"/>
-          </a:fontRef>
-        </p:style>
-        <p:txBody>
-          <a:bodyPr wrap="none" lIns="36000" tIns="36000" rIns="36000" bIns="36000" rtlCol="0" anchor="ctr" anchorCtr="0"/>
-          <a:lstStyle/>
-          <a:p>
-            <a:pPr algn="ctr"/>
-            <a:r>
-              <a:rPr lang="zh-CN" altLang="en-US" sz="1600" b="1">
-                <a:solidFill>
-                  <a:schemeClr val="tx1"/>
-                </a:solidFill>
-                <a:latin typeface="微软雅黑" panose="020B0503020204020204" pitchFamily="34" charset="-122"/>
-                <a:ea typeface="微软雅黑" panose="020B0503020204020204" pitchFamily="34" charset="-122"/>
-              </a:rPr>
-              <a:t>确认收款</a:t>
-            </a:r>
-            <a:endParaRPr lang="en-US" altLang="zh-CN" sz="1600" b="1">
-              <a:solidFill>
-                <a:schemeClr val="tx1"/>
-              </a:solidFill>
-              <a:latin typeface="微软雅黑" panose="020B0503020204020204" pitchFamily="34" charset="-122"/>
-              <a:ea typeface="微软雅黑" panose="020B0503020204020204" pitchFamily="34" charset="-122"/>
-            </a:endParaRPr>
-          </a:p>
-          <a:p>
-            <a:pPr algn="ctr"/>
-            <a:r>
-              <a:rPr lang="en-US" altLang="zh-CN" sz="1600" b="1">
-                <a:solidFill>
-                  <a:schemeClr val="tx1"/>
-                </a:solidFill>
-                <a:latin typeface="微软雅黑" panose="020B0503020204020204" pitchFamily="34" charset="-122"/>
-                <a:ea typeface="微软雅黑" panose="020B0503020204020204" pitchFamily="34" charset="-122"/>
-              </a:rPr>
-              <a:t>confirm</a:t>
-            </a:r>
-            <a:endParaRPr lang="zh-CN" altLang="en-US" sz="1600" b="1">
-              <a:solidFill>
-                <a:schemeClr val="tx1"/>
-              </a:solidFill>
-              <a:latin typeface="微软雅黑" panose="020B0503020204020204" pitchFamily="34" charset="-122"/>
-              <a:ea typeface="微软雅黑" panose="020B0503020204020204" pitchFamily="34" charset="-122"/>
-            </a:endParaRPr>
-          </a:p>
-        </p:txBody>
-      </p:sp>
-    </p:spTree>
-    <p:extLst>
-      <p:ext uri="{BB962C8B-B14F-4D97-AF65-F5344CB8AC3E}">
-        <p14:creationId xmlns:p14="http://schemas.microsoft.com/office/powerpoint/2010/main" val="2967855799"/>
-      </p:ext>
-    </p:extLst>
-  </p:cSld>
-  <p:clrMapOvr>
-    <a:masterClrMapping/>
-  </p:clrMapOvr>
-</p:sld>
-</file>
-
-<file path=ppt/slides/slide4.xml><?xml version="1.0" encoding="utf-8"?>
-<p:sld xmlns:a="http://schemas.openxmlformats.org/drawingml/2006/main" xmlns:r="http://schemas.openxmlformats.org/officeDocument/2006/relationships" xmlns:p="http://schemas.openxmlformats.org/presentationml/2006/main">
-  <p:cSld>
-    <p:spTree>
-      <p:nvGrpSpPr>
-        <p:cNvPr id="1" name=""/>
-        <p:cNvGrpSpPr/>
-        <p:nvPr/>
-      </p:nvGrpSpPr>
-      <p:grpSpPr>
-        <a:xfrm>
-          <a:off x="0" y="0"/>
-          <a:ext cx="0" cy="0"/>
-          <a:chOff x="0" y="0"/>
-          <a:chExt cx="0" cy="0"/>
-        </a:xfrm>
-      </p:grpSpPr>
-      <p:cxnSp>
-        <p:nvCxnSpPr>
-          <p:cNvPr id="239" name="直接连接符 238">
-            <a:extLst>
-              <a:ext uri="{FF2B5EF4-FFF2-40B4-BE49-F238E27FC236}">
-                <a16:creationId xmlns:a16="http://schemas.microsoft.com/office/drawing/2014/main" id="{05CC9636-A076-48A7-9A94-4E0212BA0C59}"/>
-              </a:ext>
-            </a:extLst>
-          </p:cNvPr>
-          <p:cNvCxnSpPr>
-            <a:cxnSpLocks/>
-          </p:cNvCxnSpPr>
-          <p:nvPr/>
-        </p:nvCxnSpPr>
-        <p:spPr>
-          <a:xfrm flipH="1">
-            <a:off x="433388" y="866051"/>
-            <a:ext cx="11325225" cy="1"/>
-          </a:xfrm>
-          <a:prstGeom prst="line">
-            <a:avLst/>
-          </a:prstGeom>
-          <a:ln w="19050">
-            <a:solidFill>
-              <a:srgbClr val="00576E"/>
-            </a:solidFill>
-          </a:ln>
-          <a:effectLst>
-            <a:outerShdw blurRad="50800" dist="12700" dir="5400000" algn="t" rotWithShape="0">
-              <a:prstClr val="black">
-                <a:alpha val="40000"/>
-              </a:prstClr>
-            </a:outerShdw>
-          </a:effectLst>
-        </p:spPr>
-        <p:style>
-          <a:lnRef idx="2">
-            <a:schemeClr val="accent1"/>
-          </a:lnRef>
-          <a:fillRef idx="0">
-            <a:schemeClr val="accent1"/>
-          </a:fillRef>
-          <a:effectRef idx="1">
-            <a:schemeClr val="accent1"/>
-          </a:effectRef>
-          <a:fontRef idx="minor">
-            <a:schemeClr val="tx1"/>
-          </a:fontRef>
-        </p:style>
-      </p:cxnSp>
-      <p:sp>
-        <p:nvSpPr>
-          <p:cNvPr id="240" name="矩形 239">
-            <a:extLst>
-              <a:ext uri="{FF2B5EF4-FFF2-40B4-BE49-F238E27FC236}">
-                <a16:creationId xmlns:a16="http://schemas.microsoft.com/office/drawing/2014/main" id="{CE6D800A-2E58-40A9-AF4D-2C92406102BA}"/>
-              </a:ext>
-            </a:extLst>
-          </p:cNvPr>
-          <p:cNvSpPr/>
-          <p:nvPr/>
-        </p:nvSpPr>
-        <p:spPr>
-          <a:xfrm>
-            <a:off x="471489" y="209549"/>
-            <a:ext cx="119062" cy="513626"/>
-          </a:xfrm>
-          <a:prstGeom prst="rect">
-            <a:avLst/>
-          </a:prstGeom>
-          <a:solidFill>
-            <a:srgbClr val="00576E"/>
-          </a:solidFill>
-        </p:spPr>
-        <p:style>
-          <a:lnRef idx="2">
-            <a:schemeClr val="accent1">
-              <a:shade val="50000"/>
-            </a:schemeClr>
-          </a:lnRef>
-          <a:fillRef idx="1">
-            <a:schemeClr val="accent1"/>
-          </a:fillRef>
-          <a:effectRef idx="0">
-            <a:schemeClr val="accent1"/>
-          </a:effectRef>
-          <a:fontRef idx="minor">
-            <a:schemeClr val="lt1"/>
-          </a:fontRef>
-        </p:style>
-        <p:txBody>
-          <a:bodyPr rtlCol="0" anchor="ctr"/>
-          <a:lstStyle/>
-          <a:p>
-            <a:pPr algn="ctr"/>
-            <a:endParaRPr lang="zh-CN" altLang="en-US">
-              <a:latin typeface="Consolas" panose="020B0609020204030204" pitchFamily="49" charset="0"/>
-            </a:endParaRPr>
-          </a:p>
-        </p:txBody>
-      </p:sp>
-      <p:sp>
-        <p:nvSpPr>
-          <p:cNvPr id="241" name="文本框 240">
-            <a:extLst>
-              <a:ext uri="{FF2B5EF4-FFF2-40B4-BE49-F238E27FC236}">
-                <a16:creationId xmlns:a16="http://schemas.microsoft.com/office/drawing/2014/main" id="{90ABBAE7-6707-4A6F-819E-32C1CFD4250B}"/>
-              </a:ext>
-            </a:extLst>
-          </p:cNvPr>
-          <p:cNvSpPr txBox="1"/>
-          <p:nvPr/>
-        </p:nvSpPr>
-        <p:spPr>
-          <a:xfrm>
-            <a:off x="712379" y="173975"/>
-            <a:ext cx="2646878" cy="584775"/>
-          </a:xfrm>
-          <a:prstGeom prst="rect">
-            <a:avLst/>
-          </a:prstGeom>
-          <a:noFill/>
-        </p:spPr>
-        <p:txBody>
-          <a:bodyPr wrap="none" rtlCol="0">
-            <a:spAutoFit/>
-          </a:bodyPr>
-          <a:lstStyle/>
-          <a:p>
-            <a:r>
-              <a:rPr lang="zh-CN" altLang="en-US" sz="3200" b="1">
-                <a:latin typeface="Consolas" panose="020B0609020204030204" pitchFamily="49" charset="0"/>
-                <a:ea typeface="微软雅黑" panose="020B0503020204020204" pitchFamily="34" charset="-122"/>
-              </a:rPr>
-              <a:t>场外交易流程</a:t>
-            </a:r>
-          </a:p>
-        </p:txBody>
-      </p:sp>
-      <p:sp>
-        <p:nvSpPr>
-          <p:cNvPr id="61" name="矩形: 圆角 60">
-            <a:extLst>
-              <a:ext uri="{FF2B5EF4-FFF2-40B4-BE49-F238E27FC236}">
-                <a16:creationId xmlns:a16="http://schemas.microsoft.com/office/drawing/2014/main" id="{E3777F73-EAAB-43DE-8A90-6B6D895B1B1F}"/>
-              </a:ext>
-            </a:extLst>
-          </p:cNvPr>
-          <p:cNvSpPr/>
-          <p:nvPr/>
-        </p:nvSpPr>
-        <p:spPr>
-          <a:xfrm>
-            <a:off x="851642" y="1202926"/>
-            <a:ext cx="1512000" cy="648000"/>
-          </a:xfrm>
-          <a:prstGeom prst="roundRect">
-            <a:avLst/>
-          </a:prstGeom>
-          <a:solidFill>
-            <a:srgbClr val="00B0F0"/>
-          </a:solidFill>
-          <a:ln>
-            <a:solidFill>
-              <a:schemeClr val="tx1"/>
-            </a:solidFill>
-          </a:ln>
-        </p:spPr>
-        <p:style>
-          <a:lnRef idx="2">
-            <a:schemeClr val="accent1">
-              <a:shade val="50000"/>
-            </a:schemeClr>
-          </a:lnRef>
-          <a:fillRef idx="1">
-            <a:schemeClr val="accent1"/>
-          </a:fillRef>
-          <a:effectRef idx="0">
-            <a:schemeClr val="accent1"/>
-          </a:effectRef>
-          <a:fontRef idx="minor">
-            <a:schemeClr val="lt1"/>
-          </a:fontRef>
-        </p:style>
-        <p:txBody>
-          <a:bodyPr wrap="none" lIns="36000" tIns="36000" rIns="36000" bIns="36000" rtlCol="0" anchor="ctr" anchorCtr="0"/>
-          <a:lstStyle/>
-          <a:p>
-            <a:pPr algn="ctr"/>
-            <a:r>
-              <a:rPr lang="zh-CN" altLang="en-US" sz="1600" b="1">
-                <a:solidFill>
-                  <a:schemeClr val="tx1"/>
-                </a:solidFill>
-                <a:latin typeface="微软雅黑" panose="020B0503020204020204" pitchFamily="34" charset="-122"/>
-                <a:ea typeface="微软雅黑" panose="020B0503020204020204" pitchFamily="34" charset="-122"/>
-              </a:rPr>
-              <a:t>卖单用户</a:t>
-            </a:r>
-          </a:p>
-        </p:txBody>
-      </p:sp>
-      <p:sp>
-        <p:nvSpPr>
-          <p:cNvPr id="101" name="矩形: 圆角 100">
-            <a:extLst>
-              <a:ext uri="{FF2B5EF4-FFF2-40B4-BE49-F238E27FC236}">
-                <a16:creationId xmlns:a16="http://schemas.microsoft.com/office/drawing/2014/main" id="{2FD8AFDB-B92D-4C27-ABEC-799C66831DBB}"/>
-              </a:ext>
-            </a:extLst>
-          </p:cNvPr>
-          <p:cNvSpPr/>
-          <p:nvPr/>
-        </p:nvSpPr>
-        <p:spPr>
-          <a:xfrm>
-            <a:off x="3695896" y="1202926"/>
-            <a:ext cx="1512000" cy="648000"/>
-          </a:xfrm>
-          <a:prstGeom prst="roundRect">
-            <a:avLst/>
-          </a:prstGeom>
-          <a:solidFill>
-            <a:srgbClr val="00B050"/>
-          </a:solidFill>
-          <a:ln>
-            <a:solidFill>
-              <a:schemeClr val="tx1"/>
-            </a:solidFill>
-          </a:ln>
-        </p:spPr>
-        <p:style>
-          <a:lnRef idx="2">
-            <a:schemeClr val="accent1">
-              <a:shade val="50000"/>
-            </a:schemeClr>
-          </a:lnRef>
-          <a:fillRef idx="1">
-            <a:schemeClr val="accent1"/>
-          </a:fillRef>
-          <a:effectRef idx="0">
-            <a:schemeClr val="accent1"/>
-          </a:effectRef>
-          <a:fontRef idx="minor">
-            <a:schemeClr val="lt1"/>
-          </a:fontRef>
-        </p:style>
-        <p:txBody>
-          <a:bodyPr wrap="none" lIns="36000" tIns="36000" rIns="36000" bIns="36000" rtlCol="0" anchor="ctr" anchorCtr="0"/>
-          <a:lstStyle/>
-          <a:p>
-            <a:pPr algn="ctr"/>
-            <a:r>
-              <a:rPr lang="zh-CN" altLang="en-US" sz="1600" b="1">
-                <a:solidFill>
-                  <a:schemeClr val="tx1"/>
-                </a:solidFill>
-                <a:latin typeface="微软雅黑" panose="020B0503020204020204" pitchFamily="34" charset="-122"/>
-                <a:ea typeface="微软雅黑" panose="020B0503020204020204" pitchFamily="34" charset="-122"/>
-              </a:rPr>
-              <a:t>发布卖单</a:t>
-            </a:r>
-            <a:endParaRPr lang="en-US" altLang="zh-CN" sz="1600" b="1">
-              <a:solidFill>
-                <a:schemeClr val="tx1"/>
-              </a:solidFill>
-              <a:latin typeface="微软雅黑" panose="020B0503020204020204" pitchFamily="34" charset="-122"/>
-              <a:ea typeface="微软雅黑" panose="020B0503020204020204" pitchFamily="34" charset="-122"/>
-            </a:endParaRPr>
-          </a:p>
-          <a:p>
-            <a:pPr algn="ctr"/>
-            <a:r>
-              <a:rPr lang="en-US" altLang="zh-CN" sz="1600" b="1">
-                <a:solidFill>
-                  <a:schemeClr val="tx1"/>
-                </a:solidFill>
-                <a:latin typeface="微软雅黑" panose="020B0503020204020204" pitchFamily="34" charset="-122"/>
-                <a:ea typeface="微软雅黑" panose="020B0503020204020204" pitchFamily="34" charset="-122"/>
-              </a:rPr>
-              <a:t>publish</a:t>
-            </a:r>
-            <a:endParaRPr lang="zh-CN" altLang="en-US" sz="1600" b="1">
-              <a:solidFill>
-                <a:schemeClr val="tx1"/>
-              </a:solidFill>
-              <a:latin typeface="微软雅黑" panose="020B0503020204020204" pitchFamily="34" charset="-122"/>
-              <a:ea typeface="微软雅黑" panose="020B0503020204020204" pitchFamily="34" charset="-122"/>
-            </a:endParaRPr>
-          </a:p>
-        </p:txBody>
-      </p:sp>
-      <p:cxnSp>
-        <p:nvCxnSpPr>
-          <p:cNvPr id="112" name="直接箭头连接符 111">
-            <a:extLst>
-              <a:ext uri="{FF2B5EF4-FFF2-40B4-BE49-F238E27FC236}">
-                <a16:creationId xmlns:a16="http://schemas.microsoft.com/office/drawing/2014/main" id="{769CDA3F-50AD-4BDB-9B81-EAEAFEAC2A92}"/>
-              </a:ext>
-            </a:extLst>
-          </p:cNvPr>
-          <p:cNvCxnSpPr>
-            <a:cxnSpLocks/>
-            <a:stCxn id="101" idx="3"/>
-            <a:endCxn id="42" idx="1"/>
-          </p:cNvCxnSpPr>
-          <p:nvPr/>
-        </p:nvCxnSpPr>
-        <p:spPr>
-          <a:xfrm>
-            <a:off x="5207896" y="1526926"/>
-            <a:ext cx="1515236" cy="0"/>
-          </a:xfrm>
-          <a:prstGeom prst="straightConnector1">
-            <a:avLst/>
-          </a:prstGeom>
-          <a:ln w="31750">
-            <a:solidFill>
-              <a:schemeClr val="tx1"/>
-            </a:solidFill>
-            <a:tailEnd type="triangle"/>
-          </a:ln>
-        </p:spPr>
-        <p:style>
-          <a:lnRef idx="1">
-            <a:schemeClr val="accent1"/>
-          </a:lnRef>
-          <a:fillRef idx="0">
-            <a:schemeClr val="accent1"/>
-          </a:fillRef>
-          <a:effectRef idx="0">
-            <a:schemeClr val="accent1"/>
-          </a:effectRef>
-          <a:fontRef idx="minor">
-            <a:schemeClr val="tx1"/>
-          </a:fontRef>
-        </p:style>
-      </p:cxnSp>
-      <p:sp>
-        <p:nvSpPr>
-          <p:cNvPr id="42" name="矩形: 圆角 41">
-            <a:extLst>
-              <a:ext uri="{FF2B5EF4-FFF2-40B4-BE49-F238E27FC236}">
-                <a16:creationId xmlns:a16="http://schemas.microsoft.com/office/drawing/2014/main" id="{72E3ADA6-A1D7-4020-A2AA-532AFDCEC56C}"/>
-              </a:ext>
-            </a:extLst>
-          </p:cNvPr>
-          <p:cNvSpPr/>
-          <p:nvPr/>
-        </p:nvSpPr>
-        <p:spPr>
-          <a:xfrm>
-            <a:off x="6723132" y="1238926"/>
-            <a:ext cx="1620000" cy="576000"/>
-          </a:xfrm>
-          <a:prstGeom prst="roundRect">
-            <a:avLst/>
-          </a:prstGeom>
-          <a:solidFill>
-            <a:schemeClr val="bg1"/>
-          </a:solidFill>
-          <a:ln>
-            <a:solidFill>
-              <a:schemeClr val="tx1"/>
-            </a:solidFill>
-          </a:ln>
-        </p:spPr>
-        <p:style>
-          <a:lnRef idx="2">
-            <a:schemeClr val="accent1">
-              <a:shade val="50000"/>
-            </a:schemeClr>
-          </a:lnRef>
-          <a:fillRef idx="1">
-            <a:schemeClr val="accent1"/>
-          </a:fillRef>
-          <a:effectRef idx="0">
-            <a:schemeClr val="accent1"/>
-          </a:effectRef>
-          <a:fontRef idx="minor">
-            <a:schemeClr val="lt1"/>
-          </a:fontRef>
-        </p:style>
-        <p:txBody>
-          <a:bodyPr wrap="none" lIns="36000" tIns="36000" rIns="36000" bIns="36000" rtlCol="0" anchor="ctr" anchorCtr="0"/>
-          <a:lstStyle/>
-          <a:p>
-            <a:pPr algn="ctr"/>
-            <a:r>
-              <a:rPr lang="zh-CN" altLang="en-US" sz="1600" b="1">
-                <a:solidFill>
-                  <a:schemeClr val="tx1"/>
-                </a:solidFill>
-                <a:latin typeface="微软雅黑" panose="020B0503020204020204" pitchFamily="34" charset="-122"/>
-                <a:ea typeface="微软雅黑" panose="020B0503020204020204" pitchFamily="34" charset="-122"/>
-              </a:rPr>
-              <a:t>抵押给合约账户</a:t>
-            </a:r>
-          </a:p>
-        </p:txBody>
-      </p:sp>
-      <p:cxnSp>
-        <p:nvCxnSpPr>
-          <p:cNvPr id="32" name="直接箭头连接符 31">
-            <a:extLst>
-              <a:ext uri="{FF2B5EF4-FFF2-40B4-BE49-F238E27FC236}">
-                <a16:creationId xmlns:a16="http://schemas.microsoft.com/office/drawing/2014/main" id="{838C77E9-6039-4E89-975D-8D8DC3ED531F}"/>
-              </a:ext>
-            </a:extLst>
-          </p:cNvPr>
-          <p:cNvCxnSpPr>
-            <a:cxnSpLocks/>
-            <a:stCxn id="61" idx="3"/>
-            <a:endCxn id="101" idx="1"/>
-          </p:cNvCxnSpPr>
-          <p:nvPr/>
-        </p:nvCxnSpPr>
-        <p:spPr>
-          <a:xfrm>
-            <a:off x="2363642" y="1526926"/>
-            <a:ext cx="1332254" cy="0"/>
-          </a:xfrm>
-          <a:prstGeom prst="straightConnector1">
-            <a:avLst/>
-          </a:prstGeom>
-          <a:ln w="31750">
-            <a:solidFill>
-              <a:schemeClr val="tx1"/>
-            </a:solidFill>
-            <a:tailEnd type="triangle"/>
-          </a:ln>
-        </p:spPr>
-        <p:style>
-          <a:lnRef idx="1">
-            <a:schemeClr val="accent1"/>
-          </a:lnRef>
-          <a:fillRef idx="0">
-            <a:schemeClr val="accent1"/>
-          </a:fillRef>
-          <a:effectRef idx="0">
-            <a:schemeClr val="accent1"/>
-          </a:effectRef>
-          <a:fontRef idx="minor">
-            <a:schemeClr val="tx1"/>
-          </a:fontRef>
-        </p:style>
-      </p:cxnSp>
-      <p:sp>
-        <p:nvSpPr>
-          <p:cNvPr id="49" name="矩形: 圆角 48">
-            <a:extLst>
-              <a:ext uri="{FF2B5EF4-FFF2-40B4-BE49-F238E27FC236}">
-                <a16:creationId xmlns:a16="http://schemas.microsoft.com/office/drawing/2014/main" id="{412BE305-D42D-4A74-94DC-D1DE6FBE1C09}"/>
-              </a:ext>
-            </a:extLst>
-          </p:cNvPr>
-          <p:cNvSpPr/>
-          <p:nvPr/>
-        </p:nvSpPr>
-        <p:spPr>
-          <a:xfrm>
-            <a:off x="851642" y="2299233"/>
-            <a:ext cx="1512000" cy="648000"/>
-          </a:xfrm>
-          <a:prstGeom prst="roundRect">
-            <a:avLst/>
-          </a:prstGeom>
-          <a:solidFill>
-            <a:srgbClr val="00B0F0"/>
-          </a:solidFill>
-          <a:ln>
-            <a:solidFill>
-              <a:schemeClr val="tx1"/>
-            </a:solidFill>
-          </a:ln>
-        </p:spPr>
-        <p:style>
-          <a:lnRef idx="2">
-            <a:schemeClr val="accent1">
-              <a:shade val="50000"/>
-            </a:schemeClr>
-          </a:lnRef>
-          <a:fillRef idx="1">
-            <a:schemeClr val="accent1"/>
-          </a:fillRef>
-          <a:effectRef idx="0">
-            <a:schemeClr val="accent1"/>
-          </a:effectRef>
-          <a:fontRef idx="minor">
-            <a:schemeClr val="lt1"/>
-          </a:fontRef>
-        </p:style>
-        <p:txBody>
-          <a:bodyPr wrap="none" lIns="36000" tIns="36000" rIns="36000" bIns="36000" rtlCol="0" anchor="ctr" anchorCtr="0"/>
-          <a:lstStyle/>
-          <a:p>
-            <a:pPr algn="ctr"/>
-            <a:r>
-              <a:rPr lang="zh-CN" altLang="en-US" sz="1600" b="1">
-                <a:solidFill>
-                  <a:schemeClr val="tx1"/>
-                </a:solidFill>
-                <a:latin typeface="微软雅黑" panose="020B0503020204020204" pitchFamily="34" charset="-122"/>
-                <a:ea typeface="微软雅黑" panose="020B0503020204020204" pitchFamily="34" charset="-122"/>
-              </a:rPr>
-              <a:t>买单用户</a:t>
-            </a:r>
-          </a:p>
-        </p:txBody>
-      </p:sp>
-      <p:cxnSp>
-        <p:nvCxnSpPr>
-          <p:cNvPr id="51" name="直接箭头连接符 50">
-            <a:extLst>
-              <a:ext uri="{FF2B5EF4-FFF2-40B4-BE49-F238E27FC236}">
-                <a16:creationId xmlns:a16="http://schemas.microsoft.com/office/drawing/2014/main" id="{B26E3E05-7D02-4551-9073-5CBF0CA8489A}"/>
-              </a:ext>
-            </a:extLst>
-          </p:cNvPr>
-          <p:cNvCxnSpPr>
-            <a:cxnSpLocks/>
-            <a:stCxn id="34" idx="3"/>
-            <a:endCxn id="55" idx="1"/>
-          </p:cNvCxnSpPr>
-          <p:nvPr/>
-        </p:nvCxnSpPr>
-        <p:spPr>
-          <a:xfrm>
-            <a:off x="8235132" y="2623233"/>
-            <a:ext cx="1531746" cy="0"/>
-          </a:xfrm>
-          <a:prstGeom prst="straightConnector1">
-            <a:avLst/>
-          </a:prstGeom>
-          <a:ln w="31750">
-            <a:solidFill>
-              <a:schemeClr val="tx1"/>
-            </a:solidFill>
-            <a:tailEnd type="triangle"/>
-          </a:ln>
-        </p:spPr>
-        <p:style>
-          <a:lnRef idx="1">
-            <a:schemeClr val="accent1"/>
-          </a:lnRef>
-          <a:fillRef idx="0">
-            <a:schemeClr val="accent1"/>
-          </a:fillRef>
-          <a:effectRef idx="0">
-            <a:schemeClr val="accent1"/>
-          </a:effectRef>
-          <a:fontRef idx="minor">
-            <a:schemeClr val="tx1"/>
-          </a:fontRef>
-        </p:style>
-      </p:cxnSp>
-      <p:sp>
-        <p:nvSpPr>
-          <p:cNvPr id="52" name="矩形: 圆角 51">
-            <a:extLst>
-              <a:ext uri="{FF2B5EF4-FFF2-40B4-BE49-F238E27FC236}">
-                <a16:creationId xmlns:a16="http://schemas.microsoft.com/office/drawing/2014/main" id="{47091E74-4263-45AC-96A0-F48249A1428D}"/>
-              </a:ext>
-            </a:extLst>
-          </p:cNvPr>
-          <p:cNvSpPr/>
-          <p:nvPr/>
-        </p:nvSpPr>
-        <p:spPr>
-          <a:xfrm>
-            <a:off x="3695896" y="2335233"/>
-            <a:ext cx="1620000" cy="576000"/>
-          </a:xfrm>
-          <a:prstGeom prst="roundRect">
-            <a:avLst/>
-          </a:prstGeom>
-          <a:solidFill>
-            <a:schemeClr val="bg1"/>
-          </a:solidFill>
-          <a:ln>
-            <a:solidFill>
-              <a:schemeClr val="tx1"/>
-            </a:solidFill>
-          </a:ln>
-        </p:spPr>
-        <p:style>
-          <a:lnRef idx="2">
-            <a:schemeClr val="accent1">
-              <a:shade val="50000"/>
-            </a:schemeClr>
-          </a:lnRef>
-          <a:fillRef idx="1">
-            <a:schemeClr val="accent1"/>
-          </a:fillRef>
-          <a:effectRef idx="0">
-            <a:schemeClr val="accent1"/>
-          </a:effectRef>
-          <a:fontRef idx="minor">
-            <a:schemeClr val="lt1"/>
-          </a:fontRef>
-        </p:style>
-        <p:txBody>
-          <a:bodyPr wrap="none" lIns="36000" tIns="36000" rIns="36000" bIns="36000" rtlCol="0" anchor="ctr" anchorCtr="0"/>
-          <a:lstStyle/>
-          <a:p>
-            <a:pPr algn="ctr"/>
-            <a:r>
-              <a:rPr lang="zh-CN" altLang="en-US" sz="1600" b="1">
-                <a:solidFill>
-                  <a:schemeClr val="tx1"/>
-                </a:solidFill>
-                <a:latin typeface="微软雅黑" panose="020B0503020204020204" pitchFamily="34" charset="-122"/>
-                <a:ea typeface="微软雅黑" panose="020B0503020204020204" pitchFamily="34" charset="-122"/>
-              </a:rPr>
-              <a:t>场外支付</a:t>
-            </a:r>
-          </a:p>
-        </p:txBody>
-      </p:sp>
-      <p:cxnSp>
-        <p:nvCxnSpPr>
-          <p:cNvPr id="53" name="直接箭头连接符 52">
-            <a:extLst>
-              <a:ext uri="{FF2B5EF4-FFF2-40B4-BE49-F238E27FC236}">
-                <a16:creationId xmlns:a16="http://schemas.microsoft.com/office/drawing/2014/main" id="{34743039-6C7C-4A83-9F14-70E4F511ACFC}"/>
-              </a:ext>
-            </a:extLst>
-          </p:cNvPr>
-          <p:cNvCxnSpPr>
-            <a:cxnSpLocks/>
-            <a:stCxn id="49" idx="3"/>
-            <a:endCxn id="52" idx="1"/>
-          </p:cNvCxnSpPr>
-          <p:nvPr/>
-        </p:nvCxnSpPr>
-        <p:spPr>
-          <a:xfrm>
-            <a:off x="2363642" y="2623233"/>
-            <a:ext cx="1332254" cy="0"/>
-          </a:xfrm>
-          <a:prstGeom prst="straightConnector1">
-            <a:avLst/>
-          </a:prstGeom>
-          <a:ln w="31750">
-            <a:solidFill>
-              <a:schemeClr val="tx1"/>
-            </a:solidFill>
-            <a:tailEnd type="triangle"/>
-          </a:ln>
-        </p:spPr>
-        <p:style>
-          <a:lnRef idx="1">
-            <a:schemeClr val="accent1"/>
-          </a:lnRef>
-          <a:fillRef idx="0">
-            <a:schemeClr val="accent1"/>
-          </a:fillRef>
-          <a:effectRef idx="0">
-            <a:schemeClr val="accent1"/>
-          </a:effectRef>
-          <a:fontRef idx="minor">
-            <a:schemeClr val="tx1"/>
-          </a:fontRef>
-        </p:style>
-      </p:cxnSp>
-      <p:sp>
-        <p:nvSpPr>
-          <p:cNvPr id="55" name="矩形: 圆角 54">
-            <a:extLst>
-              <a:ext uri="{FF2B5EF4-FFF2-40B4-BE49-F238E27FC236}">
-                <a16:creationId xmlns:a16="http://schemas.microsoft.com/office/drawing/2014/main" id="{51E46C4A-7DFB-40C1-B3C2-2F680522A617}"/>
-              </a:ext>
-            </a:extLst>
-          </p:cNvPr>
-          <p:cNvSpPr/>
-          <p:nvPr/>
-        </p:nvSpPr>
-        <p:spPr>
-          <a:xfrm>
-            <a:off x="9766878" y="2299233"/>
-            <a:ext cx="1512000" cy="648000"/>
-          </a:xfrm>
-          <a:prstGeom prst="roundRect">
-            <a:avLst/>
-          </a:prstGeom>
-          <a:solidFill>
-            <a:srgbClr val="00B0F0"/>
-          </a:solidFill>
-          <a:ln>
-            <a:solidFill>
-              <a:schemeClr val="tx1"/>
-            </a:solidFill>
-          </a:ln>
-        </p:spPr>
-        <p:style>
-          <a:lnRef idx="2">
-            <a:schemeClr val="accent1">
-              <a:shade val="50000"/>
-            </a:schemeClr>
-          </a:lnRef>
-          <a:fillRef idx="1">
-            <a:schemeClr val="accent1"/>
-          </a:fillRef>
-          <a:effectRef idx="0">
-            <a:schemeClr val="accent1"/>
-          </a:effectRef>
-          <a:fontRef idx="minor">
-            <a:schemeClr val="lt1"/>
-          </a:fontRef>
-        </p:style>
-        <p:txBody>
-          <a:bodyPr wrap="none" lIns="36000" tIns="36000" rIns="36000" bIns="36000" rtlCol="0" anchor="ctr" anchorCtr="0"/>
-          <a:lstStyle/>
-          <a:p>
-            <a:pPr algn="ctr"/>
-            <a:r>
-              <a:rPr lang="zh-CN" altLang="en-US" sz="1600" b="1">
-                <a:solidFill>
-                  <a:schemeClr val="tx1"/>
-                </a:solidFill>
-                <a:latin typeface="微软雅黑" panose="020B0503020204020204" pitchFamily="34" charset="-122"/>
-                <a:ea typeface="微软雅黑" panose="020B0503020204020204" pitchFamily="34" charset="-122"/>
-              </a:rPr>
-              <a:t>卖单用户</a:t>
-            </a:r>
-          </a:p>
-        </p:txBody>
-      </p:sp>
-      <p:sp>
-        <p:nvSpPr>
-          <p:cNvPr id="57" name="矩形: 圆角 56">
-            <a:extLst>
-              <a:ext uri="{FF2B5EF4-FFF2-40B4-BE49-F238E27FC236}">
-                <a16:creationId xmlns:a16="http://schemas.microsoft.com/office/drawing/2014/main" id="{65E9B693-9316-4E9F-82F7-2796C6B9FCD2}"/>
-              </a:ext>
-            </a:extLst>
-          </p:cNvPr>
-          <p:cNvSpPr/>
-          <p:nvPr/>
-        </p:nvSpPr>
-        <p:spPr>
-          <a:xfrm>
-            <a:off x="851642" y="3328535"/>
-            <a:ext cx="1512000" cy="648000"/>
-          </a:xfrm>
-          <a:prstGeom prst="roundRect">
-            <a:avLst/>
-          </a:prstGeom>
-          <a:solidFill>
-            <a:srgbClr val="00B0F0"/>
-          </a:solidFill>
-          <a:ln>
-            <a:solidFill>
-              <a:schemeClr val="tx1"/>
-            </a:solidFill>
-          </a:ln>
-        </p:spPr>
-        <p:style>
-          <a:lnRef idx="2">
-            <a:schemeClr val="accent1">
-              <a:shade val="50000"/>
-            </a:schemeClr>
-          </a:lnRef>
-          <a:fillRef idx="1">
-            <a:schemeClr val="accent1"/>
-          </a:fillRef>
-          <a:effectRef idx="0">
-            <a:schemeClr val="accent1"/>
-          </a:effectRef>
-          <a:fontRef idx="minor">
-            <a:schemeClr val="lt1"/>
-          </a:fontRef>
-        </p:style>
-        <p:txBody>
-          <a:bodyPr wrap="none" lIns="36000" tIns="36000" rIns="36000" bIns="36000" rtlCol="0" anchor="ctr" anchorCtr="0"/>
-          <a:lstStyle/>
-          <a:p>
-            <a:pPr algn="ctr"/>
-            <a:r>
-              <a:rPr lang="zh-CN" altLang="en-US" sz="1600" b="1">
-                <a:solidFill>
-                  <a:schemeClr val="tx1"/>
-                </a:solidFill>
-                <a:latin typeface="微软雅黑" panose="020B0503020204020204" pitchFamily="34" charset="-122"/>
-                <a:ea typeface="微软雅黑" panose="020B0503020204020204" pitchFamily="34" charset="-122"/>
-              </a:rPr>
-              <a:t>卖单用户</a:t>
-            </a:r>
-          </a:p>
-        </p:txBody>
-      </p:sp>
-      <p:sp>
-        <p:nvSpPr>
-          <p:cNvPr id="58" name="矩形: 圆角 57">
-            <a:extLst>
-              <a:ext uri="{FF2B5EF4-FFF2-40B4-BE49-F238E27FC236}">
-                <a16:creationId xmlns:a16="http://schemas.microsoft.com/office/drawing/2014/main" id="{1A415BD8-5740-4984-A8EF-0B45AE86E344}"/>
-              </a:ext>
-            </a:extLst>
-          </p:cNvPr>
-          <p:cNvSpPr/>
-          <p:nvPr/>
-        </p:nvSpPr>
-        <p:spPr>
-          <a:xfrm>
-            <a:off x="3695896" y="3328535"/>
-            <a:ext cx="1512000" cy="648000"/>
-          </a:xfrm>
-          <a:prstGeom prst="roundRect">
-            <a:avLst/>
-          </a:prstGeom>
-          <a:solidFill>
-            <a:srgbClr val="00B050"/>
-          </a:solidFill>
-          <a:ln>
-            <a:solidFill>
-              <a:schemeClr val="tx1"/>
-            </a:solidFill>
-          </a:ln>
-        </p:spPr>
-        <p:style>
-          <a:lnRef idx="2">
-            <a:schemeClr val="accent1">
-              <a:shade val="50000"/>
-            </a:schemeClr>
-          </a:lnRef>
-          <a:fillRef idx="1">
-            <a:schemeClr val="accent1"/>
-          </a:fillRef>
-          <a:effectRef idx="0">
-            <a:schemeClr val="accent1"/>
-          </a:effectRef>
-          <a:fontRef idx="minor">
-            <a:schemeClr val="lt1"/>
-          </a:fontRef>
-        </p:style>
-        <p:txBody>
-          <a:bodyPr wrap="none" lIns="36000" tIns="36000" rIns="36000" bIns="36000" rtlCol="0" anchor="ctr" anchorCtr="0"/>
-          <a:lstStyle/>
-          <a:p>
-            <a:pPr algn="ctr"/>
-            <a:r>
-              <a:rPr lang="zh-CN" altLang="en-US" sz="1600" b="1">
-                <a:solidFill>
-                  <a:schemeClr val="tx1"/>
-                </a:solidFill>
-                <a:latin typeface="微软雅黑" panose="020B0503020204020204" pitchFamily="34" charset="-122"/>
-                <a:ea typeface="微软雅黑" panose="020B0503020204020204" pitchFamily="34" charset="-122"/>
-              </a:rPr>
-              <a:t>确认收款</a:t>
-            </a:r>
-            <a:endParaRPr lang="en-US" altLang="zh-CN" sz="1600" b="1">
-              <a:solidFill>
-                <a:schemeClr val="tx1"/>
-              </a:solidFill>
-              <a:latin typeface="微软雅黑" panose="020B0503020204020204" pitchFamily="34" charset="-122"/>
-              <a:ea typeface="微软雅黑" panose="020B0503020204020204" pitchFamily="34" charset="-122"/>
-            </a:endParaRPr>
-          </a:p>
-          <a:p>
-            <a:pPr algn="ctr"/>
-            <a:r>
-              <a:rPr lang="en-US" altLang="zh-CN" sz="1600" b="1">
-                <a:solidFill>
-                  <a:schemeClr val="tx1"/>
-                </a:solidFill>
-                <a:latin typeface="微软雅黑" panose="020B0503020204020204" pitchFamily="34" charset="-122"/>
-                <a:ea typeface="微软雅黑" panose="020B0503020204020204" pitchFamily="34" charset="-122"/>
-              </a:rPr>
-              <a:t>confirm</a:t>
-            </a:r>
-            <a:endParaRPr lang="zh-CN" altLang="en-US" sz="1600" b="1">
-              <a:solidFill>
-                <a:schemeClr val="tx1"/>
-              </a:solidFill>
-              <a:latin typeface="微软雅黑" panose="020B0503020204020204" pitchFamily="34" charset="-122"/>
-              <a:ea typeface="微软雅黑" panose="020B0503020204020204" pitchFamily="34" charset="-122"/>
-            </a:endParaRPr>
-          </a:p>
-        </p:txBody>
-      </p:sp>
-      <p:cxnSp>
-        <p:nvCxnSpPr>
-          <p:cNvPr id="59" name="直接箭头连接符 58">
-            <a:extLst>
-              <a:ext uri="{FF2B5EF4-FFF2-40B4-BE49-F238E27FC236}">
-                <a16:creationId xmlns:a16="http://schemas.microsoft.com/office/drawing/2014/main" id="{E8CE606D-E7F8-4193-A90B-32217CC6FE96}"/>
-              </a:ext>
-            </a:extLst>
-          </p:cNvPr>
-          <p:cNvCxnSpPr>
-            <a:cxnSpLocks/>
-            <a:stCxn id="58" idx="3"/>
-            <a:endCxn id="60" idx="1"/>
-          </p:cNvCxnSpPr>
-          <p:nvPr/>
-        </p:nvCxnSpPr>
-        <p:spPr>
-          <a:xfrm>
-            <a:off x="5207896" y="3652535"/>
-            <a:ext cx="1515236" cy="0"/>
-          </a:xfrm>
-          <a:prstGeom prst="straightConnector1">
-            <a:avLst/>
-          </a:prstGeom>
-          <a:ln w="31750">
-            <a:solidFill>
-              <a:schemeClr val="tx1"/>
-            </a:solidFill>
-            <a:tailEnd type="triangle"/>
-          </a:ln>
-        </p:spPr>
-        <p:style>
-          <a:lnRef idx="1">
-            <a:schemeClr val="accent1"/>
-          </a:lnRef>
-          <a:fillRef idx="0">
-            <a:schemeClr val="accent1"/>
-          </a:fillRef>
-          <a:effectRef idx="0">
-            <a:schemeClr val="accent1"/>
-          </a:effectRef>
-          <a:fontRef idx="minor">
-            <a:schemeClr val="tx1"/>
-          </a:fontRef>
-        </p:style>
-      </p:cxnSp>
-      <p:sp>
-        <p:nvSpPr>
-          <p:cNvPr id="60" name="矩形: 圆角 59">
-            <a:extLst>
-              <a:ext uri="{FF2B5EF4-FFF2-40B4-BE49-F238E27FC236}">
-                <a16:creationId xmlns:a16="http://schemas.microsoft.com/office/drawing/2014/main" id="{439E5E02-6BA2-41DE-AC3B-ECEDEFD1F385}"/>
-              </a:ext>
-            </a:extLst>
-          </p:cNvPr>
-          <p:cNvSpPr/>
-          <p:nvPr/>
-        </p:nvSpPr>
-        <p:spPr>
-          <a:xfrm>
-            <a:off x="6723132" y="3364535"/>
-            <a:ext cx="1620000" cy="576000"/>
-          </a:xfrm>
-          <a:prstGeom prst="roundRect">
-            <a:avLst/>
-          </a:prstGeom>
-          <a:solidFill>
-            <a:schemeClr val="bg1"/>
-          </a:solidFill>
-          <a:ln>
-            <a:solidFill>
-              <a:schemeClr val="tx1"/>
-            </a:solidFill>
-          </a:ln>
-        </p:spPr>
-        <p:style>
-          <a:lnRef idx="2">
-            <a:schemeClr val="accent1">
-              <a:shade val="50000"/>
-            </a:schemeClr>
-          </a:lnRef>
-          <a:fillRef idx="1">
-            <a:schemeClr val="accent1"/>
-          </a:fillRef>
-          <a:effectRef idx="0">
-            <a:schemeClr val="accent1"/>
-          </a:effectRef>
-          <a:fontRef idx="minor">
-            <a:schemeClr val="lt1"/>
-          </a:fontRef>
-        </p:style>
-        <p:txBody>
-          <a:bodyPr wrap="none" lIns="36000" tIns="36000" rIns="36000" bIns="36000" rtlCol="0" anchor="ctr" anchorCtr="0"/>
-          <a:lstStyle/>
-          <a:p>
-            <a:pPr algn="ctr"/>
-            <a:r>
-              <a:rPr lang="zh-CN" altLang="en-US" sz="1600" b="1">
-                <a:solidFill>
-                  <a:schemeClr val="tx1"/>
-                </a:solidFill>
-                <a:latin typeface="微软雅黑" panose="020B0503020204020204" pitchFamily="34" charset="-122"/>
-                <a:ea typeface="微软雅黑" panose="020B0503020204020204" pitchFamily="34" charset="-122"/>
-              </a:rPr>
-              <a:t>合约账户转账</a:t>
-            </a:r>
-          </a:p>
-        </p:txBody>
-      </p:sp>
-      <p:cxnSp>
-        <p:nvCxnSpPr>
-          <p:cNvPr id="62" name="直接箭头连接符 61">
-            <a:extLst>
-              <a:ext uri="{FF2B5EF4-FFF2-40B4-BE49-F238E27FC236}">
-                <a16:creationId xmlns:a16="http://schemas.microsoft.com/office/drawing/2014/main" id="{5E333993-C0A6-4C5E-86E9-7F2027329CE7}"/>
-              </a:ext>
-            </a:extLst>
-          </p:cNvPr>
-          <p:cNvCxnSpPr>
-            <a:cxnSpLocks/>
-            <a:stCxn id="57" idx="3"/>
-            <a:endCxn id="58" idx="1"/>
-          </p:cNvCxnSpPr>
-          <p:nvPr/>
-        </p:nvCxnSpPr>
-        <p:spPr>
-          <a:xfrm>
-            <a:off x="2363642" y="3652535"/>
-            <a:ext cx="1332254" cy="0"/>
-          </a:xfrm>
-          <a:prstGeom prst="straightConnector1">
-            <a:avLst/>
-          </a:prstGeom>
-          <a:ln w="31750">
-            <a:solidFill>
-              <a:schemeClr val="tx1"/>
-            </a:solidFill>
-            <a:tailEnd type="triangle"/>
-          </a:ln>
-        </p:spPr>
-        <p:style>
-          <a:lnRef idx="1">
-            <a:schemeClr val="accent1"/>
-          </a:lnRef>
-          <a:fillRef idx="0">
-            <a:schemeClr val="accent1"/>
-          </a:fillRef>
-          <a:effectRef idx="0">
-            <a:schemeClr val="accent1"/>
-          </a:effectRef>
-          <a:fontRef idx="minor">
-            <a:schemeClr val="tx1"/>
-          </a:fontRef>
-        </p:style>
-      </p:cxnSp>
-      <p:sp>
-        <p:nvSpPr>
-          <p:cNvPr id="63" name="矩形: 圆角 62">
-            <a:extLst>
-              <a:ext uri="{FF2B5EF4-FFF2-40B4-BE49-F238E27FC236}">
-                <a16:creationId xmlns:a16="http://schemas.microsoft.com/office/drawing/2014/main" id="{277DE9D7-2400-47B2-8AB5-32DC77E2F2B6}"/>
-              </a:ext>
-            </a:extLst>
-          </p:cNvPr>
-          <p:cNvSpPr/>
-          <p:nvPr/>
-        </p:nvSpPr>
-        <p:spPr>
-          <a:xfrm>
-            <a:off x="9766878" y="3328535"/>
-            <a:ext cx="1512000" cy="648000"/>
-          </a:xfrm>
-          <a:prstGeom prst="roundRect">
-            <a:avLst/>
-          </a:prstGeom>
-          <a:solidFill>
-            <a:srgbClr val="00B0F0"/>
-          </a:solidFill>
-          <a:ln>
-            <a:solidFill>
-              <a:schemeClr val="tx1"/>
-            </a:solidFill>
-          </a:ln>
-        </p:spPr>
-        <p:style>
-          <a:lnRef idx="2">
-            <a:schemeClr val="accent1">
-              <a:shade val="50000"/>
-            </a:schemeClr>
-          </a:lnRef>
-          <a:fillRef idx="1">
-            <a:schemeClr val="accent1"/>
-          </a:fillRef>
-          <a:effectRef idx="0">
-            <a:schemeClr val="accent1"/>
-          </a:effectRef>
-          <a:fontRef idx="minor">
-            <a:schemeClr val="lt1"/>
-          </a:fontRef>
-        </p:style>
-        <p:txBody>
-          <a:bodyPr wrap="none" lIns="36000" tIns="36000" rIns="36000" bIns="36000" rtlCol="0" anchor="ctr" anchorCtr="0"/>
-          <a:lstStyle/>
-          <a:p>
-            <a:pPr algn="ctr"/>
-            <a:r>
-              <a:rPr lang="zh-CN" altLang="en-US" sz="1600" b="1">
-                <a:solidFill>
-                  <a:schemeClr val="tx1"/>
-                </a:solidFill>
-                <a:latin typeface="微软雅黑" panose="020B0503020204020204" pitchFamily="34" charset="-122"/>
-                <a:ea typeface="微软雅黑" panose="020B0503020204020204" pitchFamily="34" charset="-122"/>
-              </a:rPr>
-              <a:t>买单用户</a:t>
-            </a:r>
-          </a:p>
-        </p:txBody>
-      </p:sp>
-      <p:cxnSp>
-        <p:nvCxnSpPr>
-          <p:cNvPr id="64" name="直接箭头连接符 63">
-            <a:extLst>
-              <a:ext uri="{FF2B5EF4-FFF2-40B4-BE49-F238E27FC236}">
-                <a16:creationId xmlns:a16="http://schemas.microsoft.com/office/drawing/2014/main" id="{5E3981A5-3200-4516-8486-750739C1C0F0}"/>
-              </a:ext>
-            </a:extLst>
-          </p:cNvPr>
-          <p:cNvCxnSpPr>
-            <a:cxnSpLocks/>
-            <a:stCxn id="60" idx="3"/>
-            <a:endCxn id="63" idx="1"/>
-          </p:cNvCxnSpPr>
-          <p:nvPr/>
-        </p:nvCxnSpPr>
-        <p:spPr>
-          <a:xfrm>
-            <a:off x="8343132" y="3652535"/>
-            <a:ext cx="1423746" cy="0"/>
-          </a:xfrm>
-          <a:prstGeom prst="straightConnector1">
-            <a:avLst/>
-          </a:prstGeom>
-          <a:ln w="31750">
-            <a:solidFill>
-              <a:schemeClr val="tx1"/>
-            </a:solidFill>
-            <a:tailEnd type="triangle"/>
-          </a:ln>
-        </p:spPr>
-        <p:style>
-          <a:lnRef idx="1">
-            <a:schemeClr val="accent1"/>
-          </a:lnRef>
-          <a:fillRef idx="0">
-            <a:schemeClr val="accent1"/>
-          </a:fillRef>
-          <a:effectRef idx="0">
-            <a:schemeClr val="accent1"/>
-          </a:effectRef>
-          <a:fontRef idx="minor">
-            <a:schemeClr val="tx1"/>
-          </a:fontRef>
-        </p:style>
-      </p:cxnSp>
-      <p:sp>
-        <p:nvSpPr>
-          <p:cNvPr id="34" name="矩形: 圆角 33">
-            <a:extLst>
-              <a:ext uri="{FF2B5EF4-FFF2-40B4-BE49-F238E27FC236}">
-                <a16:creationId xmlns:a16="http://schemas.microsoft.com/office/drawing/2014/main" id="{8868123B-109E-4A9F-8E31-973B05EF89EF}"/>
-              </a:ext>
-            </a:extLst>
-          </p:cNvPr>
-          <p:cNvSpPr/>
-          <p:nvPr/>
-        </p:nvSpPr>
-        <p:spPr>
-          <a:xfrm>
-            <a:off x="6723132" y="2299233"/>
-            <a:ext cx="1512000" cy="648000"/>
-          </a:xfrm>
-          <a:prstGeom prst="roundRect">
-            <a:avLst/>
-          </a:prstGeom>
-          <a:solidFill>
-            <a:srgbClr val="00B050"/>
-          </a:solidFill>
-          <a:ln>
-            <a:solidFill>
-              <a:schemeClr val="tx1"/>
-            </a:solidFill>
-          </a:ln>
-        </p:spPr>
-        <p:style>
-          <a:lnRef idx="2">
-            <a:schemeClr val="accent1">
-              <a:shade val="50000"/>
-            </a:schemeClr>
-          </a:lnRef>
-          <a:fillRef idx="1">
-            <a:schemeClr val="accent1"/>
-          </a:fillRef>
-          <a:effectRef idx="0">
-            <a:schemeClr val="accent1"/>
-          </a:effectRef>
-          <a:fontRef idx="minor">
-            <a:schemeClr val="lt1"/>
-          </a:fontRef>
-        </p:style>
-        <p:txBody>
-          <a:bodyPr wrap="none" lIns="36000" tIns="36000" rIns="36000" bIns="36000" rtlCol="0" anchor="ctr" anchorCtr="0"/>
-          <a:lstStyle/>
-          <a:p>
-            <a:pPr algn="ctr"/>
-            <a:r>
-              <a:rPr lang="zh-CN" altLang="en-US" sz="1600" b="1">
-                <a:solidFill>
-                  <a:schemeClr val="tx1"/>
-                </a:solidFill>
-                <a:latin typeface="微软雅黑" panose="020B0503020204020204" pitchFamily="34" charset="-122"/>
-                <a:ea typeface="微软雅黑" panose="020B0503020204020204" pitchFamily="34" charset="-122"/>
-              </a:rPr>
               <a:t>购买</a:t>
             </a:r>
             <a:endParaRPr lang="en-US" altLang="zh-CN" sz="1600" b="1">
@@ -6416,7 +5776,7 @@
 </p:sld>
 </file>
 
-<file path=ppt/slides/slide5.xml><?xml version="1.0" encoding="utf-8"?>
+<file path=ppt/slides/slide4.xml><?xml version="1.0" encoding="utf-8"?>
 <p:sld xmlns:a="http://schemas.openxmlformats.org/drawingml/2006/main" xmlns:r="http://schemas.openxmlformats.org/officeDocument/2006/relationships" xmlns:p="http://schemas.openxmlformats.org/presentationml/2006/main">
   <p:cSld>
     <p:spTree>
